--- a/docs/dataset-model.pptx
+++ b/docs/dataset-model.pptx
@@ -6,6 +6,7 @@
   </p:sldMasterIdLst>
   <p:sldIdLst>
     <p:sldId id="257" r:id="rId2"/>
+    <p:sldId id="258" r:id="rId3"/>
   </p:sldIdLst>
   <p:sldSz cx="12192000" cy="6858000"/>
   <p:notesSz cx="6858000" cy="9945688"/>
@@ -241,7 +242,7 @@
           <a:p>
             <a:fld id="{DF51F651-493F-407D-B126-2F97EB9E3260}" type="datetimeFigureOut">
               <a:rPr kumimoji="1" lang="ja-JP" altLang="en-US" smtClean="0"/>
-              <a:t>2024/9/22</a:t>
+              <a:t>2025/1/31</a:t>
             </a:fld>
             <a:endParaRPr kumimoji="1" lang="ja-JP" altLang="en-US"/>
           </a:p>
@@ -441,7 +442,7 @@
           <a:p>
             <a:fld id="{DF51F651-493F-407D-B126-2F97EB9E3260}" type="datetimeFigureOut">
               <a:rPr kumimoji="1" lang="ja-JP" altLang="en-US" smtClean="0"/>
-              <a:t>2024/9/22</a:t>
+              <a:t>2025/1/31</a:t>
             </a:fld>
             <a:endParaRPr kumimoji="1" lang="ja-JP" altLang="en-US"/>
           </a:p>
@@ -651,7 +652,7 @@
           <a:p>
             <a:fld id="{DF51F651-493F-407D-B126-2F97EB9E3260}" type="datetimeFigureOut">
               <a:rPr kumimoji="1" lang="ja-JP" altLang="en-US" smtClean="0"/>
-              <a:t>2024/9/22</a:t>
+              <a:t>2025/1/31</a:t>
             </a:fld>
             <a:endParaRPr kumimoji="1" lang="ja-JP" altLang="en-US"/>
           </a:p>
@@ -851,7 +852,7 @@
           <a:p>
             <a:fld id="{DF51F651-493F-407D-B126-2F97EB9E3260}" type="datetimeFigureOut">
               <a:rPr kumimoji="1" lang="ja-JP" altLang="en-US" smtClean="0"/>
-              <a:t>2024/9/22</a:t>
+              <a:t>2025/1/31</a:t>
             </a:fld>
             <a:endParaRPr kumimoji="1" lang="ja-JP" altLang="en-US"/>
           </a:p>
@@ -1096,7 +1097,7 @@
           <a:p>
             <a:fld id="{DF51F651-493F-407D-B126-2F97EB9E3260}" type="datetimeFigureOut">
               <a:rPr kumimoji="1" lang="ja-JP" altLang="en-US" smtClean="0"/>
-              <a:t>2024/9/22</a:t>
+              <a:t>2025/1/31</a:t>
             </a:fld>
             <a:endParaRPr kumimoji="1" lang="ja-JP" altLang="en-US"/>
           </a:p>
@@ -1389,7 +1390,7 @@
           <a:p>
             <a:fld id="{DF51F651-493F-407D-B126-2F97EB9E3260}" type="datetimeFigureOut">
               <a:rPr kumimoji="1" lang="ja-JP" altLang="en-US" smtClean="0"/>
-              <a:t>2024/9/22</a:t>
+              <a:t>2025/1/31</a:t>
             </a:fld>
             <a:endParaRPr kumimoji="1" lang="ja-JP" altLang="en-US"/>
           </a:p>
@@ -1817,7 +1818,7 @@
           <a:p>
             <a:fld id="{DF51F651-493F-407D-B126-2F97EB9E3260}" type="datetimeFigureOut">
               <a:rPr kumimoji="1" lang="ja-JP" altLang="en-US" smtClean="0"/>
-              <a:t>2024/9/22</a:t>
+              <a:t>2025/1/31</a:t>
             </a:fld>
             <a:endParaRPr kumimoji="1" lang="ja-JP" altLang="en-US"/>
           </a:p>
@@ -1934,7 +1935,7 @@
           <a:p>
             <a:fld id="{DF51F651-493F-407D-B126-2F97EB9E3260}" type="datetimeFigureOut">
               <a:rPr kumimoji="1" lang="ja-JP" altLang="en-US" smtClean="0"/>
-              <a:t>2024/9/22</a:t>
+              <a:t>2025/1/31</a:t>
             </a:fld>
             <a:endParaRPr kumimoji="1" lang="ja-JP" altLang="en-US"/>
           </a:p>
@@ -2029,7 +2030,7 @@
           <a:p>
             <a:fld id="{DF51F651-493F-407D-B126-2F97EB9E3260}" type="datetimeFigureOut">
               <a:rPr kumimoji="1" lang="ja-JP" altLang="en-US" smtClean="0"/>
-              <a:t>2024/9/22</a:t>
+              <a:t>2025/1/31</a:t>
             </a:fld>
             <a:endParaRPr kumimoji="1" lang="ja-JP" altLang="en-US"/>
           </a:p>
@@ -2336,7 +2337,7 @@
           <a:p>
             <a:fld id="{DF51F651-493F-407D-B126-2F97EB9E3260}" type="datetimeFigureOut">
               <a:rPr kumimoji="1" lang="ja-JP" altLang="en-US" smtClean="0"/>
-              <a:t>2024/9/22</a:t>
+              <a:t>2025/1/31</a:t>
             </a:fld>
             <a:endParaRPr kumimoji="1" lang="ja-JP" altLang="en-US"/>
           </a:p>
@@ -2588,7 +2589,7 @@
           <a:p>
             <a:fld id="{DF51F651-493F-407D-B126-2F97EB9E3260}" type="datetimeFigureOut">
               <a:rPr kumimoji="1" lang="ja-JP" altLang="en-US" smtClean="0"/>
-              <a:t>2024/9/22</a:t>
+              <a:t>2025/1/31</a:t>
             </a:fld>
             <a:endParaRPr kumimoji="1" lang="ja-JP" altLang="en-US"/>
           </a:p>
@@ -2831,7 +2832,7 @@
           <a:p>
             <a:fld id="{DF51F651-493F-407D-B126-2F97EB9E3260}" type="datetimeFigureOut">
               <a:rPr kumimoji="1" lang="ja-JP" altLang="en-US" smtClean="0"/>
-              <a:t>2024/9/22</a:t>
+              <a:t>2025/1/31</a:t>
             </a:fld>
             <a:endParaRPr kumimoji="1" lang="ja-JP" altLang="en-US"/>
           </a:p>
@@ -7872,6 +7873,4804 @@
 </p:sld>
 </file>
 
+<file path=ppt/slides/slide2.xml><?xml version="1.0" encoding="utf-8"?>
+<p:sld xmlns:a="http://schemas.openxmlformats.org/drawingml/2006/main" xmlns:r="http://schemas.openxmlformats.org/officeDocument/2006/relationships" xmlns:p="http://schemas.openxmlformats.org/presentationml/2006/main">
+  <p:cSld>
+    <p:spTree>
+      <p:nvGrpSpPr>
+        <p:cNvPr id="1" name=""/>
+        <p:cNvGrpSpPr/>
+        <p:nvPr/>
+      </p:nvGrpSpPr>
+      <p:grpSpPr>
+        <a:xfrm>
+          <a:off x="0" y="0"/>
+          <a:ext cx="0" cy="0"/>
+          <a:chOff x="0" y="0"/>
+          <a:chExt cx="0" cy="0"/>
+        </a:xfrm>
+      </p:grpSpPr>
+      <p:sp>
+        <p:nvSpPr>
+          <p:cNvPr id="4" name="楕円 3"/>
+          <p:cNvSpPr/>
+          <p:nvPr/>
+        </p:nvSpPr>
+        <p:spPr>
+          <a:xfrm>
+            <a:off x="4133586" y="1175066"/>
+            <a:ext cx="2225205" cy="712133"/>
+          </a:xfrm>
+          <a:prstGeom prst="ellipse">
+            <a:avLst/>
+          </a:prstGeom>
+        </p:spPr>
+        <p:style>
+          <a:lnRef idx="2">
+            <a:schemeClr val="accent1">
+              <a:shade val="50000"/>
+            </a:schemeClr>
+          </a:lnRef>
+          <a:fillRef idx="1">
+            <a:schemeClr val="accent1"/>
+          </a:fillRef>
+          <a:effectRef idx="0">
+            <a:schemeClr val="accent1"/>
+          </a:effectRef>
+          <a:fontRef idx="minor">
+            <a:schemeClr val="lt1"/>
+          </a:fontRef>
+        </p:style>
+        <p:txBody>
+          <a:bodyPr rtlCol="0" anchor="ctr"/>
+          <a:lstStyle/>
+          <a:p>
+            <a:pPr algn="ctr"/>
+            <a:r>
+              <a:rPr lang="ja-JP" altLang="en-US" u="sng" dirty="0">
+                <a:latin typeface="Calibri Light" panose="020F0302020204030204" pitchFamily="34" charset="0"/>
+                <a:ea typeface="Calibri Light" panose="020F0302020204030204" pitchFamily="34" charset="0"/>
+                <a:cs typeface="Calibri Light" panose="020F0302020204030204" pitchFamily="34" charset="0"/>
+              </a:rPr>
+              <a:t>データセット</a:t>
+            </a:r>
+            <a:r>
+              <a:rPr kumimoji="1" lang="ja-JP" altLang="en-US" u="sng" dirty="0">
+                <a:latin typeface="Calibri Light" panose="020F0302020204030204" pitchFamily="34" charset="0"/>
+                <a:ea typeface="Calibri Light" panose="020F0302020204030204" pitchFamily="34" charset="0"/>
+                <a:cs typeface="Calibri Light" panose="020F0302020204030204" pitchFamily="34" charset="0"/>
+              </a:rPr>
+              <a:t>全体</a:t>
+            </a:r>
+            <a:endParaRPr kumimoji="1" lang="ja-JP" altLang="en-US" u="sng" dirty="0">
+              <a:latin typeface="Calibri Light" panose="020F0302020204030204" pitchFamily="34" charset="0"/>
+              <a:ea typeface="BIZ UDゴシック" panose="020B0400000000000000" pitchFamily="49" charset="-128"/>
+              <a:cs typeface="Calibri Light" panose="020F0302020204030204" pitchFamily="34" charset="0"/>
+            </a:endParaRPr>
+          </a:p>
+        </p:txBody>
+      </p:sp>
+      <p:sp>
+        <p:nvSpPr>
+          <p:cNvPr id="5" name="正方形/長方形 4"/>
+          <p:cNvSpPr/>
+          <p:nvPr/>
+        </p:nvSpPr>
+        <p:spPr>
+          <a:xfrm>
+            <a:off x="8630027" y="246519"/>
+            <a:ext cx="2292897" cy="416378"/>
+          </a:xfrm>
+          <a:prstGeom prst="rect">
+            <a:avLst/>
+          </a:prstGeom>
+        </p:spPr>
+        <p:style>
+          <a:lnRef idx="2">
+            <a:schemeClr val="dk1"/>
+          </a:lnRef>
+          <a:fillRef idx="1">
+            <a:schemeClr val="lt1"/>
+          </a:fillRef>
+          <a:effectRef idx="0">
+            <a:schemeClr val="dk1"/>
+          </a:effectRef>
+          <a:fontRef idx="minor">
+            <a:schemeClr val="dk1"/>
+          </a:fontRef>
+        </p:style>
+        <p:txBody>
+          <a:bodyPr rtlCol="0" anchor="ctr"/>
+          <a:lstStyle/>
+          <a:p>
+            <a:pPr algn="ctr"/>
+            <a:r>
+              <a:rPr lang="ja-JP" altLang="en-US" dirty="0">
+                <a:latin typeface="Calibri Light" panose="020F0302020204030204" pitchFamily="34" charset="0"/>
+                <a:ea typeface="BIZ UDゴシック" panose="020B0400000000000000" pitchFamily="49" charset="-128"/>
+                <a:cs typeface="Calibri Light" panose="020F0302020204030204" pitchFamily="34" charset="0"/>
+              </a:rPr>
+              <a:t>テストワールド</a:t>
+            </a:r>
+            <a:r>
+              <a:rPr kumimoji="1" lang="en-US" altLang="ja-JP" dirty="0">
+                <a:latin typeface="Calibri Light" panose="020F0302020204030204" pitchFamily="34" charset="0"/>
+                <a:ea typeface="Calibri Light" panose="020F0302020204030204" pitchFamily="34" charset="0"/>
+                <a:cs typeface="Calibri Light" panose="020F0302020204030204" pitchFamily="34" charset="0"/>
+              </a:rPr>
+              <a:t>LOD</a:t>
+            </a:r>
+            <a:endParaRPr kumimoji="1" lang="ja-JP" altLang="en-US" dirty="0">
+              <a:latin typeface="Calibri Light" panose="020F0302020204030204" pitchFamily="34" charset="0"/>
+              <a:ea typeface="BIZ UDゴシック" panose="020B0400000000000000" pitchFamily="49" charset="-128"/>
+              <a:cs typeface="Calibri Light" panose="020F0302020204030204" pitchFamily="34" charset="0"/>
+            </a:endParaRPr>
+          </a:p>
+        </p:txBody>
+      </p:sp>
+      <p:cxnSp>
+        <p:nvCxnSpPr>
+          <p:cNvPr id="7" name="直線矢印コネクタ 6"/>
+          <p:cNvCxnSpPr>
+            <a:cxnSpLocks/>
+            <a:stCxn id="4" idx="6"/>
+            <a:endCxn id="5" idx="1"/>
+          </p:cNvCxnSpPr>
+          <p:nvPr/>
+        </p:nvCxnSpPr>
+        <p:spPr>
+          <a:xfrm flipV="1">
+            <a:off x="6358791" y="454708"/>
+            <a:ext cx="2271236" cy="1076425"/>
+          </a:xfrm>
+          <a:prstGeom prst="straightConnector1">
+            <a:avLst/>
+          </a:prstGeom>
+          <a:ln>
+            <a:tailEnd type="triangle"/>
+          </a:ln>
+        </p:spPr>
+        <p:style>
+          <a:lnRef idx="1">
+            <a:schemeClr val="accent1"/>
+          </a:lnRef>
+          <a:fillRef idx="0">
+            <a:schemeClr val="accent1"/>
+          </a:fillRef>
+          <a:effectRef idx="0">
+            <a:schemeClr val="accent1"/>
+          </a:effectRef>
+          <a:fontRef idx="minor">
+            <a:schemeClr val="tx1"/>
+          </a:fontRef>
+        </p:style>
+      </p:cxnSp>
+      <p:sp>
+        <p:nvSpPr>
+          <p:cNvPr id="9" name="テキスト ボックス 8"/>
+          <p:cNvSpPr txBox="1"/>
+          <p:nvPr/>
+        </p:nvSpPr>
+        <p:spPr>
+          <a:xfrm>
+            <a:off x="7367510" y="722037"/>
+            <a:ext cx="825867" cy="338554"/>
+          </a:xfrm>
+          <a:prstGeom prst="rect">
+            <a:avLst/>
+          </a:prstGeom>
+          <a:noFill/>
+        </p:spPr>
+        <p:txBody>
+          <a:bodyPr wrap="none" rtlCol="0">
+            <a:spAutoFit/>
+          </a:bodyPr>
+          <a:lstStyle/>
+          <a:p>
+            <a:r>
+              <a:rPr kumimoji="1" lang="en-US" altLang="ja-JP" sz="1600" dirty="0" err="1">
+                <a:latin typeface="Calibri Light" panose="020F0302020204030204" pitchFamily="34" charset="0"/>
+                <a:ea typeface="Calibri Light" panose="020F0302020204030204" pitchFamily="34" charset="0"/>
+                <a:cs typeface="Calibri Light" panose="020F0302020204030204" pitchFamily="34" charset="0"/>
+              </a:rPr>
+              <a:t>dct:title</a:t>
+            </a:r>
+            <a:endParaRPr kumimoji="1" lang="ja-JP" altLang="en-US" sz="1600" dirty="0">
+              <a:latin typeface="Calibri Light" panose="020F0302020204030204" pitchFamily="34" charset="0"/>
+              <a:ea typeface="BIZ UDゴシック" panose="020B0400000000000000" pitchFamily="49" charset="-128"/>
+              <a:cs typeface="Calibri Light" panose="020F0302020204030204" pitchFamily="34" charset="0"/>
+            </a:endParaRPr>
+          </a:p>
+        </p:txBody>
+      </p:sp>
+      <p:sp>
+        <p:nvSpPr>
+          <p:cNvPr id="47" name="楕円 46"/>
+          <p:cNvSpPr/>
+          <p:nvPr/>
+        </p:nvSpPr>
+        <p:spPr>
+          <a:xfrm>
+            <a:off x="525731" y="1671757"/>
+            <a:ext cx="216000" cy="216000"/>
+          </a:xfrm>
+          <a:prstGeom prst="ellipse">
+            <a:avLst/>
+          </a:prstGeom>
+        </p:spPr>
+        <p:style>
+          <a:lnRef idx="2">
+            <a:schemeClr val="accent1">
+              <a:shade val="50000"/>
+            </a:schemeClr>
+          </a:lnRef>
+          <a:fillRef idx="1">
+            <a:schemeClr val="accent1"/>
+          </a:fillRef>
+          <a:effectRef idx="0">
+            <a:schemeClr val="accent1"/>
+          </a:effectRef>
+          <a:fontRef idx="minor">
+            <a:schemeClr val="lt1"/>
+          </a:fontRef>
+        </p:style>
+        <p:txBody>
+          <a:bodyPr rtlCol="0" anchor="ctr"/>
+          <a:lstStyle/>
+          <a:p>
+            <a:pPr algn="ctr"/>
+            <a:endParaRPr kumimoji="1" lang="ja-JP" altLang="en-US" sz="1400" dirty="0">
+              <a:latin typeface="Calibri Light" panose="020F0302020204030204" pitchFamily="34" charset="0"/>
+              <a:ea typeface="BIZ UDゴシック" panose="020B0400000000000000" pitchFamily="49" charset="-128"/>
+              <a:cs typeface="Calibri Light" panose="020F0302020204030204" pitchFamily="34" charset="0"/>
+            </a:endParaRPr>
+          </a:p>
+        </p:txBody>
+      </p:sp>
+      <p:sp>
+        <p:nvSpPr>
+          <p:cNvPr id="49" name="楕円 48"/>
+          <p:cNvSpPr/>
+          <p:nvPr/>
+        </p:nvSpPr>
+        <p:spPr>
+          <a:xfrm>
+            <a:off x="1119962" y="1174151"/>
+            <a:ext cx="2032075" cy="772316"/>
+          </a:xfrm>
+          <a:prstGeom prst="ellipse">
+            <a:avLst/>
+          </a:prstGeom>
+        </p:spPr>
+        <p:style>
+          <a:lnRef idx="2">
+            <a:schemeClr val="accent1">
+              <a:shade val="50000"/>
+            </a:schemeClr>
+          </a:lnRef>
+          <a:fillRef idx="1">
+            <a:schemeClr val="accent1"/>
+          </a:fillRef>
+          <a:effectRef idx="0">
+            <a:schemeClr val="accent1"/>
+          </a:effectRef>
+          <a:fontRef idx="minor">
+            <a:schemeClr val="lt1"/>
+          </a:fontRef>
+        </p:style>
+        <p:txBody>
+          <a:bodyPr rtlCol="0" anchor="ctr"/>
+          <a:lstStyle/>
+          <a:p>
+            <a:pPr algn="ctr"/>
+            <a:r>
+              <a:rPr lang="ja-JP" altLang="en-US" sz="1400" u="sng" dirty="0">
+                <a:latin typeface="Calibri Light" panose="020F0302020204030204" pitchFamily="34" charset="0"/>
+                <a:ea typeface="Calibri Light" panose="020F0302020204030204" pitchFamily="34" charset="0"/>
+                <a:cs typeface="Calibri Light" panose="020F0302020204030204" pitchFamily="34" charset="0"/>
+              </a:rPr>
+              <a:t>テストワールドプロジェクト</a:t>
+            </a:r>
+            <a:endParaRPr lang="en-US" altLang="ja-JP" sz="1400" u="sng" dirty="0">
+              <a:latin typeface="Calibri Light" panose="020F0302020204030204" pitchFamily="34" charset="0"/>
+              <a:ea typeface="Calibri Light" panose="020F0302020204030204" pitchFamily="34" charset="0"/>
+              <a:cs typeface="Calibri Light" panose="020F0302020204030204" pitchFamily="34" charset="0"/>
+            </a:endParaRPr>
+          </a:p>
+        </p:txBody>
+      </p:sp>
+      <p:cxnSp>
+        <p:nvCxnSpPr>
+          <p:cNvPr id="51" name="直線矢印コネクタ 50"/>
+          <p:cNvCxnSpPr>
+            <a:cxnSpLocks/>
+            <a:stCxn id="4" idx="2"/>
+            <a:endCxn id="49" idx="6"/>
+          </p:cNvCxnSpPr>
+          <p:nvPr/>
+        </p:nvCxnSpPr>
+        <p:spPr>
+          <a:xfrm flipH="1">
+            <a:off x="3152037" y="1531133"/>
+            <a:ext cx="981549" cy="29176"/>
+          </a:xfrm>
+          <a:prstGeom prst="straightConnector1">
+            <a:avLst/>
+          </a:prstGeom>
+          <a:ln>
+            <a:tailEnd type="triangle"/>
+          </a:ln>
+        </p:spPr>
+        <p:style>
+          <a:lnRef idx="1">
+            <a:schemeClr val="accent1"/>
+          </a:lnRef>
+          <a:fillRef idx="0">
+            <a:schemeClr val="accent1"/>
+          </a:fillRef>
+          <a:effectRef idx="0">
+            <a:schemeClr val="accent1"/>
+          </a:effectRef>
+          <a:fontRef idx="minor">
+            <a:schemeClr val="tx1"/>
+          </a:fontRef>
+        </p:style>
+      </p:cxnSp>
+      <p:sp>
+        <p:nvSpPr>
+          <p:cNvPr id="61" name="テキスト ボックス 60"/>
+          <p:cNvSpPr txBox="1"/>
+          <p:nvPr/>
+        </p:nvSpPr>
+        <p:spPr>
+          <a:xfrm>
+            <a:off x="2999287" y="1172010"/>
+            <a:ext cx="1271502" cy="338554"/>
+          </a:xfrm>
+          <a:prstGeom prst="rect">
+            <a:avLst/>
+          </a:prstGeom>
+          <a:noFill/>
+        </p:spPr>
+        <p:txBody>
+          <a:bodyPr wrap="none" rtlCol="0">
+            <a:spAutoFit/>
+          </a:bodyPr>
+          <a:lstStyle/>
+          <a:p>
+            <a:r>
+              <a:rPr kumimoji="1" lang="en-US" altLang="ja-JP" sz="1600" dirty="0" err="1">
+                <a:solidFill>
+                  <a:srgbClr val="FF0000"/>
+                </a:solidFill>
+                <a:highlight>
+                  <a:srgbClr val="FFFF00"/>
+                </a:highlight>
+                <a:latin typeface="Calibri Light" panose="020F0302020204030204" pitchFamily="34" charset="0"/>
+                <a:ea typeface="Calibri Light" panose="020F0302020204030204" pitchFamily="34" charset="0"/>
+                <a:cs typeface="Calibri Light" panose="020F0302020204030204" pitchFamily="34" charset="0"/>
+              </a:rPr>
+              <a:t>dct:publisher</a:t>
+            </a:r>
+            <a:endParaRPr kumimoji="1" lang="ja-JP" altLang="en-US" sz="1600" dirty="0">
+              <a:solidFill>
+                <a:srgbClr val="FF0000"/>
+              </a:solidFill>
+              <a:highlight>
+                <a:srgbClr val="FFFF00"/>
+              </a:highlight>
+              <a:latin typeface="Calibri Light" panose="020F0302020204030204" pitchFamily="34" charset="0"/>
+              <a:ea typeface="BIZ UDゴシック" panose="020B0400000000000000" pitchFamily="49" charset="-128"/>
+              <a:cs typeface="Calibri Light" panose="020F0302020204030204" pitchFamily="34" charset="0"/>
+            </a:endParaRPr>
+          </a:p>
+        </p:txBody>
+      </p:sp>
+      <p:cxnSp>
+        <p:nvCxnSpPr>
+          <p:cNvPr id="63" name="直線矢印コネクタ 62"/>
+          <p:cNvCxnSpPr>
+            <a:cxnSpLocks/>
+            <a:stCxn id="49" idx="3"/>
+            <a:endCxn id="47" idx="6"/>
+          </p:cNvCxnSpPr>
+          <p:nvPr/>
+        </p:nvCxnSpPr>
+        <p:spPr>
+          <a:xfrm flipH="1" flipV="1">
+            <a:off x="741731" y="1779757"/>
+            <a:ext cx="675821" cy="53607"/>
+          </a:xfrm>
+          <a:prstGeom prst="straightConnector1">
+            <a:avLst/>
+          </a:prstGeom>
+          <a:ln>
+            <a:tailEnd type="triangle"/>
+          </a:ln>
+        </p:spPr>
+        <p:style>
+          <a:lnRef idx="1">
+            <a:schemeClr val="accent1"/>
+          </a:lnRef>
+          <a:fillRef idx="0">
+            <a:schemeClr val="accent1"/>
+          </a:fillRef>
+          <a:effectRef idx="0">
+            <a:schemeClr val="accent1"/>
+          </a:effectRef>
+          <a:fontRef idx="minor">
+            <a:schemeClr val="tx1"/>
+          </a:fontRef>
+        </p:style>
+      </p:cxnSp>
+      <p:cxnSp>
+        <p:nvCxnSpPr>
+          <p:cNvPr id="66" name="直線矢印コネクタ 65"/>
+          <p:cNvCxnSpPr>
+            <a:cxnSpLocks/>
+            <a:stCxn id="49" idx="3"/>
+            <a:endCxn id="139" idx="0"/>
+          </p:cNvCxnSpPr>
+          <p:nvPr/>
+        </p:nvCxnSpPr>
+        <p:spPr>
+          <a:xfrm>
+            <a:off x="1417552" y="1833364"/>
+            <a:ext cx="250238" cy="398511"/>
+          </a:xfrm>
+          <a:prstGeom prst="straightConnector1">
+            <a:avLst/>
+          </a:prstGeom>
+          <a:ln>
+            <a:tailEnd type="triangle"/>
+          </a:ln>
+        </p:spPr>
+        <p:style>
+          <a:lnRef idx="1">
+            <a:schemeClr val="accent1"/>
+          </a:lnRef>
+          <a:fillRef idx="0">
+            <a:schemeClr val="accent1"/>
+          </a:fillRef>
+          <a:effectRef idx="0">
+            <a:schemeClr val="accent1"/>
+          </a:effectRef>
+          <a:fontRef idx="minor">
+            <a:schemeClr val="tx1"/>
+          </a:fontRef>
+        </p:style>
+      </p:cxnSp>
+      <p:sp>
+        <p:nvSpPr>
+          <p:cNvPr id="100" name="テキスト ボックス 99"/>
+          <p:cNvSpPr txBox="1"/>
+          <p:nvPr/>
+        </p:nvSpPr>
+        <p:spPr>
+          <a:xfrm>
+            <a:off x="3975452" y="5079310"/>
+            <a:ext cx="1450462" cy="338554"/>
+          </a:xfrm>
+          <a:prstGeom prst="rect">
+            <a:avLst/>
+          </a:prstGeom>
+          <a:noFill/>
+        </p:spPr>
+        <p:txBody>
+          <a:bodyPr wrap="none" rtlCol="0">
+            <a:spAutoFit/>
+          </a:bodyPr>
+          <a:lstStyle/>
+          <a:p>
+            <a:r>
+              <a:rPr lang="en-US" altLang="ja-JP" sz="1600" dirty="0" err="1">
+                <a:latin typeface="Calibri Light" panose="020F0302020204030204" pitchFamily="34" charset="0"/>
+                <a:ea typeface="Calibri Light" panose="020F0302020204030204" pitchFamily="34" charset="0"/>
+                <a:cs typeface="Calibri Light" panose="020F0302020204030204" pitchFamily="34" charset="0"/>
+              </a:rPr>
+              <a:t>void</a:t>
+            </a:r>
+            <a:r>
+              <a:rPr kumimoji="1" lang="en-US" altLang="ja-JP" sz="1600" dirty="0" err="1">
+                <a:latin typeface="Calibri Light" panose="020F0302020204030204" pitchFamily="34" charset="0"/>
+                <a:ea typeface="Calibri Light" panose="020F0302020204030204" pitchFamily="34" charset="0"/>
+                <a:cs typeface="Calibri Light" panose="020F0302020204030204" pitchFamily="34" charset="0"/>
+              </a:rPr>
+              <a:t>:dataDump</a:t>
+            </a:r>
+            <a:endParaRPr kumimoji="1" lang="ja-JP" altLang="en-US" sz="1600" dirty="0">
+              <a:latin typeface="Calibri Light" panose="020F0302020204030204" pitchFamily="34" charset="0"/>
+              <a:ea typeface="BIZ UDゴシック" panose="020B0400000000000000" pitchFamily="49" charset="-128"/>
+              <a:cs typeface="Calibri Light" panose="020F0302020204030204" pitchFamily="34" charset="0"/>
+            </a:endParaRPr>
+          </a:p>
+        </p:txBody>
+      </p:sp>
+      <p:sp>
+        <p:nvSpPr>
+          <p:cNvPr id="101" name="楕円 100"/>
+          <p:cNvSpPr/>
+          <p:nvPr/>
+        </p:nvSpPr>
+        <p:spPr>
+          <a:xfrm>
+            <a:off x="3180778" y="5558717"/>
+            <a:ext cx="2829451" cy="826194"/>
+          </a:xfrm>
+          <a:prstGeom prst="ellipse">
+            <a:avLst/>
+          </a:prstGeom>
+        </p:spPr>
+        <p:style>
+          <a:lnRef idx="1">
+            <a:schemeClr val="accent1"/>
+          </a:lnRef>
+          <a:fillRef idx="2">
+            <a:schemeClr val="accent1"/>
+          </a:fillRef>
+          <a:effectRef idx="1">
+            <a:schemeClr val="accent1"/>
+          </a:effectRef>
+          <a:fontRef idx="minor">
+            <a:schemeClr val="dk1"/>
+          </a:fontRef>
+        </p:style>
+        <p:txBody>
+          <a:bodyPr rtlCol="0" anchor="ctr"/>
+          <a:lstStyle/>
+          <a:p>
+            <a:pPr algn="ctr"/>
+            <a:r>
+              <a:rPr kumimoji="1" lang="en-US" altLang="ja-JP" sz="1600" dirty="0">
+                <a:latin typeface="Calibri Light" panose="020F0302020204030204" pitchFamily="34" charset="0"/>
+                <a:ea typeface="Calibri Light" panose="020F0302020204030204" pitchFamily="34" charset="0"/>
+                <a:cs typeface="Calibri Light" panose="020F0302020204030204" pitchFamily="34" charset="0"/>
+              </a:rPr>
+              <a:t>&lt;</a:t>
+            </a:r>
+            <a:r>
+              <a:rPr lang="en-US" altLang="ja-JP" sz="1600" dirty="0">
+                <a:latin typeface="Calibri Light" panose="020F0302020204030204" pitchFamily="34" charset="0"/>
+                <a:ea typeface="Calibri Light" panose="020F0302020204030204" pitchFamily="34" charset="0"/>
+                <a:cs typeface="Calibri Light" panose="020F0302020204030204" pitchFamily="34" charset="0"/>
+              </a:rPr>
+              <a:t>https://example.org/hello-world/dataset-v2.0.ttl&gt;</a:t>
+            </a:r>
+            <a:endParaRPr kumimoji="1" lang="ja-JP" altLang="en-US" sz="1600" dirty="0">
+              <a:latin typeface="Calibri Light" panose="020F0302020204030204" pitchFamily="34" charset="0"/>
+              <a:ea typeface="BIZ UDゴシック" panose="020B0400000000000000" pitchFamily="49" charset="-128"/>
+              <a:cs typeface="Calibri Light" panose="020F0302020204030204" pitchFamily="34" charset="0"/>
+            </a:endParaRPr>
+          </a:p>
+        </p:txBody>
+      </p:sp>
+      <p:cxnSp>
+        <p:nvCxnSpPr>
+          <p:cNvPr id="102" name="直線矢印コネクタ 101"/>
+          <p:cNvCxnSpPr>
+            <a:cxnSpLocks/>
+            <a:stCxn id="171" idx="3"/>
+            <a:endCxn id="101" idx="0"/>
+          </p:cNvCxnSpPr>
+          <p:nvPr/>
+        </p:nvCxnSpPr>
+        <p:spPr>
+          <a:xfrm>
+            <a:off x="4595504" y="3844573"/>
+            <a:ext cx="0" cy="1714144"/>
+          </a:xfrm>
+          <a:prstGeom prst="straightConnector1">
+            <a:avLst/>
+          </a:prstGeom>
+          <a:ln>
+            <a:tailEnd type="triangle"/>
+          </a:ln>
+        </p:spPr>
+        <p:style>
+          <a:lnRef idx="1">
+            <a:schemeClr val="accent1"/>
+          </a:lnRef>
+          <a:fillRef idx="0">
+            <a:schemeClr val="accent1"/>
+          </a:fillRef>
+          <a:effectRef idx="0">
+            <a:schemeClr val="accent1"/>
+          </a:effectRef>
+          <a:fontRef idx="minor">
+            <a:schemeClr val="tx1"/>
+          </a:fontRef>
+        </p:style>
+      </p:cxnSp>
+      <p:sp>
+        <p:nvSpPr>
+          <p:cNvPr id="107" name="正方形/長方形 106"/>
+          <p:cNvSpPr/>
+          <p:nvPr/>
+        </p:nvSpPr>
+        <p:spPr>
+          <a:xfrm>
+            <a:off x="1454043" y="5516095"/>
+            <a:ext cx="1249297" cy="335821"/>
+          </a:xfrm>
+          <a:prstGeom prst="rect">
+            <a:avLst/>
+          </a:prstGeom>
+        </p:spPr>
+        <p:style>
+          <a:lnRef idx="2">
+            <a:schemeClr val="dk1"/>
+          </a:lnRef>
+          <a:fillRef idx="1">
+            <a:schemeClr val="lt1"/>
+          </a:fillRef>
+          <a:effectRef idx="0">
+            <a:schemeClr val="dk1"/>
+          </a:effectRef>
+          <a:fontRef idx="minor">
+            <a:schemeClr val="dk1"/>
+          </a:fontRef>
+        </p:style>
+        <p:txBody>
+          <a:bodyPr rtlCol="0" anchor="ctr"/>
+          <a:lstStyle/>
+          <a:p>
+            <a:pPr algn="ctr"/>
+            <a:r>
+              <a:rPr lang="en-US" altLang="ja-JP" sz="1600" dirty="0">
+                <a:latin typeface="Calibri Light" panose="020F0302020204030204" pitchFamily="34" charset="0"/>
+                <a:ea typeface="Calibri Light" panose="020F0302020204030204" pitchFamily="34" charset="0"/>
+                <a:cs typeface="Calibri Light" panose="020F0302020204030204" pitchFamily="34" charset="0"/>
+              </a:rPr>
+              <a:t>13290196</a:t>
+            </a:r>
+            <a:endParaRPr kumimoji="1" lang="ja-JP" altLang="en-US" sz="1600" dirty="0">
+              <a:latin typeface="Calibri Light" panose="020F0302020204030204" pitchFamily="34" charset="0"/>
+              <a:ea typeface="BIZ UDゴシック" panose="020B0400000000000000" pitchFamily="49" charset="-128"/>
+              <a:cs typeface="Calibri Light" panose="020F0302020204030204" pitchFamily="34" charset="0"/>
+            </a:endParaRPr>
+          </a:p>
+        </p:txBody>
+      </p:sp>
+      <p:cxnSp>
+        <p:nvCxnSpPr>
+          <p:cNvPr id="108" name="直線矢印コネクタ 107"/>
+          <p:cNvCxnSpPr>
+            <a:cxnSpLocks/>
+            <a:stCxn id="171" idx="3"/>
+            <a:endCxn id="107" idx="0"/>
+          </p:cNvCxnSpPr>
+          <p:nvPr/>
+        </p:nvCxnSpPr>
+        <p:spPr>
+          <a:xfrm flipH="1">
+            <a:off x="2078692" y="3844573"/>
+            <a:ext cx="2516812" cy="1671522"/>
+          </a:xfrm>
+          <a:prstGeom prst="straightConnector1">
+            <a:avLst/>
+          </a:prstGeom>
+          <a:ln>
+            <a:tailEnd type="triangle"/>
+          </a:ln>
+        </p:spPr>
+        <p:style>
+          <a:lnRef idx="1">
+            <a:schemeClr val="accent1"/>
+          </a:lnRef>
+          <a:fillRef idx="0">
+            <a:schemeClr val="accent1"/>
+          </a:fillRef>
+          <a:effectRef idx="0">
+            <a:schemeClr val="accent1"/>
+          </a:effectRef>
+          <a:fontRef idx="minor">
+            <a:schemeClr val="tx1"/>
+          </a:fontRef>
+        </p:style>
+      </p:cxnSp>
+      <p:sp>
+        <p:nvSpPr>
+          <p:cNvPr id="112" name="テキスト ボックス 111"/>
+          <p:cNvSpPr txBox="1"/>
+          <p:nvPr/>
+        </p:nvSpPr>
+        <p:spPr>
+          <a:xfrm>
+            <a:off x="1812078" y="5077603"/>
+            <a:ext cx="1270156" cy="338554"/>
+          </a:xfrm>
+          <a:prstGeom prst="rect">
+            <a:avLst/>
+          </a:prstGeom>
+          <a:noFill/>
+        </p:spPr>
+        <p:txBody>
+          <a:bodyPr wrap="none" rtlCol="0">
+            <a:spAutoFit/>
+          </a:bodyPr>
+          <a:lstStyle/>
+          <a:p>
+            <a:r>
+              <a:rPr kumimoji="1" lang="en-US" altLang="ja-JP" sz="1600" dirty="0" err="1">
+                <a:latin typeface="Calibri Light" panose="020F0302020204030204" pitchFamily="34" charset="0"/>
+                <a:ea typeface="Calibri Light" panose="020F0302020204030204" pitchFamily="34" charset="0"/>
+                <a:cs typeface="Calibri Light" panose="020F0302020204030204" pitchFamily="34" charset="0"/>
+              </a:rPr>
+              <a:t>dcat:byteSize</a:t>
+            </a:r>
+            <a:endParaRPr kumimoji="1" lang="ja-JP" altLang="en-US" sz="1600" dirty="0">
+              <a:latin typeface="Calibri Light" panose="020F0302020204030204" pitchFamily="34" charset="0"/>
+              <a:ea typeface="BIZ UDゴシック" panose="020B0400000000000000" pitchFamily="49" charset="-128"/>
+              <a:cs typeface="Calibri Light" panose="020F0302020204030204" pitchFamily="34" charset="0"/>
+            </a:endParaRPr>
+          </a:p>
+        </p:txBody>
+      </p:sp>
+      <p:sp>
+        <p:nvSpPr>
+          <p:cNvPr id="113" name="楕円 112"/>
+          <p:cNvSpPr/>
+          <p:nvPr/>
+        </p:nvSpPr>
+        <p:spPr>
+          <a:xfrm>
+            <a:off x="2041212" y="2664417"/>
+            <a:ext cx="2165174" cy="420617"/>
+          </a:xfrm>
+          <a:prstGeom prst="ellipse">
+            <a:avLst/>
+          </a:prstGeom>
+        </p:spPr>
+        <p:style>
+          <a:lnRef idx="1">
+            <a:schemeClr val="accent1"/>
+          </a:lnRef>
+          <a:fillRef idx="2">
+            <a:schemeClr val="accent1"/>
+          </a:fillRef>
+          <a:effectRef idx="1">
+            <a:schemeClr val="accent1"/>
+          </a:effectRef>
+          <a:fontRef idx="minor">
+            <a:schemeClr val="dk1"/>
+          </a:fontRef>
+        </p:style>
+        <p:txBody>
+          <a:bodyPr rtlCol="0" anchor="ctr"/>
+          <a:lstStyle/>
+          <a:p>
+            <a:pPr algn="ctr"/>
+            <a:r>
+              <a:rPr kumimoji="1" lang="en-US" altLang="ja-JP" sz="1100" dirty="0">
+                <a:latin typeface="Calibri Light" panose="020F0302020204030204" pitchFamily="34" charset="0"/>
+                <a:ea typeface="Calibri Light" panose="020F0302020204030204" pitchFamily="34" charset="0"/>
+                <a:cs typeface="Calibri Light" panose="020F0302020204030204" pitchFamily="34" charset="0"/>
+              </a:rPr>
+              <a:t>&lt;</a:t>
+            </a:r>
+            <a:r>
+              <a:rPr lang="en-US" altLang="ja-JP" sz="1100" dirty="0">
+                <a:latin typeface="Calibri Light" panose="020F0302020204030204" pitchFamily="34" charset="0"/>
+                <a:ea typeface="Calibri Light" panose="020F0302020204030204" pitchFamily="34" charset="0"/>
+                <a:cs typeface="Calibri Light" panose="020F0302020204030204" pitchFamily="34" charset="0"/>
+              </a:rPr>
+              <a:t>http://www.w3.org/ns/formats/Turtle&gt;</a:t>
+            </a:r>
+            <a:endParaRPr kumimoji="1" lang="ja-JP" altLang="en-US" sz="1100" dirty="0">
+              <a:latin typeface="Calibri Light" panose="020F0302020204030204" pitchFamily="34" charset="0"/>
+              <a:ea typeface="BIZ UDゴシック" panose="020B0400000000000000" pitchFamily="49" charset="-128"/>
+              <a:cs typeface="Calibri Light" panose="020F0302020204030204" pitchFamily="34" charset="0"/>
+            </a:endParaRPr>
+          </a:p>
+        </p:txBody>
+      </p:sp>
+      <p:cxnSp>
+        <p:nvCxnSpPr>
+          <p:cNvPr id="114" name="直線矢印コネクタ 113"/>
+          <p:cNvCxnSpPr>
+            <a:cxnSpLocks/>
+            <a:stCxn id="4" idx="4"/>
+            <a:endCxn id="113" idx="7"/>
+          </p:cNvCxnSpPr>
+          <p:nvPr/>
+        </p:nvCxnSpPr>
+        <p:spPr>
+          <a:xfrm flipH="1">
+            <a:off x="3889304" y="1887199"/>
+            <a:ext cx="1356885" cy="838816"/>
+          </a:xfrm>
+          <a:prstGeom prst="straightConnector1">
+            <a:avLst/>
+          </a:prstGeom>
+          <a:ln>
+            <a:tailEnd type="triangle"/>
+          </a:ln>
+        </p:spPr>
+        <p:style>
+          <a:lnRef idx="1">
+            <a:schemeClr val="accent1"/>
+          </a:lnRef>
+          <a:fillRef idx="0">
+            <a:schemeClr val="accent1"/>
+          </a:fillRef>
+          <a:effectRef idx="0">
+            <a:schemeClr val="accent1"/>
+          </a:effectRef>
+          <a:fontRef idx="minor">
+            <a:schemeClr val="tx1"/>
+          </a:fontRef>
+        </p:style>
+      </p:cxnSp>
+      <p:sp>
+        <p:nvSpPr>
+          <p:cNvPr id="117" name="テキスト ボックス 116"/>
+          <p:cNvSpPr txBox="1"/>
+          <p:nvPr/>
+        </p:nvSpPr>
+        <p:spPr>
+          <a:xfrm>
+            <a:off x="3872893" y="2024188"/>
+            <a:ext cx="1053365" cy="307777"/>
+          </a:xfrm>
+          <a:prstGeom prst="rect">
+            <a:avLst/>
+          </a:prstGeom>
+          <a:noFill/>
+        </p:spPr>
+        <p:txBody>
+          <a:bodyPr wrap="none" rtlCol="0">
+            <a:spAutoFit/>
+          </a:bodyPr>
+          <a:lstStyle/>
+          <a:p>
+            <a:r>
+              <a:rPr kumimoji="1" lang="en-US" altLang="ja-JP" sz="1400" dirty="0" err="1">
+                <a:latin typeface="Calibri Light" panose="020F0302020204030204" pitchFamily="34" charset="0"/>
+                <a:ea typeface="Calibri Light" panose="020F0302020204030204" pitchFamily="34" charset="0"/>
+                <a:cs typeface="Calibri Light" panose="020F0302020204030204" pitchFamily="34" charset="0"/>
+              </a:rPr>
+              <a:t>void:feature</a:t>
+            </a:r>
+            <a:endParaRPr kumimoji="1" lang="ja-JP" altLang="en-US" sz="1400" dirty="0">
+              <a:latin typeface="Calibri Light" panose="020F0302020204030204" pitchFamily="34" charset="0"/>
+              <a:ea typeface="BIZ UDゴシック" panose="020B0400000000000000" pitchFamily="49" charset="-128"/>
+              <a:cs typeface="Calibri Light" panose="020F0302020204030204" pitchFamily="34" charset="0"/>
+            </a:endParaRPr>
+          </a:p>
+        </p:txBody>
+      </p:sp>
+      <p:sp>
+        <p:nvSpPr>
+          <p:cNvPr id="171" name="楕円 170"/>
+          <p:cNvSpPr/>
+          <p:nvPr/>
+        </p:nvSpPr>
+        <p:spPr>
+          <a:xfrm>
+            <a:off x="4306712" y="3113726"/>
+            <a:ext cx="1971996" cy="856241"/>
+          </a:xfrm>
+          <a:prstGeom prst="ellipse">
+            <a:avLst/>
+          </a:prstGeom>
+        </p:spPr>
+        <p:style>
+          <a:lnRef idx="2">
+            <a:schemeClr val="accent1">
+              <a:shade val="50000"/>
+            </a:schemeClr>
+          </a:lnRef>
+          <a:fillRef idx="1">
+            <a:schemeClr val="accent1"/>
+          </a:fillRef>
+          <a:effectRef idx="0">
+            <a:schemeClr val="accent1"/>
+          </a:effectRef>
+          <a:fontRef idx="minor">
+            <a:schemeClr val="lt1"/>
+          </a:fontRef>
+        </p:style>
+        <p:txBody>
+          <a:bodyPr rtlCol="0" anchor="ctr"/>
+          <a:lstStyle/>
+          <a:p>
+            <a:pPr algn="ctr"/>
+            <a:r>
+              <a:rPr lang="ja-JP" altLang="en-US" sz="1600" u="sng" dirty="0">
+                <a:latin typeface="Calibri Light" panose="020F0302020204030204" pitchFamily="34" charset="0"/>
+                <a:ea typeface="Calibri Light" panose="020F0302020204030204" pitchFamily="34" charset="0"/>
+                <a:cs typeface="Calibri Light" panose="020F0302020204030204" pitchFamily="34" charset="0"/>
+              </a:rPr>
+              <a:t>バージョン</a:t>
+            </a:r>
+            <a:r>
+              <a:rPr lang="en-US" altLang="ja-JP" sz="1600" u="sng" dirty="0">
+                <a:latin typeface="Calibri Light" panose="020F0302020204030204" pitchFamily="34" charset="0"/>
+                <a:ea typeface="Calibri Light" panose="020F0302020204030204" pitchFamily="34" charset="0"/>
+                <a:cs typeface="Calibri Light" panose="020F0302020204030204" pitchFamily="34" charset="0"/>
+              </a:rPr>
+              <a:t>2.0</a:t>
+            </a:r>
+            <a:endParaRPr kumimoji="1" lang="ja-JP" altLang="en-US" sz="1600" u="sng" dirty="0">
+              <a:latin typeface="Calibri Light" panose="020F0302020204030204" pitchFamily="34" charset="0"/>
+              <a:ea typeface="BIZ UDゴシック" panose="020B0400000000000000" pitchFamily="49" charset="-128"/>
+              <a:cs typeface="Calibri Light" panose="020F0302020204030204" pitchFamily="34" charset="0"/>
+            </a:endParaRPr>
+          </a:p>
+        </p:txBody>
+      </p:sp>
+      <p:cxnSp>
+        <p:nvCxnSpPr>
+          <p:cNvPr id="172" name="直線矢印コネクタ 171"/>
+          <p:cNvCxnSpPr>
+            <a:cxnSpLocks/>
+            <a:stCxn id="4" idx="4"/>
+            <a:endCxn id="171" idx="0"/>
+          </p:cNvCxnSpPr>
+          <p:nvPr/>
+        </p:nvCxnSpPr>
+        <p:spPr>
+          <a:xfrm>
+            <a:off x="5246189" y="1887199"/>
+            <a:ext cx="46521" cy="1226527"/>
+          </a:xfrm>
+          <a:prstGeom prst="straightConnector1">
+            <a:avLst/>
+          </a:prstGeom>
+          <a:ln>
+            <a:tailEnd type="triangle"/>
+          </a:ln>
+        </p:spPr>
+        <p:style>
+          <a:lnRef idx="1">
+            <a:schemeClr val="accent1"/>
+          </a:lnRef>
+          <a:fillRef idx="0">
+            <a:schemeClr val="accent1"/>
+          </a:fillRef>
+          <a:effectRef idx="0">
+            <a:schemeClr val="accent1"/>
+          </a:effectRef>
+          <a:fontRef idx="minor">
+            <a:schemeClr val="tx1"/>
+          </a:fontRef>
+        </p:style>
+      </p:cxnSp>
+      <p:sp>
+        <p:nvSpPr>
+          <p:cNvPr id="176" name="テキスト ボックス 175"/>
+          <p:cNvSpPr txBox="1"/>
+          <p:nvPr/>
+        </p:nvSpPr>
+        <p:spPr>
+          <a:xfrm>
+            <a:off x="6939718" y="2842113"/>
+            <a:ext cx="1264129" cy="307777"/>
+          </a:xfrm>
+          <a:prstGeom prst="rect">
+            <a:avLst/>
+          </a:prstGeom>
+          <a:noFill/>
+        </p:spPr>
+        <p:txBody>
+          <a:bodyPr wrap="none" rtlCol="0">
+            <a:spAutoFit/>
+          </a:bodyPr>
+          <a:lstStyle/>
+          <a:p>
+            <a:r>
+              <a:rPr lang="en-US" altLang="ja-JP" sz="1400" dirty="0" err="1">
+                <a:latin typeface="Calibri Light" panose="020F0302020204030204" pitchFamily="34" charset="0"/>
+                <a:ea typeface="Calibri Light" panose="020F0302020204030204" pitchFamily="34" charset="0"/>
+                <a:cs typeface="Calibri Light" panose="020F0302020204030204" pitchFamily="34" charset="0"/>
+              </a:rPr>
+              <a:t>pav</a:t>
+            </a:r>
+            <a:r>
+              <a:rPr kumimoji="1" lang="en-US" altLang="ja-JP" sz="1400" dirty="0" err="1">
+                <a:latin typeface="Calibri Light" panose="020F0302020204030204" pitchFamily="34" charset="0"/>
+                <a:ea typeface="Calibri Light" panose="020F0302020204030204" pitchFamily="34" charset="0"/>
+                <a:cs typeface="Calibri Light" panose="020F0302020204030204" pitchFamily="34" charset="0"/>
+              </a:rPr>
+              <a:t>:hasVersion</a:t>
+            </a:r>
+            <a:endParaRPr kumimoji="1" lang="ja-JP" altLang="en-US" sz="1400" dirty="0">
+              <a:latin typeface="Calibri Light" panose="020F0302020204030204" pitchFamily="34" charset="0"/>
+              <a:ea typeface="BIZ UDゴシック" panose="020B0400000000000000" pitchFamily="49" charset="-128"/>
+              <a:cs typeface="Calibri Light" panose="020F0302020204030204" pitchFamily="34" charset="0"/>
+            </a:endParaRPr>
+          </a:p>
+        </p:txBody>
+      </p:sp>
+      <p:sp>
+        <p:nvSpPr>
+          <p:cNvPr id="181" name="楕円 180"/>
+          <p:cNvSpPr/>
+          <p:nvPr/>
+        </p:nvSpPr>
+        <p:spPr>
+          <a:xfrm>
+            <a:off x="7178748" y="3142137"/>
+            <a:ext cx="2050197" cy="794576"/>
+          </a:xfrm>
+          <a:prstGeom prst="ellipse">
+            <a:avLst/>
+          </a:prstGeom>
+        </p:spPr>
+        <p:style>
+          <a:lnRef idx="2">
+            <a:schemeClr val="accent1">
+              <a:shade val="50000"/>
+            </a:schemeClr>
+          </a:lnRef>
+          <a:fillRef idx="1">
+            <a:schemeClr val="accent1"/>
+          </a:fillRef>
+          <a:effectRef idx="0">
+            <a:schemeClr val="accent1"/>
+          </a:effectRef>
+          <a:fontRef idx="minor">
+            <a:schemeClr val="lt1"/>
+          </a:fontRef>
+        </p:style>
+        <p:txBody>
+          <a:bodyPr rtlCol="0" anchor="ctr"/>
+          <a:lstStyle/>
+          <a:p>
+            <a:pPr algn="ctr"/>
+            <a:r>
+              <a:rPr lang="ja-JP" altLang="en-US" sz="1600" u="sng" dirty="0">
+                <a:latin typeface="Calibri Light" panose="020F0302020204030204" pitchFamily="34" charset="0"/>
+                <a:ea typeface="Calibri Light" panose="020F0302020204030204" pitchFamily="34" charset="0"/>
+                <a:cs typeface="Calibri Light" panose="020F0302020204030204" pitchFamily="34" charset="0"/>
+              </a:rPr>
+              <a:t>バージョン</a:t>
+            </a:r>
+            <a:r>
+              <a:rPr lang="en-US" altLang="ja-JP" sz="1600" u="sng" dirty="0">
+                <a:latin typeface="Calibri Light" panose="020F0302020204030204" pitchFamily="34" charset="0"/>
+                <a:ea typeface="Calibri Light" panose="020F0302020204030204" pitchFamily="34" charset="0"/>
+                <a:cs typeface="Calibri Light" panose="020F0302020204030204" pitchFamily="34" charset="0"/>
+              </a:rPr>
+              <a:t>1.0</a:t>
+            </a:r>
+            <a:endParaRPr kumimoji="1" lang="ja-JP" altLang="en-US" sz="1600" u="sng" dirty="0">
+              <a:latin typeface="Calibri Light" panose="020F0302020204030204" pitchFamily="34" charset="0"/>
+              <a:ea typeface="BIZ UDゴシック" panose="020B0400000000000000" pitchFamily="49" charset="-128"/>
+              <a:cs typeface="Calibri Light" panose="020F0302020204030204" pitchFamily="34" charset="0"/>
+            </a:endParaRPr>
+          </a:p>
+        </p:txBody>
+      </p:sp>
+      <p:cxnSp>
+        <p:nvCxnSpPr>
+          <p:cNvPr id="182" name="直線矢印コネクタ 181"/>
+          <p:cNvCxnSpPr>
+            <a:cxnSpLocks/>
+            <a:stCxn id="4" idx="4"/>
+            <a:endCxn id="181" idx="1"/>
+          </p:cNvCxnSpPr>
+          <p:nvPr/>
+        </p:nvCxnSpPr>
+        <p:spPr>
+          <a:xfrm>
+            <a:off x="5246189" y="1887199"/>
+            <a:ext cx="2232803" cy="1371301"/>
+          </a:xfrm>
+          <a:prstGeom prst="straightConnector1">
+            <a:avLst/>
+          </a:prstGeom>
+          <a:ln>
+            <a:tailEnd type="triangle"/>
+          </a:ln>
+        </p:spPr>
+        <p:style>
+          <a:lnRef idx="1">
+            <a:schemeClr val="accent1"/>
+          </a:lnRef>
+          <a:fillRef idx="0">
+            <a:schemeClr val="accent1"/>
+          </a:fillRef>
+          <a:effectRef idx="0">
+            <a:schemeClr val="accent1"/>
+          </a:effectRef>
+          <a:fontRef idx="minor">
+            <a:schemeClr val="tx1"/>
+          </a:fontRef>
+        </p:style>
+      </p:cxnSp>
+      <p:sp>
+        <p:nvSpPr>
+          <p:cNvPr id="185" name="楕円 184"/>
+          <p:cNvSpPr/>
+          <p:nvPr/>
+        </p:nvSpPr>
+        <p:spPr>
+          <a:xfrm>
+            <a:off x="9499032" y="3101432"/>
+            <a:ext cx="2149531" cy="799410"/>
+          </a:xfrm>
+          <a:prstGeom prst="ellipse">
+            <a:avLst/>
+          </a:prstGeom>
+        </p:spPr>
+        <p:style>
+          <a:lnRef idx="2">
+            <a:schemeClr val="accent1">
+              <a:shade val="50000"/>
+            </a:schemeClr>
+          </a:lnRef>
+          <a:fillRef idx="1">
+            <a:schemeClr val="accent1"/>
+          </a:fillRef>
+          <a:effectRef idx="0">
+            <a:schemeClr val="accent1"/>
+          </a:effectRef>
+          <a:fontRef idx="minor">
+            <a:schemeClr val="lt1"/>
+          </a:fontRef>
+        </p:style>
+        <p:txBody>
+          <a:bodyPr rtlCol="0" anchor="ctr"/>
+          <a:lstStyle/>
+          <a:p>
+            <a:pPr algn="ctr"/>
+            <a:r>
+              <a:rPr lang="ja-JP" altLang="en-US" sz="1600" u="sng" dirty="0">
+                <a:latin typeface="Calibri Light" panose="020F0302020204030204" pitchFamily="34" charset="0"/>
+                <a:ea typeface="Calibri Light" panose="020F0302020204030204" pitchFamily="34" charset="0"/>
+                <a:cs typeface="Calibri Light" panose="020F0302020204030204" pitchFamily="34" charset="0"/>
+              </a:rPr>
+              <a:t>バージョン</a:t>
+            </a:r>
+            <a:r>
+              <a:rPr lang="en-US" altLang="ja-JP" sz="1600" u="sng" dirty="0">
+                <a:latin typeface="Calibri Light" panose="020F0302020204030204" pitchFamily="34" charset="0"/>
+                <a:ea typeface="Calibri Light" panose="020F0302020204030204" pitchFamily="34" charset="0"/>
+                <a:cs typeface="Calibri Light" panose="020F0302020204030204" pitchFamily="34" charset="0"/>
+              </a:rPr>
+              <a:t>0.1</a:t>
+            </a:r>
+            <a:endParaRPr lang="ja-JP" altLang="en-US" sz="1600" u="sng" dirty="0">
+              <a:latin typeface="Calibri Light" panose="020F0302020204030204" pitchFamily="34" charset="0"/>
+              <a:ea typeface="BIZ UDゴシック" panose="020B0400000000000000" pitchFamily="49" charset="-128"/>
+              <a:cs typeface="Calibri Light" panose="020F0302020204030204" pitchFamily="34" charset="0"/>
+            </a:endParaRPr>
+          </a:p>
+        </p:txBody>
+      </p:sp>
+      <p:cxnSp>
+        <p:nvCxnSpPr>
+          <p:cNvPr id="186" name="直線矢印コネクタ 185"/>
+          <p:cNvCxnSpPr>
+            <a:cxnSpLocks/>
+            <a:stCxn id="4" idx="4"/>
+          </p:cNvCxnSpPr>
+          <p:nvPr/>
+        </p:nvCxnSpPr>
+        <p:spPr>
+          <a:xfrm>
+            <a:off x="5246189" y="1887199"/>
+            <a:ext cx="4616999" cy="1395957"/>
+          </a:xfrm>
+          <a:prstGeom prst="straightConnector1">
+            <a:avLst/>
+          </a:prstGeom>
+          <a:ln>
+            <a:tailEnd type="triangle"/>
+          </a:ln>
+        </p:spPr>
+        <p:style>
+          <a:lnRef idx="1">
+            <a:schemeClr val="accent1"/>
+          </a:lnRef>
+          <a:fillRef idx="0">
+            <a:schemeClr val="accent1"/>
+          </a:fillRef>
+          <a:effectRef idx="0">
+            <a:schemeClr val="accent1"/>
+          </a:effectRef>
+          <a:fontRef idx="minor">
+            <a:schemeClr val="tx1"/>
+          </a:fontRef>
+        </p:style>
+      </p:cxnSp>
+      <p:cxnSp>
+        <p:nvCxnSpPr>
+          <p:cNvPr id="191" name="直線矢印コネクタ 190"/>
+          <p:cNvCxnSpPr>
+            <a:cxnSpLocks/>
+            <a:stCxn id="181" idx="4"/>
+          </p:cNvCxnSpPr>
+          <p:nvPr/>
+        </p:nvCxnSpPr>
+        <p:spPr>
+          <a:xfrm>
+            <a:off x="8203847" y="3936713"/>
+            <a:ext cx="263898" cy="376580"/>
+          </a:xfrm>
+          <a:prstGeom prst="straightConnector1">
+            <a:avLst/>
+          </a:prstGeom>
+          <a:ln>
+            <a:tailEnd type="triangle"/>
+          </a:ln>
+        </p:spPr>
+        <p:style>
+          <a:lnRef idx="1">
+            <a:schemeClr val="accent1"/>
+          </a:lnRef>
+          <a:fillRef idx="0">
+            <a:schemeClr val="accent1"/>
+          </a:fillRef>
+          <a:effectRef idx="0">
+            <a:schemeClr val="accent1"/>
+          </a:effectRef>
+          <a:fontRef idx="minor">
+            <a:schemeClr val="tx1"/>
+          </a:fontRef>
+        </p:style>
+      </p:cxnSp>
+      <p:sp>
+        <p:nvSpPr>
+          <p:cNvPr id="241" name="正方形/長方形 240"/>
+          <p:cNvSpPr/>
+          <p:nvPr/>
+        </p:nvSpPr>
+        <p:spPr>
+          <a:xfrm>
+            <a:off x="390555" y="4119563"/>
+            <a:ext cx="1736278" cy="489589"/>
+          </a:xfrm>
+          <a:prstGeom prst="rect">
+            <a:avLst/>
+          </a:prstGeom>
+        </p:spPr>
+        <p:style>
+          <a:lnRef idx="2">
+            <a:schemeClr val="dk1"/>
+          </a:lnRef>
+          <a:fillRef idx="1">
+            <a:schemeClr val="lt1"/>
+          </a:fillRef>
+          <a:effectRef idx="0">
+            <a:schemeClr val="dk1"/>
+          </a:effectRef>
+          <a:fontRef idx="minor">
+            <a:schemeClr val="dk1"/>
+          </a:fontRef>
+        </p:style>
+        <p:txBody>
+          <a:bodyPr rtlCol="0" anchor="ctr"/>
+          <a:lstStyle/>
+          <a:p>
+            <a:pPr algn="ctr"/>
+            <a:r>
+              <a:rPr lang="ja-JP" altLang="en-US" sz="1400" dirty="0">
+                <a:latin typeface="Calibri Light" panose="020F0302020204030204" pitchFamily="34" charset="0"/>
+                <a:ea typeface="Calibri Light" panose="020F0302020204030204" pitchFamily="34" charset="0"/>
+                <a:cs typeface="Calibri Light" panose="020F0302020204030204" pitchFamily="34" charset="0"/>
+              </a:rPr>
+              <a:t>テストワールド</a:t>
+            </a:r>
+            <a:r>
+              <a:rPr lang="en-US" altLang="ja-JP" sz="1400" dirty="0">
+                <a:latin typeface="Calibri Light" panose="020F0302020204030204" pitchFamily="34" charset="0"/>
+                <a:ea typeface="Calibri Light" panose="020F0302020204030204" pitchFamily="34" charset="0"/>
+                <a:cs typeface="Calibri Light" panose="020F0302020204030204" pitchFamily="34" charset="0"/>
+              </a:rPr>
+              <a:t>LOD </a:t>
+            </a:r>
+            <a:r>
+              <a:rPr lang="ja-JP" altLang="en-US" sz="1400" dirty="0">
+                <a:latin typeface="Calibri Light" panose="020F0302020204030204" pitchFamily="34" charset="0"/>
+                <a:ea typeface="Calibri Light" panose="020F0302020204030204" pitchFamily="34" charset="0"/>
+                <a:cs typeface="Calibri Light" panose="020F0302020204030204" pitchFamily="34" charset="0"/>
+              </a:rPr>
+              <a:t>バージョン</a:t>
+            </a:r>
+            <a:r>
+              <a:rPr lang="en-US" altLang="ja-JP" sz="1400" dirty="0">
+                <a:latin typeface="Calibri Light" panose="020F0302020204030204" pitchFamily="34" charset="0"/>
+                <a:ea typeface="Calibri Light" panose="020F0302020204030204" pitchFamily="34" charset="0"/>
+                <a:cs typeface="Calibri Light" panose="020F0302020204030204" pitchFamily="34" charset="0"/>
+              </a:rPr>
+              <a:t>2.0</a:t>
+            </a:r>
+            <a:endParaRPr kumimoji="1" lang="ja-JP" altLang="en-US" sz="1400" dirty="0">
+              <a:latin typeface="Calibri Light" panose="020F0302020204030204" pitchFamily="34" charset="0"/>
+              <a:ea typeface="BIZ UDゴシック" panose="020B0400000000000000" pitchFamily="49" charset="-128"/>
+              <a:cs typeface="Calibri Light" panose="020F0302020204030204" pitchFamily="34" charset="0"/>
+            </a:endParaRPr>
+          </a:p>
+        </p:txBody>
+      </p:sp>
+      <p:cxnSp>
+        <p:nvCxnSpPr>
+          <p:cNvPr id="242" name="直線矢印コネクタ 241"/>
+          <p:cNvCxnSpPr>
+            <a:cxnSpLocks/>
+            <a:stCxn id="171" idx="2"/>
+            <a:endCxn id="241" idx="3"/>
+          </p:cNvCxnSpPr>
+          <p:nvPr/>
+        </p:nvCxnSpPr>
+        <p:spPr>
+          <a:xfrm flipH="1">
+            <a:off x="2126833" y="3541847"/>
+            <a:ext cx="2179879" cy="822511"/>
+          </a:xfrm>
+          <a:prstGeom prst="straightConnector1">
+            <a:avLst/>
+          </a:prstGeom>
+          <a:ln>
+            <a:tailEnd type="triangle"/>
+          </a:ln>
+        </p:spPr>
+        <p:style>
+          <a:lnRef idx="1">
+            <a:schemeClr val="accent1"/>
+          </a:lnRef>
+          <a:fillRef idx="0">
+            <a:schemeClr val="accent1"/>
+          </a:fillRef>
+          <a:effectRef idx="0">
+            <a:schemeClr val="accent1"/>
+          </a:effectRef>
+          <a:fontRef idx="minor">
+            <a:schemeClr val="tx1"/>
+          </a:fontRef>
+        </p:style>
+      </p:cxnSp>
+      <p:sp>
+        <p:nvSpPr>
+          <p:cNvPr id="245" name="テキスト ボックス 244"/>
+          <p:cNvSpPr txBox="1"/>
+          <p:nvPr/>
+        </p:nvSpPr>
+        <p:spPr>
+          <a:xfrm>
+            <a:off x="2259890" y="3887126"/>
+            <a:ext cx="825867" cy="338554"/>
+          </a:xfrm>
+          <a:prstGeom prst="rect">
+            <a:avLst/>
+          </a:prstGeom>
+          <a:noFill/>
+        </p:spPr>
+        <p:txBody>
+          <a:bodyPr wrap="none" rtlCol="0">
+            <a:spAutoFit/>
+          </a:bodyPr>
+          <a:lstStyle/>
+          <a:p>
+            <a:r>
+              <a:rPr kumimoji="1" lang="en-US" altLang="ja-JP" sz="1600" dirty="0" err="1">
+                <a:latin typeface="Calibri Light" panose="020F0302020204030204" pitchFamily="34" charset="0"/>
+                <a:ea typeface="Calibri Light" panose="020F0302020204030204" pitchFamily="34" charset="0"/>
+                <a:cs typeface="Calibri Light" panose="020F0302020204030204" pitchFamily="34" charset="0"/>
+              </a:rPr>
+              <a:t>dct:title</a:t>
+            </a:r>
+            <a:endParaRPr kumimoji="1" lang="ja-JP" altLang="en-US" sz="1600" dirty="0">
+              <a:latin typeface="Calibri Light" panose="020F0302020204030204" pitchFamily="34" charset="0"/>
+              <a:ea typeface="BIZ UDゴシック" panose="020B0400000000000000" pitchFamily="49" charset="-128"/>
+              <a:cs typeface="Calibri Light" panose="020F0302020204030204" pitchFamily="34" charset="0"/>
+            </a:endParaRPr>
+          </a:p>
+        </p:txBody>
+      </p:sp>
+      <p:sp>
+        <p:nvSpPr>
+          <p:cNvPr id="77" name="正方形/長方形 76"/>
+          <p:cNvSpPr/>
+          <p:nvPr/>
+        </p:nvSpPr>
+        <p:spPr>
+          <a:xfrm>
+            <a:off x="2254018" y="4538295"/>
+            <a:ext cx="506487" cy="360772"/>
+          </a:xfrm>
+          <a:prstGeom prst="rect">
+            <a:avLst/>
+          </a:prstGeom>
+        </p:spPr>
+        <p:style>
+          <a:lnRef idx="2">
+            <a:schemeClr val="dk1"/>
+          </a:lnRef>
+          <a:fillRef idx="1">
+            <a:schemeClr val="lt1"/>
+          </a:fillRef>
+          <a:effectRef idx="0">
+            <a:schemeClr val="dk1"/>
+          </a:effectRef>
+          <a:fontRef idx="minor">
+            <a:schemeClr val="dk1"/>
+          </a:fontRef>
+        </p:style>
+        <p:txBody>
+          <a:bodyPr rtlCol="0" anchor="ctr"/>
+          <a:lstStyle/>
+          <a:p>
+            <a:pPr algn="ctr"/>
+            <a:r>
+              <a:rPr lang="en-US" altLang="ja-JP" sz="1600" dirty="0">
+                <a:latin typeface="Calibri Light" panose="020F0302020204030204" pitchFamily="34" charset="0"/>
+                <a:ea typeface="Calibri Light" panose="020F0302020204030204" pitchFamily="34" charset="0"/>
+                <a:cs typeface="Calibri Light" panose="020F0302020204030204" pitchFamily="34" charset="0"/>
+              </a:rPr>
+              <a:t>2.0</a:t>
+            </a:r>
+            <a:endParaRPr kumimoji="1" lang="ja-JP" altLang="en-US" sz="1600" dirty="0">
+              <a:latin typeface="Calibri Light" panose="020F0302020204030204" pitchFamily="34" charset="0"/>
+              <a:ea typeface="BIZ UDゴシック" panose="020B0400000000000000" pitchFamily="49" charset="-128"/>
+              <a:cs typeface="Calibri Light" panose="020F0302020204030204" pitchFamily="34" charset="0"/>
+            </a:endParaRPr>
+          </a:p>
+        </p:txBody>
+      </p:sp>
+      <p:cxnSp>
+        <p:nvCxnSpPr>
+          <p:cNvPr id="80" name="直線矢印コネクタ 79"/>
+          <p:cNvCxnSpPr>
+            <a:cxnSpLocks/>
+            <a:stCxn id="171" idx="2"/>
+            <a:endCxn id="77" idx="3"/>
+          </p:cNvCxnSpPr>
+          <p:nvPr/>
+        </p:nvCxnSpPr>
+        <p:spPr>
+          <a:xfrm flipH="1">
+            <a:off x="2760505" y="3541847"/>
+            <a:ext cx="1546207" cy="1176834"/>
+          </a:xfrm>
+          <a:prstGeom prst="straightConnector1">
+            <a:avLst/>
+          </a:prstGeom>
+          <a:ln>
+            <a:tailEnd type="triangle"/>
+          </a:ln>
+        </p:spPr>
+        <p:style>
+          <a:lnRef idx="1">
+            <a:schemeClr val="accent1"/>
+          </a:lnRef>
+          <a:fillRef idx="0">
+            <a:schemeClr val="accent1"/>
+          </a:fillRef>
+          <a:effectRef idx="0">
+            <a:schemeClr val="accent1"/>
+          </a:effectRef>
+          <a:fontRef idx="minor">
+            <a:schemeClr val="tx1"/>
+          </a:fontRef>
+        </p:style>
+      </p:cxnSp>
+      <p:sp>
+        <p:nvSpPr>
+          <p:cNvPr id="83" name="テキスト ボックス 82"/>
+          <p:cNvSpPr txBox="1"/>
+          <p:nvPr/>
+        </p:nvSpPr>
+        <p:spPr>
+          <a:xfrm>
+            <a:off x="2613918" y="4151944"/>
+            <a:ext cx="1124090" cy="338554"/>
+          </a:xfrm>
+          <a:prstGeom prst="rect">
+            <a:avLst/>
+          </a:prstGeom>
+          <a:noFill/>
+        </p:spPr>
+        <p:txBody>
+          <a:bodyPr wrap="none" rtlCol="0">
+            <a:spAutoFit/>
+          </a:bodyPr>
+          <a:lstStyle/>
+          <a:p>
+            <a:r>
+              <a:rPr kumimoji="1" lang="en-US" altLang="ja-JP" sz="1600" dirty="0" err="1">
+                <a:latin typeface="Calibri Light" panose="020F0302020204030204" pitchFamily="34" charset="0"/>
+                <a:ea typeface="Calibri Light" panose="020F0302020204030204" pitchFamily="34" charset="0"/>
+                <a:cs typeface="Calibri Light" panose="020F0302020204030204" pitchFamily="34" charset="0"/>
+              </a:rPr>
+              <a:t>pav:version</a:t>
+            </a:r>
+            <a:endParaRPr kumimoji="1" lang="ja-JP" altLang="en-US" sz="1600" dirty="0">
+              <a:latin typeface="Calibri Light" panose="020F0302020204030204" pitchFamily="34" charset="0"/>
+              <a:ea typeface="BIZ UDゴシック" panose="020B0400000000000000" pitchFamily="49" charset="-128"/>
+              <a:cs typeface="Calibri Light" panose="020F0302020204030204" pitchFamily="34" charset="0"/>
+            </a:endParaRPr>
+          </a:p>
+        </p:txBody>
+      </p:sp>
+      <p:cxnSp>
+        <p:nvCxnSpPr>
+          <p:cNvPr id="86" name="曲線コネクタ 85"/>
+          <p:cNvCxnSpPr>
+            <a:stCxn id="181" idx="5"/>
+            <a:endCxn id="185" idx="3"/>
+          </p:cNvCxnSpPr>
+          <p:nvPr/>
+        </p:nvCxnSpPr>
+        <p:spPr>
+          <a:xfrm rot="5400000" flipH="1" flipV="1">
+            <a:off x="9352972" y="3359499"/>
+            <a:ext cx="36579" cy="885123"/>
+          </a:xfrm>
+          <a:prstGeom prst="curvedConnector3">
+            <a:avLst>
+              <a:gd name="adj1" fmla="val -943063"/>
+            </a:avLst>
+          </a:prstGeom>
+          <a:ln>
+            <a:tailEnd type="triangle"/>
+          </a:ln>
+        </p:spPr>
+        <p:style>
+          <a:lnRef idx="1">
+            <a:schemeClr val="accent1"/>
+          </a:lnRef>
+          <a:fillRef idx="0">
+            <a:schemeClr val="accent1"/>
+          </a:fillRef>
+          <a:effectRef idx="0">
+            <a:schemeClr val="accent1"/>
+          </a:effectRef>
+          <a:fontRef idx="minor">
+            <a:schemeClr val="tx1"/>
+          </a:fontRef>
+        </p:style>
+      </p:cxnSp>
+      <p:sp>
+        <p:nvSpPr>
+          <p:cNvPr id="89" name="テキスト ボックス 88"/>
+          <p:cNvSpPr txBox="1"/>
+          <p:nvPr/>
+        </p:nvSpPr>
+        <p:spPr>
+          <a:xfrm>
+            <a:off x="6213459" y="3507436"/>
+            <a:ext cx="1098186" cy="523220"/>
+          </a:xfrm>
+          <a:prstGeom prst="rect">
+            <a:avLst/>
+          </a:prstGeom>
+          <a:noFill/>
+        </p:spPr>
+        <p:txBody>
+          <a:bodyPr wrap="none" rtlCol="0">
+            <a:spAutoFit/>
+          </a:bodyPr>
+          <a:lstStyle/>
+          <a:p>
+            <a:r>
+              <a:rPr kumimoji="1" lang="en-US" altLang="ja-JP" sz="1400" dirty="0" err="1">
+                <a:latin typeface="Calibri Light" panose="020F0302020204030204" pitchFamily="34" charset="0"/>
+                <a:ea typeface="Calibri Light" panose="020F0302020204030204" pitchFamily="34" charset="0"/>
+                <a:cs typeface="Calibri Light" panose="020F0302020204030204" pitchFamily="34" charset="0"/>
+              </a:rPr>
+              <a:t>pav:previous</a:t>
+            </a:r>
+            <a:endParaRPr kumimoji="1" lang="en-US" altLang="ja-JP" sz="1400" dirty="0">
+              <a:latin typeface="Calibri Light" panose="020F0302020204030204" pitchFamily="34" charset="0"/>
+              <a:ea typeface="Calibri Light" panose="020F0302020204030204" pitchFamily="34" charset="0"/>
+              <a:cs typeface="Calibri Light" panose="020F0302020204030204" pitchFamily="34" charset="0"/>
+            </a:endParaRPr>
+          </a:p>
+          <a:p>
+            <a:r>
+              <a:rPr kumimoji="1" lang="en-US" altLang="ja-JP" sz="1400" dirty="0">
+                <a:latin typeface="Calibri Light" panose="020F0302020204030204" pitchFamily="34" charset="0"/>
+                <a:ea typeface="Calibri Light" panose="020F0302020204030204" pitchFamily="34" charset="0"/>
+                <a:cs typeface="Calibri Light" panose="020F0302020204030204" pitchFamily="34" charset="0"/>
+              </a:rPr>
+              <a:t>Version</a:t>
+            </a:r>
+            <a:endParaRPr kumimoji="1" lang="ja-JP" altLang="en-US" sz="1400" dirty="0">
+              <a:latin typeface="Calibri Light" panose="020F0302020204030204" pitchFamily="34" charset="0"/>
+              <a:ea typeface="BIZ UDゴシック" panose="020B0400000000000000" pitchFamily="49" charset="-128"/>
+              <a:cs typeface="Calibri Light" panose="020F0302020204030204" pitchFamily="34" charset="0"/>
+            </a:endParaRPr>
+          </a:p>
+        </p:txBody>
+      </p:sp>
+      <p:sp>
+        <p:nvSpPr>
+          <p:cNvPr id="92" name="テキスト ボックス 91"/>
+          <p:cNvSpPr txBox="1"/>
+          <p:nvPr/>
+        </p:nvSpPr>
+        <p:spPr>
+          <a:xfrm>
+            <a:off x="8668094" y="4056580"/>
+            <a:ext cx="1630896" cy="307777"/>
+          </a:xfrm>
+          <a:prstGeom prst="rect">
+            <a:avLst/>
+          </a:prstGeom>
+          <a:noFill/>
+        </p:spPr>
+        <p:txBody>
+          <a:bodyPr wrap="none" rtlCol="0">
+            <a:spAutoFit/>
+          </a:bodyPr>
+          <a:lstStyle/>
+          <a:p>
+            <a:r>
+              <a:rPr kumimoji="1" lang="en-US" altLang="ja-JP" sz="1400" dirty="0" err="1">
+                <a:latin typeface="Calibri Light" panose="020F0302020204030204" pitchFamily="34" charset="0"/>
+                <a:ea typeface="Calibri Light" panose="020F0302020204030204" pitchFamily="34" charset="0"/>
+                <a:cs typeface="Calibri Light" panose="020F0302020204030204" pitchFamily="34" charset="0"/>
+              </a:rPr>
+              <a:t>pav:previousVersion</a:t>
+            </a:r>
+            <a:endParaRPr kumimoji="1" lang="ja-JP" altLang="en-US" sz="1400" dirty="0">
+              <a:latin typeface="Calibri Light" panose="020F0302020204030204" pitchFamily="34" charset="0"/>
+              <a:ea typeface="BIZ UDゴシック" panose="020B0400000000000000" pitchFamily="49" charset="-128"/>
+              <a:cs typeface="Calibri Light" panose="020F0302020204030204" pitchFamily="34" charset="0"/>
+            </a:endParaRPr>
+          </a:p>
+        </p:txBody>
+      </p:sp>
+      <p:sp>
+        <p:nvSpPr>
+          <p:cNvPr id="104" name="テキスト ボックス 103"/>
+          <p:cNvSpPr txBox="1"/>
+          <p:nvPr/>
+        </p:nvSpPr>
+        <p:spPr>
+          <a:xfrm>
+            <a:off x="4334232" y="2588383"/>
+            <a:ext cx="2053639" cy="338554"/>
+          </a:xfrm>
+          <a:prstGeom prst="rect">
+            <a:avLst/>
+          </a:prstGeom>
+          <a:noFill/>
+        </p:spPr>
+        <p:txBody>
+          <a:bodyPr wrap="none" rtlCol="0">
+            <a:spAutoFit/>
+          </a:bodyPr>
+          <a:lstStyle/>
+          <a:p>
+            <a:r>
+              <a:rPr lang="en-US" altLang="ja-JP" sz="1600" dirty="0" err="1">
+                <a:solidFill>
+                  <a:srgbClr val="FF0000"/>
+                </a:solidFill>
+                <a:highlight>
+                  <a:srgbClr val="FFFF00"/>
+                </a:highlight>
+                <a:latin typeface="Calibri Light" panose="020F0302020204030204" pitchFamily="34" charset="0"/>
+                <a:ea typeface="Calibri Light" panose="020F0302020204030204" pitchFamily="34" charset="0"/>
+                <a:cs typeface="Calibri Light" panose="020F0302020204030204" pitchFamily="34" charset="0"/>
+              </a:rPr>
+              <a:t>pav</a:t>
+            </a:r>
+            <a:r>
+              <a:rPr kumimoji="1" lang="en-US" altLang="ja-JP" sz="1600" dirty="0" err="1">
+                <a:solidFill>
+                  <a:srgbClr val="FF0000"/>
+                </a:solidFill>
+                <a:highlight>
+                  <a:srgbClr val="FFFF00"/>
+                </a:highlight>
+                <a:latin typeface="Calibri Light" panose="020F0302020204030204" pitchFamily="34" charset="0"/>
+                <a:ea typeface="Calibri Light" panose="020F0302020204030204" pitchFamily="34" charset="0"/>
+                <a:cs typeface="Calibri Light" panose="020F0302020204030204" pitchFamily="34" charset="0"/>
+              </a:rPr>
+              <a:t>:hasCurrentVersion</a:t>
+            </a:r>
+            <a:endParaRPr kumimoji="1" lang="ja-JP" altLang="en-US" sz="1600" dirty="0">
+              <a:solidFill>
+                <a:srgbClr val="FF0000"/>
+              </a:solidFill>
+              <a:highlight>
+                <a:srgbClr val="FFFF00"/>
+              </a:highlight>
+              <a:latin typeface="Calibri Light" panose="020F0302020204030204" pitchFamily="34" charset="0"/>
+              <a:ea typeface="BIZ UDゴシック" panose="020B0400000000000000" pitchFamily="49" charset="-128"/>
+              <a:cs typeface="Calibri Light" panose="020F0302020204030204" pitchFamily="34" charset="0"/>
+            </a:endParaRPr>
+          </a:p>
+        </p:txBody>
+      </p:sp>
+      <p:sp>
+        <p:nvSpPr>
+          <p:cNvPr id="138" name="正方形/長方形 137"/>
+          <p:cNvSpPr/>
+          <p:nvPr/>
+        </p:nvSpPr>
+        <p:spPr>
+          <a:xfrm>
+            <a:off x="3247412" y="4786556"/>
+            <a:ext cx="962077" cy="335821"/>
+          </a:xfrm>
+          <a:prstGeom prst="rect">
+            <a:avLst/>
+          </a:prstGeom>
+        </p:spPr>
+        <p:style>
+          <a:lnRef idx="2">
+            <a:schemeClr val="dk1"/>
+          </a:lnRef>
+          <a:fillRef idx="1">
+            <a:schemeClr val="lt1"/>
+          </a:fillRef>
+          <a:effectRef idx="0">
+            <a:schemeClr val="dk1"/>
+          </a:effectRef>
+          <a:fontRef idx="minor">
+            <a:schemeClr val="dk1"/>
+          </a:fontRef>
+        </p:style>
+        <p:txBody>
+          <a:bodyPr rtlCol="0" anchor="ctr"/>
+          <a:lstStyle/>
+          <a:p>
+            <a:pPr algn="ctr"/>
+            <a:r>
+              <a:rPr lang="en-US" altLang="ja-JP" sz="1600" dirty="0">
+                <a:latin typeface="Calibri Light" panose="020F0302020204030204" pitchFamily="34" charset="0"/>
+                <a:ea typeface="Calibri Light" panose="020F0302020204030204" pitchFamily="34" charset="0"/>
+                <a:cs typeface="Calibri Light" panose="020F0302020204030204" pitchFamily="34" charset="0"/>
+              </a:rPr>
+              <a:t>272594</a:t>
+            </a:r>
+            <a:endParaRPr kumimoji="1" lang="ja-JP" altLang="en-US" sz="1600" dirty="0">
+              <a:latin typeface="Calibri Light" panose="020F0302020204030204" pitchFamily="34" charset="0"/>
+              <a:ea typeface="BIZ UDゴシック" panose="020B0400000000000000" pitchFamily="49" charset="-128"/>
+              <a:cs typeface="Calibri Light" panose="020F0302020204030204" pitchFamily="34" charset="0"/>
+            </a:endParaRPr>
+          </a:p>
+        </p:txBody>
+      </p:sp>
+      <p:sp>
+        <p:nvSpPr>
+          <p:cNvPr id="105" name="正方形/長方形 104"/>
+          <p:cNvSpPr/>
+          <p:nvPr/>
+        </p:nvSpPr>
+        <p:spPr>
+          <a:xfrm>
+            <a:off x="3549019" y="4404115"/>
+            <a:ext cx="1102802" cy="338554"/>
+          </a:xfrm>
+          <a:prstGeom prst="rect">
+            <a:avLst/>
+          </a:prstGeom>
+        </p:spPr>
+        <p:txBody>
+          <a:bodyPr wrap="none">
+            <a:spAutoFit/>
+          </a:bodyPr>
+          <a:lstStyle/>
+          <a:p>
+            <a:r>
+              <a:rPr lang="ja-JP" altLang="en-US" sz="1600" dirty="0">
+                <a:latin typeface="Calibri Light" panose="020F0302020204030204" pitchFamily="34" charset="0"/>
+                <a:ea typeface="BIZ UDゴシック" panose="020B0400000000000000" pitchFamily="49" charset="-128"/>
+                <a:cs typeface="Calibri Light" panose="020F0302020204030204" pitchFamily="34" charset="0"/>
+              </a:rPr>
+              <a:t>void:triples</a:t>
+            </a:r>
+          </a:p>
+        </p:txBody>
+      </p:sp>
+      <p:cxnSp>
+        <p:nvCxnSpPr>
+          <p:cNvPr id="140" name="直線矢印コネクタ 139"/>
+          <p:cNvCxnSpPr>
+            <a:cxnSpLocks/>
+            <a:stCxn id="171" idx="3"/>
+            <a:endCxn id="138" idx="0"/>
+          </p:cNvCxnSpPr>
+          <p:nvPr/>
+        </p:nvCxnSpPr>
+        <p:spPr>
+          <a:xfrm flipH="1">
+            <a:off x="3728451" y="3844573"/>
+            <a:ext cx="867053" cy="941983"/>
+          </a:xfrm>
+          <a:prstGeom prst="straightConnector1">
+            <a:avLst/>
+          </a:prstGeom>
+          <a:ln>
+            <a:tailEnd type="triangle"/>
+          </a:ln>
+        </p:spPr>
+        <p:style>
+          <a:lnRef idx="1">
+            <a:schemeClr val="accent1"/>
+          </a:lnRef>
+          <a:fillRef idx="0">
+            <a:schemeClr val="accent1"/>
+          </a:fillRef>
+          <a:effectRef idx="0">
+            <a:schemeClr val="accent1"/>
+          </a:effectRef>
+          <a:fontRef idx="minor">
+            <a:schemeClr val="tx1"/>
+          </a:fontRef>
+        </p:style>
+      </p:cxnSp>
+      <p:sp>
+        <p:nvSpPr>
+          <p:cNvPr id="57" name="楕円 56"/>
+          <p:cNvSpPr/>
+          <p:nvPr/>
+        </p:nvSpPr>
+        <p:spPr>
+          <a:xfrm>
+            <a:off x="4787751" y="4656817"/>
+            <a:ext cx="1482618" cy="503837"/>
+          </a:xfrm>
+          <a:prstGeom prst="ellipse">
+            <a:avLst/>
+          </a:prstGeom>
+        </p:spPr>
+        <p:style>
+          <a:lnRef idx="2">
+            <a:schemeClr val="accent1">
+              <a:shade val="50000"/>
+            </a:schemeClr>
+          </a:lnRef>
+          <a:fillRef idx="1">
+            <a:schemeClr val="accent1"/>
+          </a:fillRef>
+          <a:effectRef idx="0">
+            <a:schemeClr val="accent1"/>
+          </a:effectRef>
+          <a:fontRef idx="minor">
+            <a:schemeClr val="lt1"/>
+          </a:fontRef>
+        </p:style>
+        <p:txBody>
+          <a:bodyPr rtlCol="0" anchor="ctr"/>
+          <a:lstStyle/>
+          <a:p>
+            <a:pPr algn="ctr"/>
+            <a:r>
+              <a:rPr kumimoji="1" lang="en-US" altLang="ja-JP" sz="1400" u="sng" dirty="0">
+                <a:latin typeface="Calibri Light" panose="020F0302020204030204" pitchFamily="34" charset="0"/>
+                <a:ea typeface="Calibri Light" panose="020F0302020204030204" pitchFamily="34" charset="0"/>
+                <a:cs typeface="Calibri Light" panose="020F0302020204030204" pitchFamily="34" charset="0"/>
+              </a:rPr>
+              <a:t>Revision history info</a:t>
+            </a:r>
+            <a:endParaRPr kumimoji="1" lang="ja-JP" altLang="en-US" sz="1400" u="sng" dirty="0">
+              <a:latin typeface="Calibri Light" panose="020F0302020204030204" pitchFamily="34" charset="0"/>
+              <a:ea typeface="BIZ UDゴシック" panose="020B0400000000000000" pitchFamily="49" charset="-128"/>
+              <a:cs typeface="Calibri Light" panose="020F0302020204030204" pitchFamily="34" charset="0"/>
+            </a:endParaRPr>
+          </a:p>
+        </p:txBody>
+      </p:sp>
+      <p:cxnSp>
+        <p:nvCxnSpPr>
+          <p:cNvPr id="118" name="直線矢印コネクタ 117"/>
+          <p:cNvCxnSpPr>
+            <a:cxnSpLocks/>
+            <a:stCxn id="171" idx="4"/>
+            <a:endCxn id="57" idx="0"/>
+          </p:cNvCxnSpPr>
+          <p:nvPr/>
+        </p:nvCxnSpPr>
+        <p:spPr>
+          <a:xfrm>
+            <a:off x="5292710" y="3969967"/>
+            <a:ext cx="236350" cy="686850"/>
+          </a:xfrm>
+          <a:prstGeom prst="straightConnector1">
+            <a:avLst/>
+          </a:prstGeom>
+          <a:ln>
+            <a:tailEnd type="triangle"/>
+          </a:ln>
+        </p:spPr>
+        <p:style>
+          <a:lnRef idx="1">
+            <a:schemeClr val="accent1"/>
+          </a:lnRef>
+          <a:fillRef idx="0">
+            <a:schemeClr val="accent1"/>
+          </a:fillRef>
+          <a:effectRef idx="0">
+            <a:schemeClr val="accent1"/>
+          </a:effectRef>
+          <a:fontRef idx="minor">
+            <a:schemeClr val="tx1"/>
+          </a:fontRef>
+        </p:style>
+      </p:cxnSp>
+      <p:cxnSp>
+        <p:nvCxnSpPr>
+          <p:cNvPr id="119" name="直線矢印コネクタ 118"/>
+          <p:cNvCxnSpPr>
+            <a:stCxn id="171" idx="6"/>
+            <a:endCxn id="181" idx="2"/>
+          </p:cNvCxnSpPr>
+          <p:nvPr/>
+        </p:nvCxnSpPr>
+        <p:spPr>
+          <a:xfrm flipV="1">
+            <a:off x="6278708" y="3539425"/>
+            <a:ext cx="900040" cy="2422"/>
+          </a:xfrm>
+          <a:prstGeom prst="straightConnector1">
+            <a:avLst/>
+          </a:prstGeom>
+          <a:ln>
+            <a:tailEnd type="triangle"/>
+          </a:ln>
+        </p:spPr>
+        <p:style>
+          <a:lnRef idx="1">
+            <a:schemeClr val="accent1"/>
+          </a:lnRef>
+          <a:fillRef idx="0">
+            <a:schemeClr val="accent1"/>
+          </a:fillRef>
+          <a:effectRef idx="0">
+            <a:schemeClr val="accent1"/>
+          </a:effectRef>
+          <a:fontRef idx="minor">
+            <a:schemeClr val="tx1"/>
+          </a:fontRef>
+        </p:style>
+      </p:cxnSp>
+      <p:sp>
+        <p:nvSpPr>
+          <p:cNvPr id="122" name="テキスト ボックス 121"/>
+          <p:cNvSpPr txBox="1"/>
+          <p:nvPr/>
+        </p:nvSpPr>
+        <p:spPr>
+          <a:xfrm>
+            <a:off x="4966488" y="4021228"/>
+            <a:ext cx="1410860" cy="584775"/>
+          </a:xfrm>
+          <a:prstGeom prst="rect">
+            <a:avLst/>
+          </a:prstGeom>
+          <a:noFill/>
+        </p:spPr>
+        <p:txBody>
+          <a:bodyPr wrap="square" rtlCol="0">
+            <a:spAutoFit/>
+          </a:bodyPr>
+          <a:lstStyle/>
+          <a:p>
+            <a:r>
+              <a:rPr lang="en-US" altLang="ja-JP" sz="1600" dirty="0" err="1">
+                <a:latin typeface="Calibri Light" panose="020F0302020204030204" pitchFamily="34" charset="0"/>
+                <a:ea typeface="Calibri Light" panose="020F0302020204030204" pitchFamily="34" charset="0"/>
+                <a:cs typeface="Calibri Light" panose="020F0302020204030204" pitchFamily="34" charset="0"/>
+              </a:rPr>
+              <a:t>prov</a:t>
+            </a:r>
+            <a:r>
+              <a:rPr kumimoji="1" lang="en-US" altLang="ja-JP" sz="1600" dirty="0" err="1">
+                <a:latin typeface="Calibri Light" panose="020F0302020204030204" pitchFamily="34" charset="0"/>
+                <a:ea typeface="Calibri Light" panose="020F0302020204030204" pitchFamily="34" charset="0"/>
+                <a:cs typeface="Calibri Light" panose="020F0302020204030204" pitchFamily="34" charset="0"/>
+              </a:rPr>
+              <a:t>:qualifiedRevision</a:t>
+            </a:r>
+            <a:endParaRPr kumimoji="1" lang="ja-JP" altLang="en-US" sz="1600" dirty="0">
+              <a:latin typeface="Calibri Light" panose="020F0302020204030204" pitchFamily="34" charset="0"/>
+              <a:ea typeface="BIZ UDゴシック" panose="020B0400000000000000" pitchFamily="49" charset="-128"/>
+              <a:cs typeface="Calibri Light" panose="020F0302020204030204" pitchFamily="34" charset="0"/>
+            </a:endParaRPr>
+          </a:p>
+        </p:txBody>
+      </p:sp>
+      <p:cxnSp>
+        <p:nvCxnSpPr>
+          <p:cNvPr id="123" name="直線矢印コネクタ 122"/>
+          <p:cNvCxnSpPr>
+            <a:cxnSpLocks/>
+            <a:stCxn id="57" idx="5"/>
+            <a:endCxn id="126" idx="1"/>
+          </p:cNvCxnSpPr>
+          <p:nvPr/>
+        </p:nvCxnSpPr>
+        <p:spPr>
+          <a:xfrm>
+            <a:off x="6053245" y="5086869"/>
+            <a:ext cx="1000364" cy="737414"/>
+          </a:xfrm>
+          <a:prstGeom prst="straightConnector1">
+            <a:avLst/>
+          </a:prstGeom>
+          <a:ln>
+            <a:tailEnd type="triangle"/>
+          </a:ln>
+        </p:spPr>
+        <p:style>
+          <a:lnRef idx="1">
+            <a:schemeClr val="accent1"/>
+          </a:lnRef>
+          <a:fillRef idx="0">
+            <a:schemeClr val="accent1"/>
+          </a:fillRef>
+          <a:effectRef idx="0">
+            <a:schemeClr val="accent1"/>
+          </a:effectRef>
+          <a:fontRef idx="minor">
+            <a:schemeClr val="tx1"/>
+          </a:fontRef>
+        </p:style>
+      </p:cxnSp>
+      <p:sp>
+        <p:nvSpPr>
+          <p:cNvPr id="126" name="正方形/長方形 125"/>
+          <p:cNvSpPr/>
+          <p:nvPr/>
+        </p:nvSpPr>
+        <p:spPr>
+          <a:xfrm>
+            <a:off x="7053609" y="5496983"/>
+            <a:ext cx="1173163" cy="654600"/>
+          </a:xfrm>
+          <a:prstGeom prst="rect">
+            <a:avLst/>
+          </a:prstGeom>
+        </p:spPr>
+        <p:style>
+          <a:lnRef idx="2">
+            <a:schemeClr val="dk1"/>
+          </a:lnRef>
+          <a:fillRef idx="1">
+            <a:schemeClr val="lt1"/>
+          </a:fillRef>
+          <a:effectRef idx="0">
+            <a:schemeClr val="dk1"/>
+          </a:effectRef>
+          <a:fontRef idx="minor">
+            <a:schemeClr val="dk1"/>
+          </a:fontRef>
+        </p:style>
+        <p:txBody>
+          <a:bodyPr rtlCol="0" anchor="ctr"/>
+          <a:lstStyle/>
+          <a:p>
+            <a:r>
+              <a:rPr lang="ja-JP" altLang="en-US" sz="1100" dirty="0">
+                <a:latin typeface="Calibri Light" panose="020F0302020204030204" pitchFamily="34" charset="0"/>
+                <a:ea typeface="Calibri Light" panose="020F0302020204030204" pitchFamily="34" charset="0"/>
+                <a:cs typeface="Calibri Light" panose="020F0302020204030204" pitchFamily="34" charset="0"/>
+              </a:rPr>
+              <a:t>「ワールド」についての説明を新たに追加しました。</a:t>
+            </a:r>
+            <a:endParaRPr kumimoji="1" lang="ja-JP" altLang="en-US" sz="1100" dirty="0">
+              <a:latin typeface="Calibri Light" panose="020F0302020204030204" pitchFamily="34" charset="0"/>
+              <a:ea typeface="BIZ UDゴシック" panose="020B0400000000000000" pitchFamily="49" charset="-128"/>
+              <a:cs typeface="Calibri Light" panose="020F0302020204030204" pitchFamily="34" charset="0"/>
+            </a:endParaRPr>
+          </a:p>
+        </p:txBody>
+      </p:sp>
+      <p:sp>
+        <p:nvSpPr>
+          <p:cNvPr id="128" name="テキスト ボックス 127"/>
+          <p:cNvSpPr txBox="1"/>
+          <p:nvPr/>
+        </p:nvSpPr>
+        <p:spPr>
+          <a:xfrm>
+            <a:off x="5914296" y="5302525"/>
+            <a:ext cx="1195455" cy="307777"/>
+          </a:xfrm>
+          <a:prstGeom prst="rect">
+            <a:avLst/>
+          </a:prstGeom>
+          <a:noFill/>
+        </p:spPr>
+        <p:txBody>
+          <a:bodyPr wrap="none" rtlCol="0">
+            <a:spAutoFit/>
+          </a:bodyPr>
+          <a:lstStyle/>
+          <a:p>
+            <a:r>
+              <a:rPr lang="en-US" altLang="ja-JP" sz="1400" dirty="0" err="1">
+                <a:latin typeface="Calibri Light" panose="020F0302020204030204" pitchFamily="34" charset="0"/>
+                <a:ea typeface="Calibri Light" panose="020F0302020204030204" pitchFamily="34" charset="0"/>
+                <a:cs typeface="Calibri Light" panose="020F0302020204030204" pitchFamily="34" charset="0"/>
+              </a:rPr>
+              <a:t>rdfs:comment</a:t>
+            </a:r>
+            <a:endParaRPr kumimoji="1" lang="ja-JP" altLang="en-US" sz="1400" dirty="0">
+              <a:latin typeface="Calibri Light" panose="020F0302020204030204" pitchFamily="34" charset="0"/>
+              <a:ea typeface="BIZ UDゴシック" panose="020B0400000000000000" pitchFamily="49" charset="-128"/>
+              <a:cs typeface="Calibri Light" panose="020F0302020204030204" pitchFamily="34" charset="0"/>
+            </a:endParaRPr>
+          </a:p>
+        </p:txBody>
+      </p:sp>
+      <p:sp>
+        <p:nvSpPr>
+          <p:cNvPr id="131" name="楕円 130"/>
+          <p:cNvSpPr/>
+          <p:nvPr/>
+        </p:nvSpPr>
+        <p:spPr>
+          <a:xfrm>
+            <a:off x="6053245" y="6329519"/>
+            <a:ext cx="3022802" cy="531321"/>
+          </a:xfrm>
+          <a:prstGeom prst="ellipse">
+            <a:avLst/>
+          </a:prstGeom>
+        </p:spPr>
+        <p:style>
+          <a:lnRef idx="1">
+            <a:schemeClr val="accent1"/>
+          </a:lnRef>
+          <a:fillRef idx="2">
+            <a:schemeClr val="accent1"/>
+          </a:fillRef>
+          <a:effectRef idx="1">
+            <a:schemeClr val="accent1"/>
+          </a:effectRef>
+          <a:fontRef idx="minor">
+            <a:schemeClr val="dk1"/>
+          </a:fontRef>
+        </p:style>
+        <p:txBody>
+          <a:bodyPr rtlCol="0" anchor="ctr"/>
+          <a:lstStyle/>
+          <a:p>
+            <a:pPr algn="ctr"/>
+            <a:r>
+              <a:rPr lang="en-US" altLang="ja-JP" sz="1200" dirty="0">
+                <a:latin typeface="Calibri Light" panose="020F0302020204030204" pitchFamily="34" charset="0"/>
+                <a:ea typeface="Calibri Light" panose="020F0302020204030204" pitchFamily="34" charset="0"/>
+                <a:cs typeface="Calibri Light" panose="020F0302020204030204" pitchFamily="34" charset="0"/>
+              </a:rPr>
+              <a:t>&lt;https://example.org/releases/hello-world-v2&gt;</a:t>
+            </a:r>
+            <a:endParaRPr kumimoji="1" lang="ja-JP" altLang="en-US" sz="1200" dirty="0">
+              <a:latin typeface="Calibri Light" panose="020F0302020204030204" pitchFamily="34" charset="0"/>
+              <a:ea typeface="BIZ UDゴシック" panose="020B0400000000000000" pitchFamily="49" charset="-128"/>
+              <a:cs typeface="Calibri Light" panose="020F0302020204030204" pitchFamily="34" charset="0"/>
+            </a:endParaRPr>
+          </a:p>
+        </p:txBody>
+      </p:sp>
+      <p:cxnSp>
+        <p:nvCxnSpPr>
+          <p:cNvPr id="134" name="直線矢印コネクタ 133"/>
+          <p:cNvCxnSpPr>
+            <a:cxnSpLocks/>
+            <a:stCxn id="57" idx="4"/>
+            <a:endCxn id="131" idx="1"/>
+          </p:cNvCxnSpPr>
+          <p:nvPr/>
+        </p:nvCxnSpPr>
+        <p:spPr>
+          <a:xfrm>
+            <a:off x="5529060" y="5160654"/>
+            <a:ext cx="966864" cy="1246675"/>
+          </a:xfrm>
+          <a:prstGeom prst="straightConnector1">
+            <a:avLst/>
+          </a:prstGeom>
+          <a:ln>
+            <a:tailEnd type="triangle"/>
+          </a:ln>
+        </p:spPr>
+        <p:style>
+          <a:lnRef idx="1">
+            <a:schemeClr val="accent1"/>
+          </a:lnRef>
+          <a:fillRef idx="0">
+            <a:schemeClr val="accent1"/>
+          </a:fillRef>
+          <a:effectRef idx="0">
+            <a:schemeClr val="accent1"/>
+          </a:effectRef>
+          <a:fontRef idx="minor">
+            <a:schemeClr val="tx1"/>
+          </a:fontRef>
+        </p:style>
+      </p:cxnSp>
+      <p:sp>
+        <p:nvSpPr>
+          <p:cNvPr id="187" name="テキスト ボックス 186"/>
+          <p:cNvSpPr txBox="1"/>
+          <p:nvPr/>
+        </p:nvSpPr>
+        <p:spPr>
+          <a:xfrm>
+            <a:off x="5938152" y="5997695"/>
+            <a:ext cx="1051442" cy="307777"/>
+          </a:xfrm>
+          <a:prstGeom prst="rect">
+            <a:avLst/>
+          </a:prstGeom>
+          <a:noFill/>
+        </p:spPr>
+        <p:txBody>
+          <a:bodyPr wrap="none" rtlCol="0">
+            <a:spAutoFit/>
+          </a:bodyPr>
+          <a:lstStyle/>
+          <a:p>
+            <a:r>
+              <a:rPr lang="en-US" altLang="ja-JP" sz="1400" dirty="0" err="1">
+                <a:latin typeface="Calibri Light" panose="020F0302020204030204" pitchFamily="34" charset="0"/>
+                <a:ea typeface="Calibri Light" panose="020F0302020204030204" pitchFamily="34" charset="0"/>
+                <a:cs typeface="Calibri Light" panose="020F0302020204030204" pitchFamily="34" charset="0"/>
+              </a:rPr>
+              <a:t>rdfs:seeAlso</a:t>
+            </a:r>
+            <a:endParaRPr kumimoji="1" lang="ja-JP" altLang="en-US" sz="1400" dirty="0">
+              <a:latin typeface="Calibri Light" panose="020F0302020204030204" pitchFamily="34" charset="0"/>
+              <a:ea typeface="BIZ UDゴシック" panose="020B0400000000000000" pitchFamily="49" charset="-128"/>
+              <a:cs typeface="Calibri Light" panose="020F0302020204030204" pitchFamily="34" charset="0"/>
+            </a:endParaRPr>
+          </a:p>
+        </p:txBody>
+      </p:sp>
+      <p:sp>
+        <p:nvSpPr>
+          <p:cNvPr id="196" name="楕円 195"/>
+          <p:cNvSpPr/>
+          <p:nvPr/>
+        </p:nvSpPr>
+        <p:spPr>
+          <a:xfrm>
+            <a:off x="3843948" y="-4165"/>
+            <a:ext cx="2573080" cy="665320"/>
+          </a:xfrm>
+          <a:prstGeom prst="ellipse">
+            <a:avLst/>
+          </a:prstGeom>
+        </p:spPr>
+        <p:style>
+          <a:lnRef idx="1">
+            <a:schemeClr val="accent1"/>
+          </a:lnRef>
+          <a:fillRef idx="2">
+            <a:schemeClr val="accent1"/>
+          </a:fillRef>
+          <a:effectRef idx="1">
+            <a:schemeClr val="accent1"/>
+          </a:effectRef>
+          <a:fontRef idx="minor">
+            <a:schemeClr val="dk1"/>
+          </a:fontRef>
+        </p:style>
+        <p:txBody>
+          <a:bodyPr rtlCol="0" anchor="ctr"/>
+          <a:lstStyle/>
+          <a:p>
+            <a:pPr algn="ctr"/>
+            <a:r>
+              <a:rPr lang="en-US" altLang="ja-JP" sz="1400" dirty="0">
+                <a:latin typeface="Calibri Light" panose="020F0302020204030204" pitchFamily="34" charset="0"/>
+                <a:ea typeface="Calibri Light" panose="020F0302020204030204" pitchFamily="34" charset="0"/>
+                <a:cs typeface="Calibri Light" panose="020F0302020204030204" pitchFamily="34" charset="0"/>
+              </a:rPr>
+              <a:t>&lt;https://example.org/pid/hello-world/&gt;</a:t>
+            </a:r>
+            <a:endParaRPr kumimoji="1" lang="ja-JP" altLang="en-US" sz="1400" dirty="0">
+              <a:latin typeface="Calibri Light" panose="020F0302020204030204" pitchFamily="34" charset="0"/>
+              <a:ea typeface="BIZ UDゴシック" panose="020B0400000000000000" pitchFamily="49" charset="-128"/>
+              <a:cs typeface="Calibri Light" panose="020F0302020204030204" pitchFamily="34" charset="0"/>
+            </a:endParaRPr>
+          </a:p>
+        </p:txBody>
+      </p:sp>
+      <p:cxnSp>
+        <p:nvCxnSpPr>
+          <p:cNvPr id="200" name="直線矢印コネクタ 199"/>
+          <p:cNvCxnSpPr>
+            <a:cxnSpLocks/>
+            <a:stCxn id="4" idx="0"/>
+            <a:endCxn id="196" idx="4"/>
+          </p:cNvCxnSpPr>
+          <p:nvPr/>
+        </p:nvCxnSpPr>
+        <p:spPr>
+          <a:xfrm flipH="1" flipV="1">
+            <a:off x="5130488" y="661155"/>
+            <a:ext cx="115701" cy="513911"/>
+          </a:xfrm>
+          <a:prstGeom prst="straightConnector1">
+            <a:avLst/>
+          </a:prstGeom>
+          <a:ln>
+            <a:tailEnd type="triangle"/>
+          </a:ln>
+        </p:spPr>
+        <p:style>
+          <a:lnRef idx="1">
+            <a:schemeClr val="accent1"/>
+          </a:lnRef>
+          <a:fillRef idx="0">
+            <a:schemeClr val="accent1"/>
+          </a:fillRef>
+          <a:effectRef idx="0">
+            <a:schemeClr val="accent1"/>
+          </a:effectRef>
+          <a:fontRef idx="minor">
+            <a:schemeClr val="tx1"/>
+          </a:fontRef>
+        </p:style>
+      </p:cxnSp>
+      <p:sp>
+        <p:nvSpPr>
+          <p:cNvPr id="203" name="テキスト ボックス 202"/>
+          <p:cNvSpPr txBox="1"/>
+          <p:nvPr/>
+        </p:nvSpPr>
+        <p:spPr>
+          <a:xfrm>
+            <a:off x="4563574" y="649867"/>
+            <a:ext cx="1435521" cy="338554"/>
+          </a:xfrm>
+          <a:prstGeom prst="rect">
+            <a:avLst/>
+          </a:prstGeom>
+          <a:noFill/>
+        </p:spPr>
+        <p:txBody>
+          <a:bodyPr wrap="none" rtlCol="0">
+            <a:spAutoFit/>
+          </a:bodyPr>
+          <a:lstStyle/>
+          <a:p>
+            <a:r>
+              <a:rPr kumimoji="1" lang="en-US" altLang="ja-JP" sz="1600" dirty="0" err="1">
+                <a:latin typeface="Calibri Light" panose="020F0302020204030204" pitchFamily="34" charset="0"/>
+                <a:ea typeface="Calibri Light" panose="020F0302020204030204" pitchFamily="34" charset="0"/>
+                <a:cs typeface="Calibri Light" panose="020F0302020204030204" pitchFamily="34" charset="0"/>
+              </a:rPr>
+              <a:t>foaf:homepage</a:t>
+            </a:r>
+            <a:endParaRPr kumimoji="1" lang="ja-JP" altLang="en-US" sz="1600" dirty="0">
+              <a:latin typeface="Calibri Light" panose="020F0302020204030204" pitchFamily="34" charset="0"/>
+              <a:ea typeface="BIZ UDゴシック" panose="020B0400000000000000" pitchFamily="49" charset="-128"/>
+              <a:cs typeface="Calibri Light" panose="020F0302020204030204" pitchFamily="34" charset="0"/>
+            </a:endParaRPr>
+          </a:p>
+        </p:txBody>
+      </p:sp>
+      <p:sp>
+        <p:nvSpPr>
+          <p:cNvPr id="204" name="楕円 203"/>
+          <p:cNvSpPr/>
+          <p:nvPr/>
+        </p:nvSpPr>
+        <p:spPr>
+          <a:xfrm>
+            <a:off x="1196052" y="15003"/>
+            <a:ext cx="2534639" cy="559744"/>
+          </a:xfrm>
+          <a:prstGeom prst="ellipse">
+            <a:avLst/>
+          </a:prstGeom>
+        </p:spPr>
+        <p:style>
+          <a:lnRef idx="1">
+            <a:schemeClr val="accent1"/>
+          </a:lnRef>
+          <a:fillRef idx="2">
+            <a:schemeClr val="accent1"/>
+          </a:fillRef>
+          <a:effectRef idx="1">
+            <a:schemeClr val="accent1"/>
+          </a:effectRef>
+          <a:fontRef idx="minor">
+            <a:schemeClr val="dk1"/>
+          </a:fontRef>
+        </p:style>
+        <p:txBody>
+          <a:bodyPr rtlCol="0" anchor="ctr"/>
+          <a:lstStyle/>
+          <a:p>
+            <a:pPr algn="ctr"/>
+            <a:r>
+              <a:rPr lang="en-US" altLang="ja-JP" sz="1400" dirty="0">
+                <a:latin typeface="Calibri Light" panose="020F0302020204030204" pitchFamily="34" charset="0"/>
+                <a:ea typeface="Calibri Light" panose="020F0302020204030204" pitchFamily="34" charset="0"/>
+                <a:cs typeface="Calibri Light" panose="020F0302020204030204" pitchFamily="34" charset="0"/>
+              </a:rPr>
+              <a:t>&lt;https://example.org/hello-world&gt;</a:t>
+            </a:r>
+            <a:endParaRPr kumimoji="1" lang="ja-JP" altLang="en-US" sz="1400" dirty="0">
+              <a:latin typeface="Calibri Light" panose="020F0302020204030204" pitchFamily="34" charset="0"/>
+              <a:ea typeface="BIZ UDゴシック" panose="020B0400000000000000" pitchFamily="49" charset="-128"/>
+              <a:cs typeface="Calibri Light" panose="020F0302020204030204" pitchFamily="34" charset="0"/>
+            </a:endParaRPr>
+          </a:p>
+        </p:txBody>
+      </p:sp>
+      <p:cxnSp>
+        <p:nvCxnSpPr>
+          <p:cNvPr id="205" name="直線矢印コネクタ 204"/>
+          <p:cNvCxnSpPr>
+            <a:cxnSpLocks/>
+            <a:stCxn id="4" idx="0"/>
+            <a:endCxn id="204" idx="5"/>
+          </p:cNvCxnSpPr>
+          <p:nvPr/>
+        </p:nvCxnSpPr>
+        <p:spPr>
+          <a:xfrm flipH="1" flipV="1">
+            <a:off x="3359502" y="492774"/>
+            <a:ext cx="1886687" cy="682292"/>
+          </a:xfrm>
+          <a:prstGeom prst="straightConnector1">
+            <a:avLst/>
+          </a:prstGeom>
+          <a:ln>
+            <a:tailEnd type="triangle"/>
+          </a:ln>
+        </p:spPr>
+        <p:style>
+          <a:lnRef idx="1">
+            <a:schemeClr val="accent1"/>
+          </a:lnRef>
+          <a:fillRef idx="0">
+            <a:schemeClr val="accent1"/>
+          </a:fillRef>
+          <a:effectRef idx="0">
+            <a:schemeClr val="accent1"/>
+          </a:effectRef>
+          <a:fontRef idx="minor">
+            <a:schemeClr val="tx1"/>
+          </a:fontRef>
+        </p:style>
+      </p:cxnSp>
+      <p:sp>
+        <p:nvSpPr>
+          <p:cNvPr id="212" name="正方形/長方形 211"/>
+          <p:cNvSpPr/>
+          <p:nvPr/>
+        </p:nvSpPr>
+        <p:spPr>
+          <a:xfrm>
+            <a:off x="3220289" y="607990"/>
+            <a:ext cx="957826" cy="338554"/>
+          </a:xfrm>
+          <a:prstGeom prst="rect">
+            <a:avLst/>
+          </a:prstGeom>
+        </p:spPr>
+        <p:txBody>
+          <a:bodyPr wrap="none">
+            <a:spAutoFit/>
+          </a:bodyPr>
+          <a:lstStyle/>
+          <a:p>
+            <a:r>
+              <a:rPr lang="en-US" altLang="ja-JP" sz="1600" dirty="0" err="1">
+                <a:latin typeface="Calibri Light" panose="020F0302020204030204" pitchFamily="34" charset="0"/>
+                <a:ea typeface="Calibri Light" panose="020F0302020204030204" pitchFamily="34" charset="0"/>
+                <a:cs typeface="Calibri Light" panose="020F0302020204030204" pitchFamily="34" charset="0"/>
+              </a:rPr>
+              <a:t>foaf:page</a:t>
+            </a:r>
+            <a:endParaRPr lang="ja-JP" altLang="en-US" sz="1600" dirty="0">
+              <a:latin typeface="Calibri Light" panose="020F0302020204030204" pitchFamily="34" charset="0"/>
+              <a:ea typeface="BIZ UDゴシック" panose="020B0400000000000000" pitchFamily="49" charset="-128"/>
+              <a:cs typeface="Calibri Light" panose="020F0302020204030204" pitchFamily="34" charset="0"/>
+            </a:endParaRPr>
+          </a:p>
+        </p:txBody>
+      </p:sp>
+      <p:sp>
+        <p:nvSpPr>
+          <p:cNvPr id="235" name="正方形/長方形 234"/>
+          <p:cNvSpPr/>
+          <p:nvPr/>
+        </p:nvSpPr>
+        <p:spPr>
+          <a:xfrm>
+            <a:off x="8862904" y="847563"/>
+            <a:ext cx="3455125" cy="738664"/>
+          </a:xfrm>
+          <a:prstGeom prst="rect">
+            <a:avLst/>
+          </a:prstGeom>
+        </p:spPr>
+        <p:style>
+          <a:lnRef idx="2">
+            <a:schemeClr val="dk1"/>
+          </a:lnRef>
+          <a:fillRef idx="1">
+            <a:schemeClr val="lt1"/>
+          </a:fillRef>
+          <a:effectRef idx="0">
+            <a:schemeClr val="dk1"/>
+          </a:effectRef>
+          <a:fontRef idx="minor">
+            <a:schemeClr val="dk1"/>
+          </a:fontRef>
+        </p:style>
+        <p:txBody>
+          <a:bodyPr wrap="square">
+            <a:spAutoFit/>
+          </a:bodyPr>
+          <a:lstStyle/>
+          <a:p>
+            <a:r>
+              <a:rPr lang="ja-JP" altLang="en-US" sz="1400" dirty="0">
+                <a:latin typeface="Calibri Light" panose="020F0302020204030204" pitchFamily="34" charset="0"/>
+                <a:ea typeface="Calibri Light" panose="020F0302020204030204" pitchFamily="34" charset="0"/>
+                <a:cs typeface="Calibri Light" panose="020F0302020204030204" pitchFamily="34" charset="0"/>
+              </a:rPr>
+              <a:t>テストワールド</a:t>
+            </a:r>
+            <a:r>
+              <a:rPr lang="en-US" altLang="ja-JP" sz="1400" dirty="0">
+                <a:latin typeface="Calibri Light" panose="020F0302020204030204" pitchFamily="34" charset="0"/>
+                <a:ea typeface="Calibri Light" panose="020F0302020204030204" pitchFamily="34" charset="0"/>
+                <a:cs typeface="Calibri Light" panose="020F0302020204030204" pitchFamily="34" charset="0"/>
+              </a:rPr>
+              <a:t>LOD</a:t>
+            </a:r>
+            <a:r>
+              <a:rPr lang="ja-JP" altLang="en-US" sz="1400" dirty="0">
+                <a:latin typeface="Calibri Light" panose="020F0302020204030204" pitchFamily="34" charset="0"/>
+                <a:ea typeface="Calibri Light" panose="020F0302020204030204" pitchFamily="34" charset="0"/>
+                <a:cs typeface="Calibri Light" panose="020F0302020204030204" pitchFamily="34" charset="0"/>
+              </a:rPr>
+              <a:t>は、「テストワールド」世界を例示するリソース群についての貴重な情報を提供します。</a:t>
+            </a:r>
+            <a:endParaRPr lang="ja-JP" altLang="en-US" sz="1400" dirty="0">
+              <a:latin typeface="Calibri Light" panose="020F0302020204030204" pitchFamily="34" charset="0"/>
+              <a:ea typeface="BIZ UDゴシック" panose="020B0400000000000000" pitchFamily="49" charset="-128"/>
+              <a:cs typeface="Calibri Light" panose="020F0302020204030204" pitchFamily="34" charset="0"/>
+            </a:endParaRPr>
+          </a:p>
+        </p:txBody>
+      </p:sp>
+      <p:cxnSp>
+        <p:nvCxnSpPr>
+          <p:cNvPr id="243" name="直線矢印コネクタ 242"/>
+          <p:cNvCxnSpPr>
+            <a:cxnSpLocks/>
+            <a:stCxn id="4" idx="6"/>
+            <a:endCxn id="235" idx="1"/>
+          </p:cNvCxnSpPr>
+          <p:nvPr/>
+        </p:nvCxnSpPr>
+        <p:spPr>
+          <a:xfrm flipV="1">
+            <a:off x="6358791" y="1216895"/>
+            <a:ext cx="2504113" cy="314238"/>
+          </a:xfrm>
+          <a:prstGeom prst="straightConnector1">
+            <a:avLst/>
+          </a:prstGeom>
+          <a:ln>
+            <a:tailEnd type="triangle"/>
+          </a:ln>
+        </p:spPr>
+        <p:style>
+          <a:lnRef idx="1">
+            <a:schemeClr val="accent1"/>
+          </a:lnRef>
+          <a:fillRef idx="0">
+            <a:schemeClr val="accent1"/>
+          </a:fillRef>
+          <a:effectRef idx="0">
+            <a:schemeClr val="accent1"/>
+          </a:effectRef>
+          <a:fontRef idx="minor">
+            <a:schemeClr val="tx1"/>
+          </a:fontRef>
+        </p:style>
+      </p:cxnSp>
+      <p:sp>
+        <p:nvSpPr>
+          <p:cNvPr id="244" name="正方形/長方形 243"/>
+          <p:cNvSpPr/>
+          <p:nvPr/>
+        </p:nvSpPr>
+        <p:spPr>
+          <a:xfrm>
+            <a:off x="7031880" y="1245494"/>
+            <a:ext cx="1424364" cy="338554"/>
+          </a:xfrm>
+          <a:prstGeom prst="rect">
+            <a:avLst/>
+          </a:prstGeom>
+        </p:spPr>
+        <p:txBody>
+          <a:bodyPr wrap="none">
+            <a:spAutoFit/>
+          </a:bodyPr>
+          <a:lstStyle/>
+          <a:p>
+            <a:r>
+              <a:rPr lang="ja-JP" altLang="en-US" sz="1600" dirty="0">
+                <a:latin typeface="Calibri Light" panose="020F0302020204030204" pitchFamily="34" charset="0"/>
+                <a:ea typeface="BIZ UDゴシック" panose="020B0400000000000000" pitchFamily="49" charset="-128"/>
+                <a:cs typeface="Calibri Light" panose="020F0302020204030204" pitchFamily="34" charset="0"/>
+              </a:rPr>
+              <a:t>dct:</a:t>
+            </a:r>
+            <a:r>
+              <a:rPr lang="en-US" altLang="ja-JP" sz="1600" dirty="0">
+                <a:latin typeface="Calibri Light" panose="020F0302020204030204" pitchFamily="34" charset="0"/>
+                <a:ea typeface="Calibri Light" panose="020F0302020204030204" pitchFamily="34" charset="0"/>
+                <a:cs typeface="Calibri Light" panose="020F0302020204030204" pitchFamily="34" charset="0"/>
+              </a:rPr>
+              <a:t>description</a:t>
+            </a:r>
+            <a:endParaRPr lang="ja-JP" altLang="en-US" sz="1600" dirty="0">
+              <a:latin typeface="Calibri Light" panose="020F0302020204030204" pitchFamily="34" charset="0"/>
+              <a:ea typeface="BIZ UDゴシック" panose="020B0400000000000000" pitchFamily="49" charset="-128"/>
+              <a:cs typeface="Calibri Light" panose="020F0302020204030204" pitchFamily="34" charset="0"/>
+            </a:endParaRPr>
+          </a:p>
+        </p:txBody>
+      </p:sp>
+      <p:sp>
+        <p:nvSpPr>
+          <p:cNvPr id="381" name="楕円 380"/>
+          <p:cNvSpPr/>
+          <p:nvPr/>
+        </p:nvSpPr>
+        <p:spPr>
+          <a:xfrm>
+            <a:off x="8049584" y="1721984"/>
+            <a:ext cx="3353519" cy="638068"/>
+          </a:xfrm>
+          <a:prstGeom prst="ellipse">
+            <a:avLst/>
+          </a:prstGeom>
+        </p:spPr>
+        <p:style>
+          <a:lnRef idx="1">
+            <a:schemeClr val="accent1"/>
+          </a:lnRef>
+          <a:fillRef idx="2">
+            <a:schemeClr val="accent1"/>
+          </a:fillRef>
+          <a:effectRef idx="1">
+            <a:schemeClr val="accent1"/>
+          </a:effectRef>
+          <a:fontRef idx="minor">
+            <a:schemeClr val="dk1"/>
+          </a:fontRef>
+        </p:style>
+        <p:txBody>
+          <a:bodyPr rtlCol="0" anchor="ctr"/>
+          <a:lstStyle/>
+          <a:p>
+            <a:pPr algn="ctr"/>
+            <a:r>
+              <a:rPr lang="en-US" altLang="ja-JP" sz="1400" dirty="0">
+                <a:latin typeface="Calibri Light" panose="020F0302020204030204" pitchFamily="34" charset="0"/>
+                <a:ea typeface="Calibri Light" panose="020F0302020204030204" pitchFamily="34" charset="0"/>
+                <a:cs typeface="Calibri Light" panose="020F0302020204030204" pitchFamily="34" charset="0"/>
+              </a:rPr>
+              <a:t>&lt;http://creativecommons.org/publicdomain/zero/1.0/&gt;</a:t>
+            </a:r>
+            <a:endParaRPr kumimoji="1" lang="ja-JP" altLang="en-US" sz="1400" dirty="0">
+              <a:latin typeface="Calibri Light" panose="020F0302020204030204" pitchFamily="34" charset="0"/>
+              <a:ea typeface="BIZ UDゴシック" panose="020B0400000000000000" pitchFamily="49" charset="-128"/>
+              <a:cs typeface="Calibri Light" panose="020F0302020204030204" pitchFamily="34" charset="0"/>
+            </a:endParaRPr>
+          </a:p>
+        </p:txBody>
+      </p:sp>
+      <p:cxnSp>
+        <p:nvCxnSpPr>
+          <p:cNvPr id="386" name="直線矢印コネクタ 385"/>
+          <p:cNvCxnSpPr>
+            <a:cxnSpLocks/>
+            <a:stCxn id="4" idx="6"/>
+            <a:endCxn id="381" idx="2"/>
+          </p:cNvCxnSpPr>
+          <p:nvPr/>
+        </p:nvCxnSpPr>
+        <p:spPr>
+          <a:xfrm>
+            <a:off x="6358791" y="1531133"/>
+            <a:ext cx="1690793" cy="509885"/>
+          </a:xfrm>
+          <a:prstGeom prst="straightConnector1">
+            <a:avLst/>
+          </a:prstGeom>
+          <a:ln>
+            <a:tailEnd type="triangle"/>
+          </a:ln>
+        </p:spPr>
+        <p:style>
+          <a:lnRef idx="1">
+            <a:schemeClr val="accent1"/>
+          </a:lnRef>
+          <a:fillRef idx="0">
+            <a:schemeClr val="accent1"/>
+          </a:fillRef>
+          <a:effectRef idx="0">
+            <a:schemeClr val="accent1"/>
+          </a:effectRef>
+          <a:fontRef idx="minor">
+            <a:schemeClr val="tx1"/>
+          </a:fontRef>
+        </p:style>
+      </p:cxnSp>
+      <p:sp>
+        <p:nvSpPr>
+          <p:cNvPr id="389" name="正方形/長方形 388"/>
+          <p:cNvSpPr/>
+          <p:nvPr/>
+        </p:nvSpPr>
+        <p:spPr>
+          <a:xfrm>
+            <a:off x="6718726" y="1630476"/>
+            <a:ext cx="1066318" cy="338554"/>
+          </a:xfrm>
+          <a:prstGeom prst="rect">
+            <a:avLst/>
+          </a:prstGeom>
+        </p:spPr>
+        <p:txBody>
+          <a:bodyPr wrap="none">
+            <a:spAutoFit/>
+          </a:bodyPr>
+          <a:lstStyle/>
+          <a:p>
+            <a:r>
+              <a:rPr lang="ja-JP" altLang="en-US" sz="1600" dirty="0">
+                <a:latin typeface="Calibri Light" panose="020F0302020204030204" pitchFamily="34" charset="0"/>
+                <a:ea typeface="BIZ UDゴシック" panose="020B0400000000000000" pitchFamily="49" charset="-128"/>
+                <a:cs typeface="Calibri Light" panose="020F0302020204030204" pitchFamily="34" charset="0"/>
+              </a:rPr>
+              <a:t>dct:</a:t>
+            </a:r>
+            <a:r>
+              <a:rPr lang="en-US" altLang="ja-JP" sz="1600" dirty="0">
+                <a:latin typeface="Calibri Light" panose="020F0302020204030204" pitchFamily="34" charset="0"/>
+                <a:ea typeface="Calibri Light" panose="020F0302020204030204" pitchFamily="34" charset="0"/>
+                <a:cs typeface="Calibri Light" panose="020F0302020204030204" pitchFamily="34" charset="0"/>
+              </a:rPr>
+              <a:t>license</a:t>
+            </a:r>
+            <a:endParaRPr lang="ja-JP" altLang="en-US" sz="1600" dirty="0">
+              <a:latin typeface="Calibri Light" panose="020F0302020204030204" pitchFamily="34" charset="0"/>
+              <a:ea typeface="BIZ UDゴシック" panose="020B0400000000000000" pitchFamily="49" charset="-128"/>
+              <a:cs typeface="Calibri Light" panose="020F0302020204030204" pitchFamily="34" charset="0"/>
+            </a:endParaRPr>
+          </a:p>
+        </p:txBody>
+      </p:sp>
+      <p:cxnSp>
+        <p:nvCxnSpPr>
+          <p:cNvPr id="173" name="直線矢印コネクタ 172">
+            <a:extLst>
+              <a:ext uri="{FF2B5EF4-FFF2-40B4-BE49-F238E27FC236}">
+                <a16:creationId xmlns:a16="http://schemas.microsoft.com/office/drawing/2014/main" id="{EDCAABF4-EFDA-45A9-85AA-5CA97B756F6D}"/>
+              </a:ext>
+            </a:extLst>
+          </p:cNvPr>
+          <p:cNvCxnSpPr>
+            <a:cxnSpLocks/>
+            <a:stCxn id="49" idx="1"/>
+          </p:cNvCxnSpPr>
+          <p:nvPr/>
+        </p:nvCxnSpPr>
+        <p:spPr>
+          <a:xfrm flipH="1" flipV="1">
+            <a:off x="1227962" y="956754"/>
+            <a:ext cx="189590" cy="330500"/>
+          </a:xfrm>
+          <a:prstGeom prst="straightConnector1">
+            <a:avLst/>
+          </a:prstGeom>
+          <a:ln>
+            <a:tailEnd type="triangle"/>
+          </a:ln>
+        </p:spPr>
+        <p:style>
+          <a:lnRef idx="1">
+            <a:schemeClr val="accent1"/>
+          </a:lnRef>
+          <a:fillRef idx="0">
+            <a:schemeClr val="accent1"/>
+          </a:fillRef>
+          <a:effectRef idx="0">
+            <a:schemeClr val="accent1"/>
+          </a:effectRef>
+          <a:fontRef idx="minor">
+            <a:schemeClr val="tx1"/>
+          </a:fontRef>
+        </p:style>
+      </p:cxnSp>
+      <p:sp>
+        <p:nvSpPr>
+          <p:cNvPr id="174" name="テキスト ボックス 173">
+            <a:extLst>
+              <a:ext uri="{FF2B5EF4-FFF2-40B4-BE49-F238E27FC236}">
+                <a16:creationId xmlns:a16="http://schemas.microsoft.com/office/drawing/2014/main" id="{A535244E-C2A9-4DC5-A4CB-204030E50524}"/>
+              </a:ext>
+            </a:extLst>
+          </p:cNvPr>
+          <p:cNvSpPr txBox="1"/>
+          <p:nvPr/>
+        </p:nvSpPr>
+        <p:spPr>
+          <a:xfrm>
+            <a:off x="906472" y="937353"/>
+            <a:ext cx="840486" cy="338554"/>
+          </a:xfrm>
+          <a:prstGeom prst="rect">
+            <a:avLst/>
+          </a:prstGeom>
+          <a:noFill/>
+        </p:spPr>
+        <p:txBody>
+          <a:bodyPr wrap="square" rtlCol="0">
+            <a:spAutoFit/>
+          </a:bodyPr>
+          <a:lstStyle/>
+          <a:p>
+            <a:r>
+              <a:rPr kumimoji="1" lang="en-US" altLang="ja-JP" sz="1600" dirty="0" err="1">
+                <a:latin typeface="Calibri Light" panose="020F0302020204030204" pitchFamily="34" charset="0"/>
+                <a:ea typeface="Calibri Light" panose="020F0302020204030204" pitchFamily="34" charset="0"/>
+                <a:cs typeface="Calibri Light" panose="020F0302020204030204" pitchFamily="34" charset="0"/>
+              </a:rPr>
+              <a:t>rdf:type</a:t>
+            </a:r>
+            <a:endParaRPr kumimoji="1" lang="ja-JP" altLang="en-US" sz="1600" dirty="0">
+              <a:latin typeface="Calibri Light" panose="020F0302020204030204" pitchFamily="34" charset="0"/>
+              <a:ea typeface="BIZ UDゴシック" panose="020B0400000000000000" pitchFamily="49" charset="-128"/>
+              <a:cs typeface="Calibri Light" panose="020F0302020204030204" pitchFamily="34" charset="0"/>
+            </a:endParaRPr>
+          </a:p>
+        </p:txBody>
+      </p:sp>
+      <p:sp>
+        <p:nvSpPr>
+          <p:cNvPr id="177" name="楕円 176">
+            <a:extLst>
+              <a:ext uri="{FF2B5EF4-FFF2-40B4-BE49-F238E27FC236}">
+                <a16:creationId xmlns:a16="http://schemas.microsoft.com/office/drawing/2014/main" id="{2A16773E-E6F2-488F-878B-D83444EF3452}"/>
+              </a:ext>
+            </a:extLst>
+          </p:cNvPr>
+          <p:cNvSpPr/>
+          <p:nvPr/>
+        </p:nvSpPr>
+        <p:spPr>
+          <a:xfrm>
+            <a:off x="47845" y="590056"/>
+            <a:ext cx="1733196" cy="429614"/>
+          </a:xfrm>
+          <a:prstGeom prst="ellipse">
+            <a:avLst/>
+          </a:prstGeom>
+        </p:spPr>
+        <p:style>
+          <a:lnRef idx="2">
+            <a:schemeClr val="accent1">
+              <a:shade val="50000"/>
+            </a:schemeClr>
+          </a:lnRef>
+          <a:fillRef idx="1">
+            <a:schemeClr val="accent1"/>
+          </a:fillRef>
+          <a:effectRef idx="0">
+            <a:schemeClr val="accent1"/>
+          </a:effectRef>
+          <a:fontRef idx="minor">
+            <a:schemeClr val="lt1"/>
+          </a:fontRef>
+        </p:style>
+        <p:txBody>
+          <a:bodyPr rtlCol="0" anchor="ctr"/>
+          <a:lstStyle/>
+          <a:p>
+            <a:pPr algn="ctr"/>
+            <a:r>
+              <a:rPr kumimoji="1" lang="en-US" altLang="ja-JP" sz="1600" dirty="0" err="1">
+                <a:latin typeface="Calibri Light" panose="020F0302020204030204" pitchFamily="34" charset="0"/>
+                <a:ea typeface="Calibri Light" panose="020F0302020204030204" pitchFamily="34" charset="0"/>
+                <a:cs typeface="Calibri Light" panose="020F0302020204030204" pitchFamily="34" charset="0"/>
+              </a:rPr>
+              <a:t>foaf:Project</a:t>
+            </a:r>
+            <a:endParaRPr kumimoji="1" lang="ja-JP" altLang="en-US" sz="1600" dirty="0">
+              <a:latin typeface="Calibri Light" panose="020F0302020204030204" pitchFamily="34" charset="0"/>
+              <a:ea typeface="BIZ UDゴシック" panose="020B0400000000000000" pitchFamily="49" charset="-128"/>
+              <a:cs typeface="Calibri Light" panose="020F0302020204030204" pitchFamily="34" charset="0"/>
+            </a:endParaRPr>
+          </a:p>
+        </p:txBody>
+      </p:sp>
+      <p:sp>
+        <p:nvSpPr>
+          <p:cNvPr id="188" name="テキスト ボックス 187">
+            <a:extLst>
+              <a:ext uri="{FF2B5EF4-FFF2-40B4-BE49-F238E27FC236}">
+                <a16:creationId xmlns:a16="http://schemas.microsoft.com/office/drawing/2014/main" id="{4F62CE52-1BA8-4777-8E39-78E29EDAAF50}"/>
+              </a:ext>
+            </a:extLst>
+          </p:cNvPr>
+          <p:cNvSpPr txBox="1"/>
+          <p:nvPr/>
+        </p:nvSpPr>
+        <p:spPr>
+          <a:xfrm>
+            <a:off x="6128214" y="726607"/>
+            <a:ext cx="840486" cy="338554"/>
+          </a:xfrm>
+          <a:prstGeom prst="rect">
+            <a:avLst/>
+          </a:prstGeom>
+          <a:noFill/>
+        </p:spPr>
+        <p:txBody>
+          <a:bodyPr wrap="square" rtlCol="0">
+            <a:spAutoFit/>
+          </a:bodyPr>
+          <a:lstStyle/>
+          <a:p>
+            <a:r>
+              <a:rPr kumimoji="1" lang="en-US" altLang="ja-JP" sz="1600" dirty="0" err="1">
+                <a:latin typeface="Calibri Light" panose="020F0302020204030204" pitchFamily="34" charset="0"/>
+                <a:ea typeface="Calibri Light" panose="020F0302020204030204" pitchFamily="34" charset="0"/>
+                <a:cs typeface="Calibri Light" panose="020F0302020204030204" pitchFamily="34" charset="0"/>
+              </a:rPr>
+              <a:t>rdf:type</a:t>
+            </a:r>
+            <a:endParaRPr kumimoji="1" lang="ja-JP" altLang="en-US" sz="1600" dirty="0">
+              <a:latin typeface="Calibri Light" panose="020F0302020204030204" pitchFamily="34" charset="0"/>
+              <a:ea typeface="BIZ UDゴシック" panose="020B0400000000000000" pitchFamily="49" charset="-128"/>
+              <a:cs typeface="Calibri Light" panose="020F0302020204030204" pitchFamily="34" charset="0"/>
+            </a:endParaRPr>
+          </a:p>
+        </p:txBody>
+      </p:sp>
+      <p:sp>
+        <p:nvSpPr>
+          <p:cNvPr id="189" name="楕円 188">
+            <a:extLst>
+              <a:ext uri="{FF2B5EF4-FFF2-40B4-BE49-F238E27FC236}">
+                <a16:creationId xmlns:a16="http://schemas.microsoft.com/office/drawing/2014/main" id="{FCB4122B-CCD7-4263-A7AC-7998F231D950}"/>
+              </a:ext>
+            </a:extLst>
+          </p:cNvPr>
+          <p:cNvSpPr/>
+          <p:nvPr/>
+        </p:nvSpPr>
+        <p:spPr>
+          <a:xfrm>
+            <a:off x="6463873" y="57065"/>
+            <a:ext cx="1729503" cy="519928"/>
+          </a:xfrm>
+          <a:prstGeom prst="ellipse">
+            <a:avLst/>
+          </a:prstGeom>
+        </p:spPr>
+        <p:style>
+          <a:lnRef idx="2">
+            <a:schemeClr val="accent1">
+              <a:shade val="50000"/>
+            </a:schemeClr>
+          </a:lnRef>
+          <a:fillRef idx="1">
+            <a:schemeClr val="accent1"/>
+          </a:fillRef>
+          <a:effectRef idx="0">
+            <a:schemeClr val="accent1"/>
+          </a:effectRef>
+          <a:fontRef idx="minor">
+            <a:schemeClr val="lt1"/>
+          </a:fontRef>
+        </p:style>
+        <p:txBody>
+          <a:bodyPr rtlCol="0" anchor="ctr"/>
+          <a:lstStyle/>
+          <a:p>
+            <a:pPr algn="ctr"/>
+            <a:r>
+              <a:rPr kumimoji="1" lang="en-US" altLang="ja-JP" sz="1600" dirty="0" err="1">
+                <a:latin typeface="Calibri Light" panose="020F0302020204030204" pitchFamily="34" charset="0"/>
+                <a:ea typeface="Calibri Light" panose="020F0302020204030204" pitchFamily="34" charset="0"/>
+                <a:cs typeface="Calibri Light" panose="020F0302020204030204" pitchFamily="34" charset="0"/>
+              </a:rPr>
+              <a:t>void:Dataset</a:t>
+            </a:r>
+            <a:endParaRPr kumimoji="1" lang="ja-JP" altLang="en-US" sz="1600" dirty="0">
+              <a:latin typeface="Calibri Light" panose="020F0302020204030204" pitchFamily="34" charset="0"/>
+              <a:ea typeface="BIZ UDゴシック" panose="020B0400000000000000" pitchFamily="49" charset="-128"/>
+              <a:cs typeface="Calibri Light" panose="020F0302020204030204" pitchFamily="34" charset="0"/>
+            </a:endParaRPr>
+          </a:p>
+        </p:txBody>
+      </p:sp>
+      <p:cxnSp>
+        <p:nvCxnSpPr>
+          <p:cNvPr id="190" name="直線矢印コネクタ 189">
+            <a:extLst>
+              <a:ext uri="{FF2B5EF4-FFF2-40B4-BE49-F238E27FC236}">
+                <a16:creationId xmlns:a16="http://schemas.microsoft.com/office/drawing/2014/main" id="{FF73DA21-E372-47D5-B9DA-63AFACE92AD9}"/>
+              </a:ext>
+            </a:extLst>
+          </p:cNvPr>
+          <p:cNvCxnSpPr>
+            <a:cxnSpLocks/>
+            <a:stCxn id="4" idx="0"/>
+            <a:endCxn id="189" idx="4"/>
+          </p:cNvCxnSpPr>
+          <p:nvPr/>
+        </p:nvCxnSpPr>
+        <p:spPr>
+          <a:xfrm flipV="1">
+            <a:off x="5246189" y="576993"/>
+            <a:ext cx="2082436" cy="598073"/>
+          </a:xfrm>
+          <a:prstGeom prst="straightConnector1">
+            <a:avLst/>
+          </a:prstGeom>
+          <a:ln>
+            <a:tailEnd type="triangle"/>
+          </a:ln>
+        </p:spPr>
+        <p:style>
+          <a:lnRef idx="1">
+            <a:schemeClr val="accent1"/>
+          </a:lnRef>
+          <a:fillRef idx="0">
+            <a:schemeClr val="accent1"/>
+          </a:fillRef>
+          <a:effectRef idx="0">
+            <a:schemeClr val="accent1"/>
+          </a:effectRef>
+          <a:fontRef idx="minor">
+            <a:schemeClr val="tx1"/>
+          </a:fontRef>
+        </p:style>
+      </p:cxnSp>
+      <p:sp>
+        <p:nvSpPr>
+          <p:cNvPr id="135" name="楕円 134">
+            <a:extLst>
+              <a:ext uri="{FF2B5EF4-FFF2-40B4-BE49-F238E27FC236}">
+                <a16:creationId xmlns:a16="http://schemas.microsoft.com/office/drawing/2014/main" id="{90E2753E-E967-4D73-AF1F-F9988DFC0CA5}"/>
+              </a:ext>
+            </a:extLst>
+          </p:cNvPr>
+          <p:cNvSpPr/>
+          <p:nvPr/>
+        </p:nvSpPr>
+        <p:spPr>
+          <a:xfrm>
+            <a:off x="1677638" y="3459166"/>
+            <a:ext cx="1681822" cy="401342"/>
+          </a:xfrm>
+          <a:prstGeom prst="ellipse">
+            <a:avLst/>
+          </a:prstGeom>
+        </p:spPr>
+        <p:style>
+          <a:lnRef idx="2">
+            <a:schemeClr val="accent1">
+              <a:shade val="50000"/>
+            </a:schemeClr>
+          </a:lnRef>
+          <a:fillRef idx="1">
+            <a:schemeClr val="accent1"/>
+          </a:fillRef>
+          <a:effectRef idx="0">
+            <a:schemeClr val="accent1"/>
+          </a:effectRef>
+          <a:fontRef idx="minor">
+            <a:schemeClr val="lt1"/>
+          </a:fontRef>
+        </p:style>
+        <p:txBody>
+          <a:bodyPr rtlCol="0" anchor="ctr"/>
+          <a:lstStyle/>
+          <a:p>
+            <a:pPr algn="ctr"/>
+            <a:r>
+              <a:rPr lang="en-US" altLang="ja-JP" sz="1400" dirty="0" err="1">
+                <a:latin typeface="Calibri Light" panose="020F0302020204030204" pitchFamily="34" charset="0"/>
+                <a:ea typeface="Calibri Light" panose="020F0302020204030204" pitchFamily="34" charset="0"/>
+                <a:cs typeface="Calibri Light" panose="020F0302020204030204" pitchFamily="34" charset="0"/>
+              </a:rPr>
+              <a:t>prov</a:t>
+            </a:r>
+            <a:r>
+              <a:rPr kumimoji="1" lang="en-US" altLang="ja-JP" sz="1400" dirty="0" err="1">
+                <a:latin typeface="Calibri Light" panose="020F0302020204030204" pitchFamily="34" charset="0"/>
+                <a:ea typeface="Calibri Light" panose="020F0302020204030204" pitchFamily="34" charset="0"/>
+                <a:cs typeface="Calibri Light" panose="020F0302020204030204" pitchFamily="34" charset="0"/>
+              </a:rPr>
+              <a:t>:Revision</a:t>
+            </a:r>
+            <a:endParaRPr kumimoji="1" lang="ja-JP" altLang="en-US" sz="1400" dirty="0">
+              <a:latin typeface="Calibri Light" panose="020F0302020204030204" pitchFamily="34" charset="0"/>
+              <a:ea typeface="BIZ UDゴシック" panose="020B0400000000000000" pitchFamily="49" charset="-128"/>
+              <a:cs typeface="Calibri Light" panose="020F0302020204030204" pitchFamily="34" charset="0"/>
+            </a:endParaRPr>
+          </a:p>
+        </p:txBody>
+      </p:sp>
+      <p:sp>
+        <p:nvSpPr>
+          <p:cNvPr id="136" name="テキスト ボックス 135">
+            <a:extLst>
+              <a:ext uri="{FF2B5EF4-FFF2-40B4-BE49-F238E27FC236}">
+                <a16:creationId xmlns:a16="http://schemas.microsoft.com/office/drawing/2014/main" id="{65B9E47C-F058-4DDC-8DE7-5E3643EAD2DF}"/>
+              </a:ext>
+            </a:extLst>
+          </p:cNvPr>
+          <p:cNvSpPr txBox="1"/>
+          <p:nvPr/>
+        </p:nvSpPr>
+        <p:spPr>
+          <a:xfrm>
+            <a:off x="3368435" y="3324855"/>
+            <a:ext cx="840486" cy="338554"/>
+          </a:xfrm>
+          <a:prstGeom prst="rect">
+            <a:avLst/>
+          </a:prstGeom>
+          <a:noFill/>
+        </p:spPr>
+        <p:txBody>
+          <a:bodyPr wrap="square" rtlCol="0">
+            <a:spAutoFit/>
+          </a:bodyPr>
+          <a:lstStyle/>
+          <a:p>
+            <a:r>
+              <a:rPr kumimoji="1" lang="en-US" altLang="ja-JP" sz="1600" dirty="0" err="1">
+                <a:latin typeface="Calibri Light" panose="020F0302020204030204" pitchFamily="34" charset="0"/>
+                <a:ea typeface="Calibri Light" panose="020F0302020204030204" pitchFamily="34" charset="0"/>
+                <a:cs typeface="Calibri Light" panose="020F0302020204030204" pitchFamily="34" charset="0"/>
+              </a:rPr>
+              <a:t>rdf:type</a:t>
+            </a:r>
+            <a:endParaRPr kumimoji="1" lang="ja-JP" altLang="en-US" sz="1600" dirty="0">
+              <a:latin typeface="Calibri Light" panose="020F0302020204030204" pitchFamily="34" charset="0"/>
+              <a:ea typeface="BIZ UDゴシック" panose="020B0400000000000000" pitchFamily="49" charset="-128"/>
+              <a:cs typeface="Calibri Light" panose="020F0302020204030204" pitchFamily="34" charset="0"/>
+            </a:endParaRPr>
+          </a:p>
+        </p:txBody>
+      </p:sp>
+      <p:cxnSp>
+        <p:nvCxnSpPr>
+          <p:cNvPr id="137" name="直線矢印コネクタ 136">
+            <a:extLst>
+              <a:ext uri="{FF2B5EF4-FFF2-40B4-BE49-F238E27FC236}">
+                <a16:creationId xmlns:a16="http://schemas.microsoft.com/office/drawing/2014/main" id="{ACDC8C70-2419-4E4A-A69B-247F74FDEEE2}"/>
+              </a:ext>
+            </a:extLst>
+          </p:cNvPr>
+          <p:cNvCxnSpPr>
+            <a:cxnSpLocks/>
+            <a:stCxn id="171" idx="2"/>
+            <a:endCxn id="135" idx="6"/>
+          </p:cNvCxnSpPr>
+          <p:nvPr/>
+        </p:nvCxnSpPr>
+        <p:spPr>
+          <a:xfrm flipH="1">
+            <a:off x="3359460" y="3541847"/>
+            <a:ext cx="947252" cy="117990"/>
+          </a:xfrm>
+          <a:prstGeom prst="straightConnector1">
+            <a:avLst/>
+          </a:prstGeom>
+          <a:ln>
+            <a:tailEnd type="triangle"/>
+          </a:ln>
+        </p:spPr>
+        <p:style>
+          <a:lnRef idx="1">
+            <a:schemeClr val="accent1"/>
+          </a:lnRef>
+          <a:fillRef idx="0">
+            <a:schemeClr val="accent1"/>
+          </a:fillRef>
+          <a:effectRef idx="0">
+            <a:schemeClr val="accent1"/>
+          </a:effectRef>
+          <a:fontRef idx="minor">
+            <a:schemeClr val="tx1"/>
+          </a:fontRef>
+        </p:style>
+      </p:cxnSp>
+      <p:sp>
+        <p:nvSpPr>
+          <p:cNvPr id="192" name="楕円 191">
+            <a:extLst>
+              <a:ext uri="{FF2B5EF4-FFF2-40B4-BE49-F238E27FC236}">
+                <a16:creationId xmlns:a16="http://schemas.microsoft.com/office/drawing/2014/main" id="{D4BB5086-B49F-463A-AEA6-13577633D99D}"/>
+              </a:ext>
+            </a:extLst>
+          </p:cNvPr>
+          <p:cNvSpPr/>
+          <p:nvPr/>
+        </p:nvSpPr>
+        <p:spPr>
+          <a:xfrm>
+            <a:off x="6868494" y="4876678"/>
+            <a:ext cx="1624892" cy="401011"/>
+          </a:xfrm>
+          <a:prstGeom prst="ellipse">
+            <a:avLst/>
+          </a:prstGeom>
+        </p:spPr>
+        <p:style>
+          <a:lnRef idx="2">
+            <a:schemeClr val="accent1">
+              <a:shade val="50000"/>
+            </a:schemeClr>
+          </a:lnRef>
+          <a:fillRef idx="1">
+            <a:schemeClr val="accent1"/>
+          </a:fillRef>
+          <a:effectRef idx="0">
+            <a:schemeClr val="accent1"/>
+          </a:effectRef>
+          <a:fontRef idx="minor">
+            <a:schemeClr val="lt1"/>
+          </a:fontRef>
+        </p:style>
+        <p:txBody>
+          <a:bodyPr rtlCol="0" anchor="ctr"/>
+          <a:lstStyle/>
+          <a:p>
+            <a:pPr algn="ctr"/>
+            <a:r>
+              <a:rPr lang="en-US" altLang="ja-JP" sz="1400" dirty="0" err="1">
+                <a:latin typeface="Calibri Light" panose="020F0302020204030204" pitchFamily="34" charset="0"/>
+                <a:ea typeface="Calibri Light" panose="020F0302020204030204" pitchFamily="34" charset="0"/>
+                <a:cs typeface="Calibri Light" panose="020F0302020204030204" pitchFamily="34" charset="0"/>
+              </a:rPr>
+              <a:t>prov</a:t>
+            </a:r>
+            <a:r>
+              <a:rPr kumimoji="1" lang="en-US" altLang="ja-JP" sz="1400" dirty="0" err="1">
+                <a:latin typeface="Calibri Light" panose="020F0302020204030204" pitchFamily="34" charset="0"/>
+                <a:ea typeface="Calibri Light" panose="020F0302020204030204" pitchFamily="34" charset="0"/>
+                <a:cs typeface="Calibri Light" panose="020F0302020204030204" pitchFamily="34" charset="0"/>
+              </a:rPr>
+              <a:t>:Revision</a:t>
+            </a:r>
+            <a:endParaRPr kumimoji="1" lang="ja-JP" altLang="en-US" sz="1400" dirty="0">
+              <a:latin typeface="Calibri Light" panose="020F0302020204030204" pitchFamily="34" charset="0"/>
+              <a:ea typeface="BIZ UDゴシック" panose="020B0400000000000000" pitchFamily="49" charset="-128"/>
+              <a:cs typeface="Calibri Light" panose="020F0302020204030204" pitchFamily="34" charset="0"/>
+            </a:endParaRPr>
+          </a:p>
+        </p:txBody>
+      </p:sp>
+      <p:sp>
+        <p:nvSpPr>
+          <p:cNvPr id="199" name="テキスト ボックス 198">
+            <a:extLst>
+              <a:ext uri="{FF2B5EF4-FFF2-40B4-BE49-F238E27FC236}">
+                <a16:creationId xmlns:a16="http://schemas.microsoft.com/office/drawing/2014/main" id="{BF186203-204E-40F4-8222-6FCAD38D63F7}"/>
+              </a:ext>
+            </a:extLst>
+          </p:cNvPr>
+          <p:cNvSpPr txBox="1"/>
+          <p:nvPr/>
+        </p:nvSpPr>
+        <p:spPr>
+          <a:xfrm>
+            <a:off x="6214609" y="4719898"/>
+            <a:ext cx="840486" cy="338554"/>
+          </a:xfrm>
+          <a:prstGeom prst="rect">
+            <a:avLst/>
+          </a:prstGeom>
+          <a:noFill/>
+        </p:spPr>
+        <p:txBody>
+          <a:bodyPr wrap="square" rtlCol="0">
+            <a:spAutoFit/>
+          </a:bodyPr>
+          <a:lstStyle/>
+          <a:p>
+            <a:r>
+              <a:rPr kumimoji="1" lang="en-US" altLang="ja-JP" sz="1600" dirty="0" err="1">
+                <a:latin typeface="Calibri Light" panose="020F0302020204030204" pitchFamily="34" charset="0"/>
+                <a:ea typeface="Calibri Light" panose="020F0302020204030204" pitchFamily="34" charset="0"/>
+                <a:cs typeface="Calibri Light" panose="020F0302020204030204" pitchFamily="34" charset="0"/>
+              </a:rPr>
+              <a:t>rdf:type</a:t>
+            </a:r>
+            <a:endParaRPr kumimoji="1" lang="ja-JP" altLang="en-US" sz="1600" dirty="0">
+              <a:latin typeface="Calibri Light" panose="020F0302020204030204" pitchFamily="34" charset="0"/>
+              <a:ea typeface="BIZ UDゴシック" panose="020B0400000000000000" pitchFamily="49" charset="-128"/>
+              <a:cs typeface="Calibri Light" panose="020F0302020204030204" pitchFamily="34" charset="0"/>
+            </a:endParaRPr>
+          </a:p>
+        </p:txBody>
+      </p:sp>
+      <p:cxnSp>
+        <p:nvCxnSpPr>
+          <p:cNvPr id="201" name="直線矢印コネクタ 200">
+            <a:extLst>
+              <a:ext uri="{FF2B5EF4-FFF2-40B4-BE49-F238E27FC236}">
+                <a16:creationId xmlns:a16="http://schemas.microsoft.com/office/drawing/2014/main" id="{0878B575-E85A-4F5E-9BB2-34484FBCDF83}"/>
+              </a:ext>
+            </a:extLst>
+          </p:cNvPr>
+          <p:cNvCxnSpPr>
+            <a:cxnSpLocks/>
+            <a:stCxn id="57" idx="6"/>
+            <a:endCxn id="192" idx="2"/>
+          </p:cNvCxnSpPr>
+          <p:nvPr/>
+        </p:nvCxnSpPr>
+        <p:spPr>
+          <a:xfrm>
+            <a:off x="6270369" y="4908736"/>
+            <a:ext cx="598125" cy="168448"/>
+          </a:xfrm>
+          <a:prstGeom prst="straightConnector1">
+            <a:avLst/>
+          </a:prstGeom>
+          <a:ln>
+            <a:tailEnd type="triangle"/>
+          </a:ln>
+        </p:spPr>
+        <p:style>
+          <a:lnRef idx="1">
+            <a:schemeClr val="accent1"/>
+          </a:lnRef>
+          <a:fillRef idx="0">
+            <a:schemeClr val="accent1"/>
+          </a:fillRef>
+          <a:effectRef idx="0">
+            <a:schemeClr val="accent1"/>
+          </a:effectRef>
+          <a:fontRef idx="minor">
+            <a:schemeClr val="tx1"/>
+          </a:fontRef>
+        </p:style>
+      </p:cxnSp>
+      <p:sp>
+        <p:nvSpPr>
+          <p:cNvPr id="217" name="テキスト ボックス 216">
+            <a:extLst>
+              <a:ext uri="{FF2B5EF4-FFF2-40B4-BE49-F238E27FC236}">
+                <a16:creationId xmlns:a16="http://schemas.microsoft.com/office/drawing/2014/main" id="{0DA189F9-F058-458B-B0E0-D8014D6751AE}"/>
+              </a:ext>
+            </a:extLst>
+          </p:cNvPr>
+          <p:cNvSpPr txBox="1"/>
+          <p:nvPr/>
+        </p:nvSpPr>
+        <p:spPr>
+          <a:xfrm>
+            <a:off x="8791416" y="2786736"/>
+            <a:ext cx="1264129" cy="307777"/>
+          </a:xfrm>
+          <a:prstGeom prst="rect">
+            <a:avLst/>
+          </a:prstGeom>
+          <a:noFill/>
+        </p:spPr>
+        <p:txBody>
+          <a:bodyPr wrap="none" rtlCol="0">
+            <a:spAutoFit/>
+          </a:bodyPr>
+          <a:lstStyle/>
+          <a:p>
+            <a:r>
+              <a:rPr lang="en-US" altLang="ja-JP" sz="1400" dirty="0" err="1">
+                <a:latin typeface="Calibri Light" panose="020F0302020204030204" pitchFamily="34" charset="0"/>
+                <a:ea typeface="Calibri Light" panose="020F0302020204030204" pitchFamily="34" charset="0"/>
+                <a:cs typeface="Calibri Light" panose="020F0302020204030204" pitchFamily="34" charset="0"/>
+              </a:rPr>
+              <a:t>pav</a:t>
+            </a:r>
+            <a:r>
+              <a:rPr kumimoji="1" lang="en-US" altLang="ja-JP" sz="1400" dirty="0" err="1">
+                <a:latin typeface="Calibri Light" panose="020F0302020204030204" pitchFamily="34" charset="0"/>
+                <a:ea typeface="Calibri Light" panose="020F0302020204030204" pitchFamily="34" charset="0"/>
+                <a:cs typeface="Calibri Light" panose="020F0302020204030204" pitchFamily="34" charset="0"/>
+              </a:rPr>
+              <a:t>:hasVersion</a:t>
+            </a:r>
+            <a:endParaRPr kumimoji="1" lang="ja-JP" altLang="en-US" sz="1400" dirty="0">
+              <a:latin typeface="Calibri Light" panose="020F0302020204030204" pitchFamily="34" charset="0"/>
+              <a:ea typeface="BIZ UDゴシック" panose="020B0400000000000000" pitchFamily="49" charset="-128"/>
+              <a:cs typeface="Calibri Light" panose="020F0302020204030204" pitchFamily="34" charset="0"/>
+            </a:endParaRPr>
+          </a:p>
+        </p:txBody>
+      </p:sp>
+      <p:cxnSp>
+        <p:nvCxnSpPr>
+          <p:cNvPr id="228" name="直線矢印コネクタ 227">
+            <a:extLst>
+              <a:ext uri="{FF2B5EF4-FFF2-40B4-BE49-F238E27FC236}">
+                <a16:creationId xmlns:a16="http://schemas.microsoft.com/office/drawing/2014/main" id="{FF58521A-AACB-4CDE-8730-6259633DA58E}"/>
+              </a:ext>
+            </a:extLst>
+          </p:cNvPr>
+          <p:cNvCxnSpPr>
+            <a:cxnSpLocks/>
+            <a:stCxn id="181" idx="4"/>
+          </p:cNvCxnSpPr>
+          <p:nvPr/>
+        </p:nvCxnSpPr>
+        <p:spPr>
+          <a:xfrm flipH="1">
+            <a:off x="8185455" y="3936713"/>
+            <a:ext cx="18392" cy="467402"/>
+          </a:xfrm>
+          <a:prstGeom prst="straightConnector1">
+            <a:avLst/>
+          </a:prstGeom>
+          <a:ln>
+            <a:tailEnd type="triangle"/>
+          </a:ln>
+        </p:spPr>
+        <p:style>
+          <a:lnRef idx="1">
+            <a:schemeClr val="accent1"/>
+          </a:lnRef>
+          <a:fillRef idx="0">
+            <a:schemeClr val="accent1"/>
+          </a:fillRef>
+          <a:effectRef idx="0">
+            <a:schemeClr val="accent1"/>
+          </a:effectRef>
+          <a:fontRef idx="minor">
+            <a:schemeClr val="tx1"/>
+          </a:fontRef>
+        </p:style>
+      </p:cxnSp>
+      <p:cxnSp>
+        <p:nvCxnSpPr>
+          <p:cNvPr id="232" name="直線矢印コネクタ 231">
+            <a:extLst>
+              <a:ext uri="{FF2B5EF4-FFF2-40B4-BE49-F238E27FC236}">
+                <a16:creationId xmlns:a16="http://schemas.microsoft.com/office/drawing/2014/main" id="{0F66B508-CF5B-4364-A0DE-694693022643}"/>
+              </a:ext>
+            </a:extLst>
+          </p:cNvPr>
+          <p:cNvCxnSpPr>
+            <a:cxnSpLocks/>
+            <a:stCxn id="181" idx="4"/>
+          </p:cNvCxnSpPr>
+          <p:nvPr/>
+        </p:nvCxnSpPr>
+        <p:spPr>
+          <a:xfrm flipH="1">
+            <a:off x="7915368" y="3936713"/>
+            <a:ext cx="288479" cy="421209"/>
+          </a:xfrm>
+          <a:prstGeom prst="straightConnector1">
+            <a:avLst/>
+          </a:prstGeom>
+          <a:ln>
+            <a:tailEnd type="triangle"/>
+          </a:ln>
+        </p:spPr>
+        <p:style>
+          <a:lnRef idx="1">
+            <a:schemeClr val="accent1"/>
+          </a:lnRef>
+          <a:fillRef idx="0">
+            <a:schemeClr val="accent1"/>
+          </a:fillRef>
+          <a:effectRef idx="0">
+            <a:schemeClr val="accent1"/>
+          </a:effectRef>
+          <a:fontRef idx="minor">
+            <a:schemeClr val="tx1"/>
+          </a:fontRef>
+        </p:style>
+      </p:cxnSp>
+      <p:cxnSp>
+        <p:nvCxnSpPr>
+          <p:cNvPr id="234" name="直線矢印コネクタ 233">
+            <a:extLst>
+              <a:ext uri="{FF2B5EF4-FFF2-40B4-BE49-F238E27FC236}">
+                <a16:creationId xmlns:a16="http://schemas.microsoft.com/office/drawing/2014/main" id="{E7F6C6CD-0049-4ADF-8519-746C1FEB44DA}"/>
+              </a:ext>
+            </a:extLst>
+          </p:cNvPr>
+          <p:cNvCxnSpPr>
+            <a:cxnSpLocks/>
+            <a:stCxn id="185" idx="4"/>
+          </p:cNvCxnSpPr>
+          <p:nvPr/>
+        </p:nvCxnSpPr>
+        <p:spPr>
+          <a:xfrm>
+            <a:off x="10573798" y="3900842"/>
+            <a:ext cx="284184" cy="370852"/>
+          </a:xfrm>
+          <a:prstGeom prst="straightConnector1">
+            <a:avLst/>
+          </a:prstGeom>
+          <a:ln>
+            <a:tailEnd type="triangle"/>
+          </a:ln>
+        </p:spPr>
+        <p:style>
+          <a:lnRef idx="1">
+            <a:schemeClr val="accent1"/>
+          </a:lnRef>
+          <a:fillRef idx="0">
+            <a:schemeClr val="accent1"/>
+          </a:fillRef>
+          <a:effectRef idx="0">
+            <a:schemeClr val="accent1"/>
+          </a:effectRef>
+          <a:fontRef idx="minor">
+            <a:schemeClr val="tx1"/>
+          </a:fontRef>
+        </p:style>
+      </p:cxnSp>
+      <p:cxnSp>
+        <p:nvCxnSpPr>
+          <p:cNvPr id="236" name="直線矢印コネクタ 235">
+            <a:extLst>
+              <a:ext uri="{FF2B5EF4-FFF2-40B4-BE49-F238E27FC236}">
+                <a16:creationId xmlns:a16="http://schemas.microsoft.com/office/drawing/2014/main" id="{C0137BB3-0953-4C8E-8988-94CD1A59F551}"/>
+              </a:ext>
+            </a:extLst>
+          </p:cNvPr>
+          <p:cNvCxnSpPr>
+            <a:cxnSpLocks/>
+            <a:stCxn id="185" idx="4"/>
+          </p:cNvCxnSpPr>
+          <p:nvPr/>
+        </p:nvCxnSpPr>
+        <p:spPr>
+          <a:xfrm>
+            <a:off x="10573798" y="3900842"/>
+            <a:ext cx="1894" cy="461674"/>
+          </a:xfrm>
+          <a:prstGeom prst="straightConnector1">
+            <a:avLst/>
+          </a:prstGeom>
+          <a:ln>
+            <a:tailEnd type="triangle"/>
+          </a:ln>
+        </p:spPr>
+        <p:style>
+          <a:lnRef idx="1">
+            <a:schemeClr val="accent1"/>
+          </a:lnRef>
+          <a:fillRef idx="0">
+            <a:schemeClr val="accent1"/>
+          </a:fillRef>
+          <a:effectRef idx="0">
+            <a:schemeClr val="accent1"/>
+          </a:effectRef>
+          <a:fontRef idx="minor">
+            <a:schemeClr val="tx1"/>
+          </a:fontRef>
+        </p:style>
+      </p:cxnSp>
+      <p:cxnSp>
+        <p:nvCxnSpPr>
+          <p:cNvPr id="237" name="直線矢印コネクタ 236">
+            <a:extLst>
+              <a:ext uri="{FF2B5EF4-FFF2-40B4-BE49-F238E27FC236}">
+                <a16:creationId xmlns:a16="http://schemas.microsoft.com/office/drawing/2014/main" id="{F283566E-FAB1-4D76-BA10-1ADAE6ECA3AF}"/>
+              </a:ext>
+            </a:extLst>
+          </p:cNvPr>
+          <p:cNvCxnSpPr>
+            <a:cxnSpLocks/>
+            <a:stCxn id="185" idx="4"/>
+          </p:cNvCxnSpPr>
+          <p:nvPr/>
+        </p:nvCxnSpPr>
+        <p:spPr>
+          <a:xfrm flipH="1">
+            <a:off x="10305606" y="3900842"/>
+            <a:ext cx="268192" cy="415481"/>
+          </a:xfrm>
+          <a:prstGeom prst="straightConnector1">
+            <a:avLst/>
+          </a:prstGeom>
+          <a:ln>
+            <a:tailEnd type="triangle"/>
+          </a:ln>
+        </p:spPr>
+        <p:style>
+          <a:lnRef idx="1">
+            <a:schemeClr val="accent1"/>
+          </a:lnRef>
+          <a:fillRef idx="0">
+            <a:schemeClr val="accent1"/>
+          </a:fillRef>
+          <a:effectRef idx="0">
+            <a:schemeClr val="accent1"/>
+          </a:effectRef>
+          <a:fontRef idx="minor">
+            <a:schemeClr val="tx1"/>
+          </a:fontRef>
+        </p:style>
+      </p:cxnSp>
+      <p:sp>
+        <p:nvSpPr>
+          <p:cNvPr id="84" name="正方形/長方形 83">
+            <a:extLst>
+              <a:ext uri="{FF2B5EF4-FFF2-40B4-BE49-F238E27FC236}">
+                <a16:creationId xmlns:a16="http://schemas.microsoft.com/office/drawing/2014/main" id="{BCF7BAC9-532A-4AC9-BCFD-EA980E2F52EB}"/>
+              </a:ext>
+            </a:extLst>
+          </p:cNvPr>
+          <p:cNvSpPr/>
+          <p:nvPr/>
+        </p:nvSpPr>
+        <p:spPr>
+          <a:xfrm>
+            <a:off x="-1181817" y="1861668"/>
+            <a:ext cx="936000" cy="271416"/>
+          </a:xfrm>
+          <a:prstGeom prst="rect">
+            <a:avLst/>
+          </a:prstGeom>
+          <a:ln w="6350"/>
+        </p:spPr>
+        <p:style>
+          <a:lnRef idx="2">
+            <a:schemeClr val="dk1"/>
+          </a:lnRef>
+          <a:fillRef idx="1">
+            <a:schemeClr val="lt1"/>
+          </a:fillRef>
+          <a:effectRef idx="0">
+            <a:schemeClr val="dk1"/>
+          </a:effectRef>
+          <a:fontRef idx="minor">
+            <a:schemeClr val="dk1"/>
+          </a:fontRef>
+        </p:style>
+        <p:txBody>
+          <a:bodyPr rtlCol="0" anchor="ctr"/>
+          <a:lstStyle/>
+          <a:p>
+            <a:pPr algn="ctr"/>
+            <a:r>
+              <a:rPr kumimoji="1" lang="ja-JP" altLang="en-US" sz="1400" dirty="0">
+                <a:latin typeface="+mj-lt"/>
+                <a:ea typeface="BIZ UDゴシック" panose="020B0400000000000000" pitchFamily="49" charset="-128"/>
+                <a:cs typeface="Calibri Light" panose="020F0302020204030204" pitchFamily="34" charset="0"/>
+              </a:rPr>
+              <a:t>佐藤花子</a:t>
+            </a:r>
+          </a:p>
+        </p:txBody>
+      </p:sp>
+      <p:cxnSp>
+        <p:nvCxnSpPr>
+          <p:cNvPr id="85" name="直線矢印コネクタ 84">
+            <a:extLst>
+              <a:ext uri="{FF2B5EF4-FFF2-40B4-BE49-F238E27FC236}">
+                <a16:creationId xmlns:a16="http://schemas.microsoft.com/office/drawing/2014/main" id="{FBF8E2E0-9876-480E-B45B-E9A148999661}"/>
+              </a:ext>
+            </a:extLst>
+          </p:cNvPr>
+          <p:cNvCxnSpPr>
+            <a:cxnSpLocks/>
+            <a:stCxn id="47" idx="3"/>
+            <a:endCxn id="84" idx="3"/>
+          </p:cNvCxnSpPr>
+          <p:nvPr/>
+        </p:nvCxnSpPr>
+        <p:spPr>
+          <a:xfrm flipH="1">
+            <a:off x="-245817" y="1856125"/>
+            <a:ext cx="803180" cy="141251"/>
+          </a:xfrm>
+          <a:prstGeom prst="straightConnector1">
+            <a:avLst/>
+          </a:prstGeom>
+          <a:ln>
+            <a:tailEnd type="triangle"/>
+          </a:ln>
+        </p:spPr>
+        <p:style>
+          <a:lnRef idx="1">
+            <a:schemeClr val="accent1"/>
+          </a:lnRef>
+          <a:fillRef idx="0">
+            <a:schemeClr val="accent1"/>
+          </a:fillRef>
+          <a:effectRef idx="0">
+            <a:schemeClr val="accent1"/>
+          </a:effectRef>
+          <a:fontRef idx="minor">
+            <a:schemeClr val="tx1"/>
+          </a:fontRef>
+        </p:style>
+      </p:cxnSp>
+      <p:cxnSp>
+        <p:nvCxnSpPr>
+          <p:cNvPr id="93" name="直線矢印コネクタ 92">
+            <a:extLst>
+              <a:ext uri="{FF2B5EF4-FFF2-40B4-BE49-F238E27FC236}">
+                <a16:creationId xmlns:a16="http://schemas.microsoft.com/office/drawing/2014/main" id="{D28DF319-9599-4066-A65F-1A06A72687E7}"/>
+              </a:ext>
+            </a:extLst>
+          </p:cNvPr>
+          <p:cNvCxnSpPr>
+            <a:cxnSpLocks/>
+            <a:stCxn id="47" idx="1"/>
+            <a:endCxn id="95" idx="5"/>
+          </p:cNvCxnSpPr>
+          <p:nvPr/>
+        </p:nvCxnSpPr>
+        <p:spPr>
+          <a:xfrm flipH="1" flipV="1">
+            <a:off x="16414" y="1474996"/>
+            <a:ext cx="540949" cy="228393"/>
+          </a:xfrm>
+          <a:prstGeom prst="straightConnector1">
+            <a:avLst/>
+          </a:prstGeom>
+          <a:ln>
+            <a:tailEnd type="triangle"/>
+          </a:ln>
+        </p:spPr>
+        <p:style>
+          <a:lnRef idx="1">
+            <a:schemeClr val="accent1"/>
+          </a:lnRef>
+          <a:fillRef idx="0">
+            <a:schemeClr val="accent1"/>
+          </a:fillRef>
+          <a:effectRef idx="0">
+            <a:schemeClr val="accent1"/>
+          </a:effectRef>
+          <a:fontRef idx="minor">
+            <a:schemeClr val="tx1"/>
+          </a:fontRef>
+        </p:style>
+      </p:cxnSp>
+      <p:sp>
+        <p:nvSpPr>
+          <p:cNvPr id="94" name="テキスト ボックス 93">
+            <a:extLst>
+              <a:ext uri="{FF2B5EF4-FFF2-40B4-BE49-F238E27FC236}">
+                <a16:creationId xmlns:a16="http://schemas.microsoft.com/office/drawing/2014/main" id="{6F04100F-9E2B-4801-BDCE-6731F0A2F186}"/>
+              </a:ext>
+            </a:extLst>
+          </p:cNvPr>
+          <p:cNvSpPr txBox="1"/>
+          <p:nvPr/>
+        </p:nvSpPr>
+        <p:spPr>
+          <a:xfrm>
+            <a:off x="170763" y="1350023"/>
+            <a:ext cx="840486" cy="307777"/>
+          </a:xfrm>
+          <a:prstGeom prst="rect">
+            <a:avLst/>
+          </a:prstGeom>
+          <a:noFill/>
+        </p:spPr>
+        <p:txBody>
+          <a:bodyPr wrap="square" rtlCol="0">
+            <a:spAutoFit/>
+          </a:bodyPr>
+          <a:lstStyle/>
+          <a:p>
+            <a:r>
+              <a:rPr kumimoji="1" lang="en-US" altLang="ja-JP" sz="1400" dirty="0" err="1">
+                <a:latin typeface="Calibri Light" panose="020F0302020204030204" pitchFamily="34" charset="0"/>
+                <a:ea typeface="Calibri Light" panose="020F0302020204030204" pitchFamily="34" charset="0"/>
+                <a:cs typeface="Calibri Light" panose="020F0302020204030204" pitchFamily="34" charset="0"/>
+              </a:rPr>
+              <a:t>rdf:type</a:t>
+            </a:r>
+            <a:endParaRPr kumimoji="1" lang="ja-JP" altLang="en-US" sz="1400" dirty="0">
+              <a:latin typeface="Calibri Light" panose="020F0302020204030204" pitchFamily="34" charset="0"/>
+              <a:ea typeface="BIZ UDゴシック" panose="020B0400000000000000" pitchFamily="49" charset="-128"/>
+              <a:cs typeface="Calibri Light" panose="020F0302020204030204" pitchFamily="34" charset="0"/>
+            </a:endParaRPr>
+          </a:p>
+        </p:txBody>
+      </p:sp>
+      <p:sp>
+        <p:nvSpPr>
+          <p:cNvPr id="95" name="楕円 94">
+            <a:extLst>
+              <a:ext uri="{FF2B5EF4-FFF2-40B4-BE49-F238E27FC236}">
+                <a16:creationId xmlns:a16="http://schemas.microsoft.com/office/drawing/2014/main" id="{B7BBA565-5BE3-49A4-8CD7-79798C9AA0BB}"/>
+              </a:ext>
+            </a:extLst>
+          </p:cNvPr>
+          <p:cNvSpPr/>
+          <p:nvPr/>
+        </p:nvSpPr>
+        <p:spPr>
+          <a:xfrm>
+            <a:off x="-1196502" y="1149616"/>
+            <a:ext cx="1421020" cy="381206"/>
+          </a:xfrm>
+          <a:prstGeom prst="ellipse">
+            <a:avLst/>
+          </a:prstGeom>
+        </p:spPr>
+        <p:style>
+          <a:lnRef idx="2">
+            <a:schemeClr val="accent1">
+              <a:shade val="50000"/>
+            </a:schemeClr>
+          </a:lnRef>
+          <a:fillRef idx="1">
+            <a:schemeClr val="accent1"/>
+          </a:fillRef>
+          <a:effectRef idx="0">
+            <a:schemeClr val="accent1"/>
+          </a:effectRef>
+          <a:fontRef idx="minor">
+            <a:schemeClr val="lt1"/>
+          </a:fontRef>
+        </p:style>
+        <p:txBody>
+          <a:bodyPr rtlCol="0" anchor="ctr"/>
+          <a:lstStyle/>
+          <a:p>
+            <a:pPr algn="ctr"/>
+            <a:r>
+              <a:rPr kumimoji="1" lang="en-US" altLang="ja-JP" sz="1400" dirty="0" err="1">
+                <a:latin typeface="Calibri Light" panose="020F0302020204030204" pitchFamily="34" charset="0"/>
+                <a:ea typeface="Calibri Light" panose="020F0302020204030204" pitchFamily="34" charset="0"/>
+                <a:cs typeface="Calibri Light" panose="020F0302020204030204" pitchFamily="34" charset="0"/>
+              </a:rPr>
+              <a:t>foaf:Person</a:t>
+            </a:r>
+            <a:endParaRPr kumimoji="1" lang="ja-JP" altLang="en-US" sz="1400" dirty="0">
+              <a:latin typeface="Calibri Light" panose="020F0302020204030204" pitchFamily="34" charset="0"/>
+              <a:ea typeface="BIZ UDゴシック" panose="020B0400000000000000" pitchFamily="49" charset="-128"/>
+              <a:cs typeface="Calibri Light" panose="020F0302020204030204" pitchFamily="34" charset="0"/>
+            </a:endParaRPr>
+          </a:p>
+        </p:txBody>
+      </p:sp>
+      <p:sp>
+        <p:nvSpPr>
+          <p:cNvPr id="115" name="テキスト ボックス 114">
+            <a:extLst>
+              <a:ext uri="{FF2B5EF4-FFF2-40B4-BE49-F238E27FC236}">
+                <a16:creationId xmlns:a16="http://schemas.microsoft.com/office/drawing/2014/main" id="{E1EF9301-08D7-47E6-B452-BC6E55326378}"/>
+              </a:ext>
+            </a:extLst>
+          </p:cNvPr>
+          <p:cNvSpPr txBox="1"/>
+          <p:nvPr/>
+        </p:nvSpPr>
+        <p:spPr>
+          <a:xfrm>
+            <a:off x="-358375" y="1640686"/>
+            <a:ext cx="925272" cy="307777"/>
+          </a:xfrm>
+          <a:prstGeom prst="rect">
+            <a:avLst/>
+          </a:prstGeom>
+          <a:noFill/>
+        </p:spPr>
+        <p:txBody>
+          <a:bodyPr wrap="square" rtlCol="0">
+            <a:spAutoFit/>
+          </a:bodyPr>
+          <a:lstStyle/>
+          <a:p>
+            <a:r>
+              <a:rPr kumimoji="1" lang="en-US" altLang="ja-JP" sz="1400" dirty="0" err="1">
+                <a:latin typeface="Calibri Light" panose="020F0302020204030204" pitchFamily="34" charset="0"/>
+                <a:ea typeface="Calibri Light" panose="020F0302020204030204" pitchFamily="34" charset="0"/>
+                <a:cs typeface="Calibri Light" panose="020F0302020204030204" pitchFamily="34" charset="0"/>
+              </a:rPr>
+              <a:t>foaf:name</a:t>
+            </a:r>
+            <a:endParaRPr kumimoji="1" lang="ja-JP" altLang="en-US" sz="1400" dirty="0">
+              <a:latin typeface="Calibri Light" panose="020F0302020204030204" pitchFamily="34" charset="0"/>
+              <a:ea typeface="BIZ UDゴシック" panose="020B0400000000000000" pitchFamily="49" charset="-128"/>
+              <a:cs typeface="Calibri Light" panose="020F0302020204030204" pitchFamily="34" charset="0"/>
+            </a:endParaRPr>
+          </a:p>
+        </p:txBody>
+      </p:sp>
+      <p:sp>
+        <p:nvSpPr>
+          <p:cNvPr id="120" name="正方形/長方形 119">
+            <a:extLst>
+              <a:ext uri="{FF2B5EF4-FFF2-40B4-BE49-F238E27FC236}">
+                <a16:creationId xmlns:a16="http://schemas.microsoft.com/office/drawing/2014/main" id="{98914A11-E46B-41E9-A211-A087995C7B5C}"/>
+              </a:ext>
+            </a:extLst>
+          </p:cNvPr>
+          <p:cNvSpPr/>
+          <p:nvPr/>
+        </p:nvSpPr>
+        <p:spPr>
+          <a:xfrm>
+            <a:off x="-1569079" y="2188216"/>
+            <a:ext cx="1512000" cy="369332"/>
+          </a:xfrm>
+          <a:prstGeom prst="rect">
+            <a:avLst/>
+          </a:prstGeom>
+          <a:ln w="6350"/>
+        </p:spPr>
+        <p:style>
+          <a:lnRef idx="2">
+            <a:schemeClr val="dk1"/>
+          </a:lnRef>
+          <a:fillRef idx="1">
+            <a:schemeClr val="lt1"/>
+          </a:fillRef>
+          <a:effectRef idx="0">
+            <a:schemeClr val="dk1"/>
+          </a:effectRef>
+          <a:fontRef idx="minor">
+            <a:schemeClr val="dk1"/>
+          </a:fontRef>
+        </p:style>
+        <p:txBody>
+          <a:bodyPr rtlCol="0" anchor="ctr"/>
+          <a:lstStyle/>
+          <a:p>
+            <a:pPr algn="ctr"/>
+            <a:r>
+              <a:rPr lang="en-US" altLang="ja-JP" sz="1200" dirty="0">
+                <a:latin typeface="Calibri Light" panose="020F0302020204030204" pitchFamily="34" charset="0"/>
+                <a:ea typeface="Calibri Light" panose="020F0302020204030204" pitchFamily="34" charset="0"/>
+                <a:cs typeface="Calibri Light" panose="020F0302020204030204" pitchFamily="34" charset="0"/>
+              </a:rPr>
+              <a:t>hanako</a:t>
+            </a:r>
+            <a:r>
+              <a:rPr kumimoji="1" lang="en-US" altLang="ja-JP" sz="1200" dirty="0">
+                <a:latin typeface="Calibri Light" panose="020F0302020204030204" pitchFamily="34" charset="0"/>
+                <a:ea typeface="Calibri Light" panose="020F0302020204030204" pitchFamily="34" charset="0"/>
+                <a:cs typeface="Calibri Light" panose="020F0302020204030204" pitchFamily="34" charset="0"/>
+              </a:rPr>
+              <a:t>@example.org</a:t>
+            </a:r>
+            <a:endParaRPr kumimoji="1" lang="ja-JP" altLang="en-US" sz="1200" dirty="0">
+              <a:latin typeface="Calibri Light" panose="020F0302020204030204" pitchFamily="34" charset="0"/>
+              <a:ea typeface="BIZ UDゴシック" panose="020B0400000000000000" pitchFamily="49" charset="-128"/>
+              <a:cs typeface="Calibri Light" panose="020F0302020204030204" pitchFamily="34" charset="0"/>
+            </a:endParaRPr>
+          </a:p>
+        </p:txBody>
+      </p:sp>
+      <p:cxnSp>
+        <p:nvCxnSpPr>
+          <p:cNvPr id="121" name="直線矢印コネクタ 120">
+            <a:extLst>
+              <a:ext uri="{FF2B5EF4-FFF2-40B4-BE49-F238E27FC236}">
+                <a16:creationId xmlns:a16="http://schemas.microsoft.com/office/drawing/2014/main" id="{380DDCCB-9467-4CCB-A6BB-5EF28D2F2778}"/>
+              </a:ext>
+            </a:extLst>
+          </p:cNvPr>
+          <p:cNvCxnSpPr>
+            <a:cxnSpLocks/>
+            <a:stCxn id="47" idx="3"/>
+            <a:endCxn id="120" idx="3"/>
+          </p:cNvCxnSpPr>
+          <p:nvPr/>
+        </p:nvCxnSpPr>
+        <p:spPr>
+          <a:xfrm flipH="1">
+            <a:off x="-57079" y="1856125"/>
+            <a:ext cx="614442" cy="516757"/>
+          </a:xfrm>
+          <a:prstGeom prst="straightConnector1">
+            <a:avLst/>
+          </a:prstGeom>
+          <a:ln>
+            <a:tailEnd type="triangle"/>
+          </a:ln>
+        </p:spPr>
+        <p:style>
+          <a:lnRef idx="1">
+            <a:schemeClr val="accent1"/>
+          </a:lnRef>
+          <a:fillRef idx="0">
+            <a:schemeClr val="accent1"/>
+          </a:fillRef>
+          <a:effectRef idx="0">
+            <a:schemeClr val="accent1"/>
+          </a:effectRef>
+          <a:fontRef idx="minor">
+            <a:schemeClr val="tx1"/>
+          </a:fontRef>
+        </p:style>
+      </p:cxnSp>
+      <p:sp>
+        <p:nvSpPr>
+          <p:cNvPr id="124" name="テキスト ボックス 123">
+            <a:extLst>
+              <a:ext uri="{FF2B5EF4-FFF2-40B4-BE49-F238E27FC236}">
+                <a16:creationId xmlns:a16="http://schemas.microsoft.com/office/drawing/2014/main" id="{37DF1EE8-3911-41BE-9594-08C85C479973}"/>
+              </a:ext>
+            </a:extLst>
+          </p:cNvPr>
+          <p:cNvSpPr txBox="1"/>
+          <p:nvPr/>
+        </p:nvSpPr>
+        <p:spPr>
+          <a:xfrm>
+            <a:off x="-304686" y="1952379"/>
+            <a:ext cx="925272" cy="307777"/>
+          </a:xfrm>
+          <a:prstGeom prst="rect">
+            <a:avLst/>
+          </a:prstGeom>
+          <a:noFill/>
+        </p:spPr>
+        <p:txBody>
+          <a:bodyPr wrap="square" rtlCol="0">
+            <a:spAutoFit/>
+          </a:bodyPr>
+          <a:lstStyle/>
+          <a:p>
+            <a:r>
+              <a:rPr kumimoji="1" lang="en-US" altLang="ja-JP" sz="1400" dirty="0" err="1">
+                <a:latin typeface="Calibri Light" panose="020F0302020204030204" pitchFamily="34" charset="0"/>
+                <a:ea typeface="Calibri Light" panose="020F0302020204030204" pitchFamily="34" charset="0"/>
+                <a:cs typeface="Calibri Light" panose="020F0302020204030204" pitchFamily="34" charset="0"/>
+              </a:rPr>
+              <a:t>foaf:</a:t>
+            </a:r>
+            <a:r>
+              <a:rPr lang="en-US" altLang="ja-JP" sz="1400" dirty="0" err="1">
+                <a:latin typeface="Calibri Light" panose="020F0302020204030204" pitchFamily="34" charset="0"/>
+                <a:ea typeface="Calibri Light" panose="020F0302020204030204" pitchFamily="34" charset="0"/>
+                <a:cs typeface="Calibri Light" panose="020F0302020204030204" pitchFamily="34" charset="0"/>
+              </a:rPr>
+              <a:t>mbox</a:t>
+            </a:r>
+            <a:endParaRPr kumimoji="1" lang="ja-JP" altLang="en-US" sz="1400" dirty="0">
+              <a:latin typeface="Calibri Light" panose="020F0302020204030204" pitchFamily="34" charset="0"/>
+              <a:ea typeface="BIZ UDゴシック" panose="020B0400000000000000" pitchFamily="49" charset="-128"/>
+              <a:cs typeface="Calibri Light" panose="020F0302020204030204" pitchFamily="34" charset="0"/>
+            </a:endParaRPr>
+          </a:p>
+        </p:txBody>
+      </p:sp>
+      <p:sp>
+        <p:nvSpPr>
+          <p:cNvPr id="125" name="正方形/長方形 124">
+            <a:extLst>
+              <a:ext uri="{FF2B5EF4-FFF2-40B4-BE49-F238E27FC236}">
+                <a16:creationId xmlns:a16="http://schemas.microsoft.com/office/drawing/2014/main" id="{C936730B-E20A-48C1-B742-84F4D7EA35C8}"/>
+              </a:ext>
+            </a:extLst>
+          </p:cNvPr>
+          <p:cNvSpPr/>
+          <p:nvPr/>
+        </p:nvSpPr>
+        <p:spPr>
+          <a:xfrm>
+            <a:off x="-1128185" y="2625975"/>
+            <a:ext cx="1067561" cy="369332"/>
+          </a:xfrm>
+          <a:prstGeom prst="rect">
+            <a:avLst/>
+          </a:prstGeom>
+          <a:ln w="6350"/>
+        </p:spPr>
+        <p:style>
+          <a:lnRef idx="2">
+            <a:schemeClr val="dk1"/>
+          </a:lnRef>
+          <a:fillRef idx="1">
+            <a:schemeClr val="lt1"/>
+          </a:fillRef>
+          <a:effectRef idx="0">
+            <a:schemeClr val="dk1"/>
+          </a:effectRef>
+          <a:fontRef idx="minor">
+            <a:schemeClr val="dk1"/>
+          </a:fontRef>
+        </p:style>
+        <p:txBody>
+          <a:bodyPr rtlCol="0" anchor="ctr"/>
+          <a:lstStyle/>
+          <a:p>
+            <a:pPr algn="ctr"/>
+            <a:r>
+              <a:rPr lang="ja-JP" altLang="en-US" sz="1200" dirty="0">
+                <a:latin typeface="Calibri Light" panose="020F0302020204030204" pitchFamily="34" charset="0"/>
+                <a:ea typeface="BIZ UDゴシック" panose="020B0400000000000000" pitchFamily="49" charset="-128"/>
+                <a:cs typeface="Calibri Light" panose="020F0302020204030204" pitchFamily="34" charset="0"/>
+              </a:rPr>
+              <a:t>霞が関大学</a:t>
+            </a:r>
+            <a:endParaRPr kumimoji="1" lang="ja-JP" altLang="en-US" sz="1200" dirty="0">
+              <a:latin typeface="Calibri Light" panose="020F0302020204030204" pitchFamily="34" charset="0"/>
+              <a:ea typeface="BIZ UDゴシック" panose="020B0400000000000000" pitchFamily="49" charset="-128"/>
+              <a:cs typeface="Calibri Light" panose="020F0302020204030204" pitchFamily="34" charset="0"/>
+            </a:endParaRPr>
+          </a:p>
+        </p:txBody>
+      </p:sp>
+      <p:cxnSp>
+        <p:nvCxnSpPr>
+          <p:cNvPr id="127" name="直線矢印コネクタ 126">
+            <a:extLst>
+              <a:ext uri="{FF2B5EF4-FFF2-40B4-BE49-F238E27FC236}">
+                <a16:creationId xmlns:a16="http://schemas.microsoft.com/office/drawing/2014/main" id="{5F2DA194-6FBA-422A-997F-F071E25967C8}"/>
+              </a:ext>
+            </a:extLst>
+          </p:cNvPr>
+          <p:cNvCxnSpPr>
+            <a:cxnSpLocks/>
+            <a:stCxn id="47" idx="3"/>
+            <a:endCxn id="125" idx="3"/>
+          </p:cNvCxnSpPr>
+          <p:nvPr/>
+        </p:nvCxnSpPr>
+        <p:spPr>
+          <a:xfrm flipH="1">
+            <a:off x="-60624" y="1856125"/>
+            <a:ext cx="617987" cy="954516"/>
+          </a:xfrm>
+          <a:prstGeom prst="straightConnector1">
+            <a:avLst/>
+          </a:prstGeom>
+          <a:ln>
+            <a:tailEnd type="triangle"/>
+          </a:ln>
+        </p:spPr>
+        <p:style>
+          <a:lnRef idx="1">
+            <a:schemeClr val="accent1"/>
+          </a:lnRef>
+          <a:fillRef idx="0">
+            <a:schemeClr val="accent1"/>
+          </a:fillRef>
+          <a:effectRef idx="0">
+            <a:schemeClr val="accent1"/>
+          </a:effectRef>
+          <a:fontRef idx="minor">
+            <a:schemeClr val="tx1"/>
+          </a:fontRef>
+        </p:style>
+      </p:cxnSp>
+      <p:sp>
+        <p:nvSpPr>
+          <p:cNvPr id="129" name="テキスト ボックス 128">
+            <a:extLst>
+              <a:ext uri="{FF2B5EF4-FFF2-40B4-BE49-F238E27FC236}">
+                <a16:creationId xmlns:a16="http://schemas.microsoft.com/office/drawing/2014/main" id="{35B92AED-3BD1-4B0E-9A84-769910BE259A}"/>
+              </a:ext>
+            </a:extLst>
+          </p:cNvPr>
+          <p:cNvSpPr txBox="1"/>
+          <p:nvPr/>
+        </p:nvSpPr>
+        <p:spPr>
+          <a:xfrm>
+            <a:off x="-63241" y="2295798"/>
+            <a:ext cx="1358491" cy="461665"/>
+          </a:xfrm>
+          <a:prstGeom prst="rect">
+            <a:avLst/>
+          </a:prstGeom>
+          <a:noFill/>
+        </p:spPr>
+        <p:txBody>
+          <a:bodyPr wrap="square" rtlCol="0">
+            <a:spAutoFit/>
+          </a:bodyPr>
+          <a:lstStyle/>
+          <a:p>
+            <a:r>
+              <a:rPr kumimoji="1" lang="en-US" altLang="ja-JP" sz="1200" dirty="0" err="1">
+                <a:latin typeface="Calibri Light" panose="020F0302020204030204" pitchFamily="34" charset="0"/>
+                <a:ea typeface="Calibri Light" panose="020F0302020204030204" pitchFamily="34" charset="0"/>
+                <a:cs typeface="Calibri Light" panose="020F0302020204030204" pitchFamily="34" charset="0"/>
+              </a:rPr>
+              <a:t>vcard:organization-name</a:t>
+            </a:r>
+            <a:endParaRPr kumimoji="1" lang="ja-JP" altLang="en-US" sz="1200" dirty="0">
+              <a:latin typeface="Calibri Light" panose="020F0302020204030204" pitchFamily="34" charset="0"/>
+              <a:ea typeface="BIZ UDゴシック" panose="020B0400000000000000" pitchFamily="49" charset="-128"/>
+              <a:cs typeface="Calibri Light" panose="020F0302020204030204" pitchFamily="34" charset="0"/>
+            </a:endParaRPr>
+          </a:p>
+        </p:txBody>
+      </p:sp>
+      <p:sp>
+        <p:nvSpPr>
+          <p:cNvPr id="130" name="テキスト ボックス 129">
+            <a:extLst>
+              <a:ext uri="{FF2B5EF4-FFF2-40B4-BE49-F238E27FC236}">
+                <a16:creationId xmlns:a16="http://schemas.microsoft.com/office/drawing/2014/main" id="{CA194CEE-19EC-438A-B11A-984DC8B831A2}"/>
+              </a:ext>
+            </a:extLst>
+          </p:cNvPr>
+          <p:cNvSpPr txBox="1"/>
+          <p:nvPr/>
+        </p:nvSpPr>
+        <p:spPr>
+          <a:xfrm>
+            <a:off x="1632171" y="1910053"/>
+            <a:ext cx="1126783" cy="307777"/>
+          </a:xfrm>
+          <a:prstGeom prst="rect">
+            <a:avLst/>
+          </a:prstGeom>
+          <a:noFill/>
+        </p:spPr>
+        <p:txBody>
+          <a:bodyPr wrap="none" rtlCol="0">
+            <a:spAutoFit/>
+          </a:bodyPr>
+          <a:lstStyle/>
+          <a:p>
+            <a:r>
+              <a:rPr kumimoji="1" lang="en-US" altLang="ja-JP" sz="1400" dirty="0" err="1">
+                <a:latin typeface="Calibri Light" panose="020F0302020204030204" pitchFamily="34" charset="0"/>
+                <a:ea typeface="Calibri Light" panose="020F0302020204030204" pitchFamily="34" charset="0"/>
+                <a:cs typeface="Calibri Light" panose="020F0302020204030204" pitchFamily="34" charset="0"/>
+              </a:rPr>
+              <a:t>foaf:member</a:t>
+            </a:r>
+            <a:endParaRPr kumimoji="1" lang="ja-JP" altLang="en-US" sz="1400" dirty="0">
+              <a:latin typeface="Calibri Light" panose="020F0302020204030204" pitchFamily="34" charset="0"/>
+              <a:ea typeface="BIZ UDゴシック" panose="020B0400000000000000" pitchFamily="49" charset="-128"/>
+              <a:cs typeface="Calibri Light" panose="020F0302020204030204" pitchFamily="34" charset="0"/>
+            </a:endParaRPr>
+          </a:p>
+        </p:txBody>
+      </p:sp>
+      <p:sp>
+        <p:nvSpPr>
+          <p:cNvPr id="139" name="楕円 138">
+            <a:extLst>
+              <a:ext uri="{FF2B5EF4-FFF2-40B4-BE49-F238E27FC236}">
+                <a16:creationId xmlns:a16="http://schemas.microsoft.com/office/drawing/2014/main" id="{1CE2A74F-F6C0-4189-909C-2D0D076B84C7}"/>
+              </a:ext>
+            </a:extLst>
+          </p:cNvPr>
+          <p:cNvSpPr/>
+          <p:nvPr/>
+        </p:nvSpPr>
+        <p:spPr>
+          <a:xfrm>
+            <a:off x="1559790" y="2231875"/>
+            <a:ext cx="216000" cy="216000"/>
+          </a:xfrm>
+          <a:prstGeom prst="ellipse">
+            <a:avLst/>
+          </a:prstGeom>
+        </p:spPr>
+        <p:style>
+          <a:lnRef idx="2">
+            <a:schemeClr val="accent1">
+              <a:shade val="50000"/>
+            </a:schemeClr>
+          </a:lnRef>
+          <a:fillRef idx="1">
+            <a:schemeClr val="accent1"/>
+          </a:fillRef>
+          <a:effectRef idx="0">
+            <a:schemeClr val="accent1"/>
+          </a:effectRef>
+          <a:fontRef idx="minor">
+            <a:schemeClr val="lt1"/>
+          </a:fontRef>
+        </p:style>
+        <p:txBody>
+          <a:bodyPr rtlCol="0" anchor="ctr"/>
+          <a:lstStyle/>
+          <a:p>
+            <a:pPr algn="ctr"/>
+            <a:endParaRPr kumimoji="1" lang="ja-JP" altLang="en-US" sz="1400" dirty="0">
+              <a:latin typeface="Calibri Light" panose="020F0302020204030204" pitchFamily="34" charset="0"/>
+              <a:ea typeface="BIZ UDゴシック" panose="020B0400000000000000" pitchFamily="49" charset="-128"/>
+              <a:cs typeface="Calibri Light" panose="020F0302020204030204" pitchFamily="34" charset="0"/>
+            </a:endParaRPr>
+          </a:p>
+        </p:txBody>
+      </p:sp>
+      <p:sp>
+        <p:nvSpPr>
+          <p:cNvPr id="155" name="正方形/長方形 154">
+            <a:extLst>
+              <a:ext uri="{FF2B5EF4-FFF2-40B4-BE49-F238E27FC236}">
+                <a16:creationId xmlns:a16="http://schemas.microsoft.com/office/drawing/2014/main" id="{1F520A99-4A2A-4709-8546-09C5B80B5ECD}"/>
+              </a:ext>
+            </a:extLst>
+          </p:cNvPr>
+          <p:cNvSpPr/>
+          <p:nvPr/>
+        </p:nvSpPr>
+        <p:spPr>
+          <a:xfrm>
+            <a:off x="-356334" y="3059159"/>
+            <a:ext cx="900000" cy="271416"/>
+          </a:xfrm>
+          <a:prstGeom prst="rect">
+            <a:avLst/>
+          </a:prstGeom>
+          <a:ln w="6350"/>
+        </p:spPr>
+        <p:style>
+          <a:lnRef idx="2">
+            <a:schemeClr val="dk1"/>
+          </a:lnRef>
+          <a:fillRef idx="1">
+            <a:schemeClr val="lt1"/>
+          </a:fillRef>
+          <a:effectRef idx="0">
+            <a:schemeClr val="dk1"/>
+          </a:effectRef>
+          <a:fontRef idx="minor">
+            <a:schemeClr val="dk1"/>
+          </a:fontRef>
+        </p:style>
+        <p:txBody>
+          <a:bodyPr rtlCol="0" anchor="ctr"/>
+          <a:lstStyle/>
+          <a:p>
+            <a:pPr algn="ctr"/>
+            <a:r>
+              <a:rPr kumimoji="1" lang="ja-JP" altLang="en-US" sz="1400" dirty="0">
+                <a:latin typeface="BIZ UDゴシック" panose="020B0400000000000000" pitchFamily="49" charset="-128"/>
+                <a:ea typeface="BIZ UDゴシック" panose="020B0400000000000000" pitchFamily="49" charset="-128"/>
+                <a:cs typeface="Calibri Light" panose="020F0302020204030204" pitchFamily="34" charset="0"/>
+              </a:rPr>
+              <a:t>田中一郎</a:t>
+            </a:r>
+          </a:p>
+        </p:txBody>
+      </p:sp>
+      <p:cxnSp>
+        <p:nvCxnSpPr>
+          <p:cNvPr id="156" name="直線矢印コネクタ 155">
+            <a:extLst>
+              <a:ext uri="{FF2B5EF4-FFF2-40B4-BE49-F238E27FC236}">
+                <a16:creationId xmlns:a16="http://schemas.microsoft.com/office/drawing/2014/main" id="{AF65C0F8-2E81-4344-ACC5-4C87A082EF17}"/>
+              </a:ext>
+            </a:extLst>
+          </p:cNvPr>
+          <p:cNvCxnSpPr>
+            <a:cxnSpLocks/>
+            <a:stCxn id="139" idx="3"/>
+            <a:endCxn id="155" idx="3"/>
+          </p:cNvCxnSpPr>
+          <p:nvPr/>
+        </p:nvCxnSpPr>
+        <p:spPr>
+          <a:xfrm flipH="1">
+            <a:off x="543666" y="2416243"/>
+            <a:ext cx="1047756" cy="778624"/>
+          </a:xfrm>
+          <a:prstGeom prst="straightConnector1">
+            <a:avLst/>
+          </a:prstGeom>
+          <a:ln>
+            <a:tailEnd type="triangle"/>
+          </a:ln>
+        </p:spPr>
+        <p:style>
+          <a:lnRef idx="1">
+            <a:schemeClr val="accent1"/>
+          </a:lnRef>
+          <a:fillRef idx="0">
+            <a:schemeClr val="accent1"/>
+          </a:fillRef>
+          <a:effectRef idx="0">
+            <a:schemeClr val="accent1"/>
+          </a:effectRef>
+          <a:fontRef idx="minor">
+            <a:schemeClr val="tx1"/>
+          </a:fontRef>
+        </p:style>
+      </p:cxnSp>
+      <p:sp>
+        <p:nvSpPr>
+          <p:cNvPr id="157" name="テキスト ボックス 156">
+            <a:extLst>
+              <a:ext uri="{FF2B5EF4-FFF2-40B4-BE49-F238E27FC236}">
+                <a16:creationId xmlns:a16="http://schemas.microsoft.com/office/drawing/2014/main" id="{26337A73-D291-492A-AC30-75C1386EC4D8}"/>
+              </a:ext>
+            </a:extLst>
+          </p:cNvPr>
+          <p:cNvSpPr txBox="1"/>
+          <p:nvPr/>
+        </p:nvSpPr>
+        <p:spPr>
+          <a:xfrm>
+            <a:off x="322924" y="2719121"/>
+            <a:ext cx="925272" cy="307777"/>
+          </a:xfrm>
+          <a:prstGeom prst="rect">
+            <a:avLst/>
+          </a:prstGeom>
+          <a:noFill/>
+        </p:spPr>
+        <p:txBody>
+          <a:bodyPr wrap="square" rtlCol="0">
+            <a:spAutoFit/>
+          </a:bodyPr>
+          <a:lstStyle/>
+          <a:p>
+            <a:r>
+              <a:rPr kumimoji="1" lang="en-US" altLang="ja-JP" sz="1400" dirty="0" err="1">
+                <a:latin typeface="Calibri Light" panose="020F0302020204030204" pitchFamily="34" charset="0"/>
+                <a:ea typeface="Calibri Light" panose="020F0302020204030204" pitchFamily="34" charset="0"/>
+                <a:cs typeface="Calibri Light" panose="020F0302020204030204" pitchFamily="34" charset="0"/>
+              </a:rPr>
+              <a:t>foaf:name</a:t>
+            </a:r>
+            <a:endParaRPr kumimoji="1" lang="ja-JP" altLang="en-US" sz="1400" dirty="0">
+              <a:latin typeface="Calibri Light" panose="020F0302020204030204" pitchFamily="34" charset="0"/>
+              <a:ea typeface="BIZ UDゴシック" panose="020B0400000000000000" pitchFamily="49" charset="-128"/>
+              <a:cs typeface="Calibri Light" panose="020F0302020204030204" pitchFamily="34" charset="0"/>
+            </a:endParaRPr>
+          </a:p>
+        </p:txBody>
+      </p:sp>
+      <p:sp>
+        <p:nvSpPr>
+          <p:cNvPr id="161" name="正方形/長方形 160">
+            <a:extLst>
+              <a:ext uri="{FF2B5EF4-FFF2-40B4-BE49-F238E27FC236}">
+                <a16:creationId xmlns:a16="http://schemas.microsoft.com/office/drawing/2014/main" id="{19D3B725-B635-40C0-B273-F26BFDA0A613}"/>
+              </a:ext>
+            </a:extLst>
+          </p:cNvPr>
+          <p:cNvSpPr/>
+          <p:nvPr/>
+        </p:nvSpPr>
+        <p:spPr>
+          <a:xfrm>
+            <a:off x="34289" y="3440866"/>
+            <a:ext cx="1404000" cy="449428"/>
+          </a:xfrm>
+          <a:prstGeom prst="rect">
+            <a:avLst/>
+          </a:prstGeom>
+          <a:ln w="6350"/>
+        </p:spPr>
+        <p:style>
+          <a:lnRef idx="2">
+            <a:schemeClr val="dk1"/>
+          </a:lnRef>
+          <a:fillRef idx="1">
+            <a:schemeClr val="lt1"/>
+          </a:fillRef>
+          <a:effectRef idx="0">
+            <a:schemeClr val="dk1"/>
+          </a:effectRef>
+          <a:fontRef idx="minor">
+            <a:schemeClr val="dk1"/>
+          </a:fontRef>
+        </p:style>
+        <p:txBody>
+          <a:bodyPr rtlCol="0" anchor="ctr"/>
+          <a:lstStyle/>
+          <a:p>
+            <a:pPr algn="ctr"/>
+            <a:r>
+              <a:rPr lang="ja-JP" altLang="en-US" sz="1200" dirty="0">
+                <a:latin typeface="BIZ UDゴシック" panose="020B0400000000000000" pitchFamily="49" charset="-128"/>
+                <a:ea typeface="BIZ UDゴシック" panose="020B0400000000000000" pitchFamily="49" charset="-128"/>
+                <a:cs typeface="Calibri Light" panose="020F0302020204030204" pitchFamily="34" charset="0"/>
+              </a:rPr>
+              <a:t>国立先端研究機構</a:t>
+            </a:r>
+            <a:endParaRPr kumimoji="1" lang="ja-JP" altLang="en-US" sz="1200" dirty="0">
+              <a:latin typeface="BIZ UDゴシック" panose="020B0400000000000000" pitchFamily="49" charset="-128"/>
+              <a:ea typeface="BIZ UDゴシック" panose="020B0400000000000000" pitchFamily="49" charset="-128"/>
+              <a:cs typeface="Calibri Light" panose="020F0302020204030204" pitchFamily="34" charset="0"/>
+            </a:endParaRPr>
+          </a:p>
+        </p:txBody>
+      </p:sp>
+      <p:cxnSp>
+        <p:nvCxnSpPr>
+          <p:cNvPr id="162" name="直線矢印コネクタ 161">
+            <a:extLst>
+              <a:ext uri="{FF2B5EF4-FFF2-40B4-BE49-F238E27FC236}">
+                <a16:creationId xmlns:a16="http://schemas.microsoft.com/office/drawing/2014/main" id="{3584D01B-047A-4343-9EBE-2FE200B7C919}"/>
+              </a:ext>
+            </a:extLst>
+          </p:cNvPr>
+          <p:cNvCxnSpPr>
+            <a:cxnSpLocks/>
+            <a:stCxn id="139" idx="3"/>
+            <a:endCxn id="161" idx="0"/>
+          </p:cNvCxnSpPr>
+          <p:nvPr/>
+        </p:nvCxnSpPr>
+        <p:spPr>
+          <a:xfrm flipH="1">
+            <a:off x="736289" y="2416243"/>
+            <a:ext cx="855133" cy="1024623"/>
+          </a:xfrm>
+          <a:prstGeom prst="straightConnector1">
+            <a:avLst/>
+          </a:prstGeom>
+          <a:ln>
+            <a:tailEnd type="triangle"/>
+          </a:ln>
+        </p:spPr>
+        <p:style>
+          <a:lnRef idx="1">
+            <a:schemeClr val="accent1"/>
+          </a:lnRef>
+          <a:fillRef idx="0">
+            <a:schemeClr val="accent1"/>
+          </a:fillRef>
+          <a:effectRef idx="0">
+            <a:schemeClr val="accent1"/>
+          </a:effectRef>
+          <a:fontRef idx="minor">
+            <a:schemeClr val="tx1"/>
+          </a:fontRef>
+        </p:style>
+      </p:cxnSp>
+      <p:sp>
+        <p:nvSpPr>
+          <p:cNvPr id="163" name="テキスト ボックス 162">
+            <a:extLst>
+              <a:ext uri="{FF2B5EF4-FFF2-40B4-BE49-F238E27FC236}">
+                <a16:creationId xmlns:a16="http://schemas.microsoft.com/office/drawing/2014/main" id="{78BAECC0-2677-429C-8AE7-A70E96E60D99}"/>
+              </a:ext>
+            </a:extLst>
+          </p:cNvPr>
+          <p:cNvSpPr txBox="1"/>
+          <p:nvPr/>
+        </p:nvSpPr>
+        <p:spPr>
+          <a:xfrm>
+            <a:off x="939966" y="2970885"/>
+            <a:ext cx="1358491" cy="461665"/>
+          </a:xfrm>
+          <a:prstGeom prst="rect">
+            <a:avLst/>
+          </a:prstGeom>
+          <a:noFill/>
+        </p:spPr>
+        <p:txBody>
+          <a:bodyPr wrap="square" rtlCol="0">
+            <a:spAutoFit/>
+          </a:bodyPr>
+          <a:lstStyle/>
+          <a:p>
+            <a:r>
+              <a:rPr kumimoji="1" lang="en-US" altLang="ja-JP" sz="1200" dirty="0" err="1">
+                <a:latin typeface="Calibri Light" panose="020F0302020204030204" pitchFamily="34" charset="0"/>
+                <a:ea typeface="Calibri Light" panose="020F0302020204030204" pitchFamily="34" charset="0"/>
+                <a:cs typeface="Calibri Light" panose="020F0302020204030204" pitchFamily="34" charset="0"/>
+              </a:rPr>
+              <a:t>vcard:organization-name</a:t>
+            </a:r>
+            <a:endParaRPr kumimoji="1" lang="ja-JP" altLang="en-US" sz="1200" dirty="0">
+              <a:latin typeface="Calibri Light" panose="020F0302020204030204" pitchFamily="34" charset="0"/>
+              <a:ea typeface="BIZ UDゴシック" panose="020B0400000000000000" pitchFamily="49" charset="-128"/>
+              <a:cs typeface="Calibri Light" panose="020F0302020204030204" pitchFamily="34" charset="0"/>
+            </a:endParaRPr>
+          </a:p>
+        </p:txBody>
+      </p:sp>
+      <p:sp>
+        <p:nvSpPr>
+          <p:cNvPr id="116" name="テキスト ボックス 115">
+            <a:extLst>
+              <a:ext uri="{FF2B5EF4-FFF2-40B4-BE49-F238E27FC236}">
+                <a16:creationId xmlns:a16="http://schemas.microsoft.com/office/drawing/2014/main" id="{E8930A60-43AE-469D-B96D-585ACADCCDDC}"/>
+              </a:ext>
+            </a:extLst>
+          </p:cNvPr>
+          <p:cNvSpPr txBox="1"/>
+          <p:nvPr/>
+        </p:nvSpPr>
+        <p:spPr>
+          <a:xfrm>
+            <a:off x="666076" y="1718006"/>
+            <a:ext cx="1126783" cy="307777"/>
+          </a:xfrm>
+          <a:prstGeom prst="rect">
+            <a:avLst/>
+          </a:prstGeom>
+          <a:noFill/>
+        </p:spPr>
+        <p:txBody>
+          <a:bodyPr wrap="none" rtlCol="0">
+            <a:spAutoFit/>
+          </a:bodyPr>
+          <a:lstStyle/>
+          <a:p>
+            <a:r>
+              <a:rPr kumimoji="1" lang="en-US" altLang="ja-JP" sz="1400" dirty="0" err="1">
+                <a:latin typeface="Calibri Light" panose="020F0302020204030204" pitchFamily="34" charset="0"/>
+                <a:ea typeface="Calibri Light" panose="020F0302020204030204" pitchFamily="34" charset="0"/>
+                <a:cs typeface="Calibri Light" panose="020F0302020204030204" pitchFamily="34" charset="0"/>
+              </a:rPr>
+              <a:t>foaf:member</a:t>
+            </a:r>
+            <a:endParaRPr kumimoji="1" lang="ja-JP" altLang="en-US" sz="1400" dirty="0">
+              <a:latin typeface="Calibri Light" panose="020F0302020204030204" pitchFamily="34" charset="0"/>
+              <a:ea typeface="BIZ UDゴシック" panose="020B0400000000000000" pitchFamily="49" charset="-128"/>
+              <a:cs typeface="Calibri Light" panose="020F0302020204030204" pitchFamily="34" charset="0"/>
+            </a:endParaRPr>
+          </a:p>
+        </p:txBody>
+      </p:sp>
+      <p:cxnSp>
+        <p:nvCxnSpPr>
+          <p:cNvPr id="132" name="直線矢印コネクタ 131">
+            <a:extLst>
+              <a:ext uri="{FF2B5EF4-FFF2-40B4-BE49-F238E27FC236}">
+                <a16:creationId xmlns:a16="http://schemas.microsoft.com/office/drawing/2014/main" id="{38E9122E-772D-4758-B27F-97D8F20D2E3A}"/>
+              </a:ext>
+            </a:extLst>
+          </p:cNvPr>
+          <p:cNvCxnSpPr>
+            <a:cxnSpLocks/>
+            <a:stCxn id="139" idx="6"/>
+            <a:endCxn id="133" idx="2"/>
+          </p:cNvCxnSpPr>
+          <p:nvPr/>
+        </p:nvCxnSpPr>
+        <p:spPr>
+          <a:xfrm>
+            <a:off x="1775790" y="2339875"/>
+            <a:ext cx="397390" cy="81734"/>
+          </a:xfrm>
+          <a:prstGeom prst="straightConnector1">
+            <a:avLst/>
+          </a:prstGeom>
+          <a:ln>
+            <a:tailEnd type="triangle"/>
+          </a:ln>
+        </p:spPr>
+        <p:style>
+          <a:lnRef idx="1">
+            <a:schemeClr val="accent1"/>
+          </a:lnRef>
+          <a:fillRef idx="0">
+            <a:schemeClr val="accent1"/>
+          </a:fillRef>
+          <a:effectRef idx="0">
+            <a:schemeClr val="accent1"/>
+          </a:effectRef>
+          <a:fontRef idx="minor">
+            <a:schemeClr val="tx1"/>
+          </a:fontRef>
+        </p:style>
+      </p:cxnSp>
+      <p:sp>
+        <p:nvSpPr>
+          <p:cNvPr id="133" name="楕円 132">
+            <a:extLst>
+              <a:ext uri="{FF2B5EF4-FFF2-40B4-BE49-F238E27FC236}">
+                <a16:creationId xmlns:a16="http://schemas.microsoft.com/office/drawing/2014/main" id="{9CDEC29A-AADA-479F-BC08-75C76E9F5808}"/>
+              </a:ext>
+            </a:extLst>
+          </p:cNvPr>
+          <p:cNvSpPr/>
+          <p:nvPr/>
+        </p:nvSpPr>
+        <p:spPr>
+          <a:xfrm>
+            <a:off x="2173180" y="2277356"/>
+            <a:ext cx="1258478" cy="288505"/>
+          </a:xfrm>
+          <a:prstGeom prst="ellipse">
+            <a:avLst/>
+          </a:prstGeom>
+        </p:spPr>
+        <p:style>
+          <a:lnRef idx="2">
+            <a:schemeClr val="accent1">
+              <a:shade val="50000"/>
+            </a:schemeClr>
+          </a:lnRef>
+          <a:fillRef idx="1">
+            <a:schemeClr val="accent1"/>
+          </a:fillRef>
+          <a:effectRef idx="0">
+            <a:schemeClr val="accent1"/>
+          </a:effectRef>
+          <a:fontRef idx="minor">
+            <a:schemeClr val="lt1"/>
+          </a:fontRef>
+        </p:style>
+        <p:txBody>
+          <a:bodyPr rtlCol="0" anchor="ctr"/>
+          <a:lstStyle/>
+          <a:p>
+            <a:pPr algn="ctr"/>
+            <a:r>
+              <a:rPr kumimoji="1" lang="en-US" altLang="ja-JP" sz="1200" dirty="0" err="1">
+                <a:latin typeface="Calibri Light" panose="020F0302020204030204" pitchFamily="34" charset="0"/>
+                <a:ea typeface="Calibri Light" panose="020F0302020204030204" pitchFamily="34" charset="0"/>
+                <a:cs typeface="Calibri Light" panose="020F0302020204030204" pitchFamily="34" charset="0"/>
+              </a:rPr>
+              <a:t>foaf:Person</a:t>
+            </a:r>
+            <a:endParaRPr kumimoji="1" lang="ja-JP" altLang="en-US" sz="1200" dirty="0">
+              <a:latin typeface="Calibri Light" panose="020F0302020204030204" pitchFamily="34" charset="0"/>
+              <a:ea typeface="BIZ UDゴシック" panose="020B0400000000000000" pitchFamily="49" charset="-128"/>
+              <a:cs typeface="Calibri Light" panose="020F0302020204030204" pitchFamily="34" charset="0"/>
+            </a:endParaRPr>
+          </a:p>
+        </p:txBody>
+      </p:sp>
+      <p:sp>
+        <p:nvSpPr>
+          <p:cNvPr id="141" name="テキスト ボックス 140">
+            <a:extLst>
+              <a:ext uri="{FF2B5EF4-FFF2-40B4-BE49-F238E27FC236}">
+                <a16:creationId xmlns:a16="http://schemas.microsoft.com/office/drawing/2014/main" id="{5CBC4372-6BB4-41B9-88B0-EE630815CBB9}"/>
+              </a:ext>
+            </a:extLst>
+          </p:cNvPr>
+          <p:cNvSpPr txBox="1"/>
+          <p:nvPr/>
+        </p:nvSpPr>
+        <p:spPr>
+          <a:xfrm>
+            <a:off x="1721112" y="2150031"/>
+            <a:ext cx="840486" cy="276999"/>
+          </a:xfrm>
+          <a:prstGeom prst="rect">
+            <a:avLst/>
+          </a:prstGeom>
+          <a:noFill/>
+        </p:spPr>
+        <p:txBody>
+          <a:bodyPr wrap="square" rtlCol="0">
+            <a:spAutoFit/>
+          </a:bodyPr>
+          <a:lstStyle/>
+          <a:p>
+            <a:r>
+              <a:rPr kumimoji="1" lang="en-US" altLang="ja-JP" sz="1200" dirty="0" err="1">
+                <a:latin typeface="Calibri Light" panose="020F0302020204030204" pitchFamily="34" charset="0"/>
+                <a:ea typeface="Calibri Light" panose="020F0302020204030204" pitchFamily="34" charset="0"/>
+                <a:cs typeface="Calibri Light" panose="020F0302020204030204" pitchFamily="34" charset="0"/>
+              </a:rPr>
+              <a:t>rdf:type</a:t>
+            </a:r>
+            <a:endParaRPr kumimoji="1" lang="ja-JP" altLang="en-US" sz="1200" dirty="0">
+              <a:latin typeface="Calibri Light" panose="020F0302020204030204" pitchFamily="34" charset="0"/>
+              <a:ea typeface="BIZ UDゴシック" panose="020B0400000000000000" pitchFamily="49" charset="-128"/>
+              <a:cs typeface="Calibri Light" panose="020F0302020204030204" pitchFamily="34" charset="0"/>
+            </a:endParaRPr>
+          </a:p>
+        </p:txBody>
+      </p:sp>
+    </p:spTree>
+    <p:extLst>
+      <p:ext uri="{BB962C8B-B14F-4D97-AF65-F5344CB8AC3E}">
+        <p14:creationId xmlns:p14="http://schemas.microsoft.com/office/powerpoint/2010/main" val="263674071"/>
+      </p:ext>
+    </p:extLst>
+  </p:cSld>
+  <p:clrMapOvr>
+    <a:masterClrMapping/>
+  </p:clrMapOvr>
+</p:sld>
+</file>
+
 <file path=ppt/theme/theme1.xml><?xml version="1.0" encoding="utf-8"?>
 <a:theme xmlns:a="http://schemas.openxmlformats.org/drawingml/2006/main" name="Office テーマ">
   <a:themeElements>
